--- a/prezintation_1.pptx
+++ b/prezintation_1.pptx
@@ -1,14 +1,22 @@
 
 <file path=ppt/presentation.xml><?xml version="1.0" encoding="utf-8"?>
-<p:presentation xmlns:a="http://schemas.openxmlformats.org/drawingml/2006/main" xmlns:r="http://schemas.openxmlformats.org/officeDocument/2006/relationships" xmlns:p="http://schemas.openxmlformats.org/presentationml/2006/main" xmlns:m="http://schemas.openxmlformats.org/officeDocument/2006/math" xmlns:w="http://schemas.openxmlformats.org/wordprocessingml/2006/main" saveSubsetFonts="1">
+<p:presentation xmlns:a="http://schemas.openxmlformats.org/drawingml/2006/main" xmlns:r="http://schemas.openxmlformats.org/officeDocument/2006/relationships" xmlns:p="http://schemas.openxmlformats.org/presentationml/2006/main" saveSubsetFonts="1">
   <p:sldMasterIdLst>
     <p:sldMasterId id="2147483648" r:id="rId1"/>
   </p:sldMasterIdLst>
+  <p:notesMasterIdLst>
+    <p:notesMasterId r:id="rId11"/>
+  </p:notesMasterIdLst>
   <p:sldIdLst>
-    <p:sldId id="256" r:id="rId3"/>
-    <p:sldId id="257" r:id="rId4"/>
-    <p:sldId id="258" r:id="rId5"/>
-    <p:sldId id="259" r:id="rId6"/>
+    <p:sldId id="256" r:id="rId2"/>
+    <p:sldId id="257" r:id="rId3"/>
+    <p:sldId id="258" r:id="rId4"/>
+    <p:sldId id="259" r:id="rId5"/>
+    <p:sldId id="260" r:id="rId6"/>
+    <p:sldId id="261" r:id="rId7"/>
+    <p:sldId id="263" r:id="rId8"/>
+    <p:sldId id="264" r:id="rId9"/>
+    <p:sldId id="265" r:id="rId10"/>
   </p:sldIdLst>
   <p:sldSz cx="12192000" cy="6858000"/>
   <p:notesSz cx="6858000" cy="12192000"/>
@@ -107,17 +115,466 @@
       </a:defRPr>
     </a:lvl9pPr>
   </p:defaultTextStyle>
+  <p:extLst>
+    <p:ext uri="{EFAFB233-063F-42B5-8137-9DF3F51BA10A}">
+      <p15:sldGuideLst xmlns:p15="http://schemas.microsoft.com/office/powerpoint/2012/main">
+        <p15:guide id="1" orient="horz" pos="2160">
+          <p15:clr>
+            <a:srgbClr val="A4A3A4"/>
+          </p15:clr>
+        </p15:guide>
+        <p15:guide id="2" pos="2880">
+          <p15:clr>
+            <a:srgbClr val="A4A3A4"/>
+          </p15:clr>
+        </p15:guide>
+      </p15:sldGuideLst>
+    </p:ext>
+  </p:extLst>
 </p:presentation>
 </file>
 
+<file path=ppt/notesMasters/notesMaster1.xml><?xml version="1.0" encoding="utf-8"?>
+<p:notesMaster xmlns:a="http://schemas.openxmlformats.org/drawingml/2006/main" xmlns:r="http://schemas.openxmlformats.org/officeDocument/2006/relationships" xmlns:p="http://schemas.openxmlformats.org/presentationml/2006/main">
+  <p:cSld>
+    <p:bg>
+      <p:bgRef idx="1001">
+        <a:schemeClr val="bg1"/>
+      </p:bgRef>
+    </p:bg>
+    <p:spTree>
+      <p:nvGrpSpPr>
+        <p:cNvPr id="1" name=""/>
+        <p:cNvGrpSpPr/>
+        <p:nvPr/>
+      </p:nvGrpSpPr>
+      <p:grpSpPr>
+        <a:xfrm>
+          <a:off x="0" y="0"/>
+          <a:ext cx="0" cy="0"/>
+          <a:chOff x="0" y="0"/>
+          <a:chExt cx="0" cy="0"/>
+        </a:xfrm>
+      </p:grpSpPr>
+      <p:sp>
+        <p:nvSpPr>
+          <p:cNvPr id="2" name="Верхний колонтитул 1"/>
+          <p:cNvSpPr>
+            <a:spLocks noGrp="1"/>
+          </p:cNvSpPr>
+          <p:nvPr>
+            <p:ph type="hdr" sz="quarter"/>
+          </p:nvPr>
+        </p:nvSpPr>
+        <p:spPr>
+          <a:xfrm>
+            <a:off x="0" y="0"/>
+            <a:ext cx="2971800" cy="611188"/>
+          </a:xfrm>
+          <a:prstGeom prst="rect">
+            <a:avLst/>
+          </a:prstGeom>
+        </p:spPr>
+        <p:txBody>
+          <a:bodyPr vert="horz" lIns="91440" tIns="45720" rIns="91440" bIns="45720" rtlCol="0"/>
+          <a:lstStyle>
+            <a:lvl1pPr algn="l">
+              <a:defRPr sz="1200"/>
+            </a:lvl1pPr>
+          </a:lstStyle>
+          <a:p>
+            <a:endParaRPr lang="ru-RU"/>
+          </a:p>
+        </p:txBody>
+      </p:sp>
+      <p:sp>
+        <p:nvSpPr>
+          <p:cNvPr id="3" name="Дата 2"/>
+          <p:cNvSpPr>
+            <a:spLocks noGrp="1"/>
+          </p:cNvSpPr>
+          <p:nvPr>
+            <p:ph type="dt" idx="1"/>
+          </p:nvPr>
+        </p:nvSpPr>
+        <p:spPr>
+          <a:xfrm>
+            <a:off x="3884613" y="0"/>
+            <a:ext cx="2971800" cy="611188"/>
+          </a:xfrm>
+          <a:prstGeom prst="rect">
+            <a:avLst/>
+          </a:prstGeom>
+        </p:spPr>
+        <p:txBody>
+          <a:bodyPr vert="horz" lIns="91440" tIns="45720" rIns="91440" bIns="45720" rtlCol="0"/>
+          <a:lstStyle>
+            <a:lvl1pPr algn="r">
+              <a:defRPr sz="1200"/>
+            </a:lvl1pPr>
+          </a:lstStyle>
+          <a:p>
+            <a:fld id="{34B1049D-393D-4ED3-8AFA-505C75892741}" type="datetimeFigureOut">
+              <a:rPr lang="ru-RU" smtClean="0"/>
+              <a:t>27.04.2021</a:t>
+            </a:fld>
+            <a:endParaRPr lang="ru-RU"/>
+          </a:p>
+        </p:txBody>
+      </p:sp>
+      <p:sp>
+        <p:nvSpPr>
+          <p:cNvPr id="4" name="Образ слайда 3"/>
+          <p:cNvSpPr>
+            <a:spLocks noGrp="1" noRot="1" noChangeAspect="1"/>
+          </p:cNvSpPr>
+          <p:nvPr>
+            <p:ph type="sldImg" idx="2"/>
+          </p:nvPr>
+        </p:nvSpPr>
+        <p:spPr>
+          <a:xfrm>
+            <a:off x="-228600" y="1524000"/>
+            <a:ext cx="7315200" cy="4114800"/>
+          </a:xfrm>
+          <a:prstGeom prst="rect">
+            <a:avLst/>
+          </a:prstGeom>
+          <a:noFill/>
+          <a:ln w="12700">
+            <a:solidFill>
+              <a:prstClr val="black"/>
+            </a:solidFill>
+          </a:ln>
+        </p:spPr>
+        <p:txBody>
+          <a:bodyPr vert="horz" lIns="91440" tIns="45720" rIns="91440" bIns="45720" rtlCol="0" anchor="ctr"/>
+          <a:lstStyle/>
+          <a:p>
+            <a:endParaRPr lang="ru-RU"/>
+          </a:p>
+        </p:txBody>
+      </p:sp>
+      <p:sp>
+        <p:nvSpPr>
+          <p:cNvPr id="5" name="Заметки 4"/>
+          <p:cNvSpPr>
+            <a:spLocks noGrp="1"/>
+          </p:cNvSpPr>
+          <p:nvPr>
+            <p:ph type="body" sz="quarter" idx="3"/>
+          </p:nvPr>
+        </p:nvSpPr>
+        <p:spPr>
+          <a:xfrm>
+            <a:off x="685800" y="5867400"/>
+            <a:ext cx="5486400" cy="4800600"/>
+          </a:xfrm>
+          <a:prstGeom prst="rect">
+            <a:avLst/>
+          </a:prstGeom>
+        </p:spPr>
+        <p:txBody>
+          <a:bodyPr vert="horz" lIns="91440" tIns="45720" rIns="91440" bIns="45720" rtlCol="0"/>
+          <a:lstStyle/>
+          <a:p>
+            <a:pPr lvl="0"/>
+            <a:r>
+              <a:rPr lang="ru-RU"/>
+              <a:t>Образец текста</a:t>
+            </a:r>
+          </a:p>
+          <a:p>
+            <a:pPr lvl="1"/>
+            <a:r>
+              <a:rPr lang="ru-RU"/>
+              <a:t>Второй уровень</a:t>
+            </a:r>
+          </a:p>
+          <a:p>
+            <a:pPr lvl="2"/>
+            <a:r>
+              <a:rPr lang="ru-RU"/>
+              <a:t>Третий уровень</a:t>
+            </a:r>
+          </a:p>
+          <a:p>
+            <a:pPr lvl="3"/>
+            <a:r>
+              <a:rPr lang="ru-RU"/>
+              <a:t>Четвертый уровень</a:t>
+            </a:r>
+          </a:p>
+          <a:p>
+            <a:pPr lvl="4"/>
+            <a:r>
+              <a:rPr lang="ru-RU"/>
+              <a:t>Пятый уровень</a:t>
+            </a:r>
+          </a:p>
+        </p:txBody>
+      </p:sp>
+      <p:sp>
+        <p:nvSpPr>
+          <p:cNvPr id="6" name="Нижний колонтитул 5"/>
+          <p:cNvSpPr>
+            <a:spLocks noGrp="1"/>
+          </p:cNvSpPr>
+          <p:nvPr>
+            <p:ph type="ftr" sz="quarter" idx="4"/>
+          </p:nvPr>
+        </p:nvSpPr>
+        <p:spPr>
+          <a:xfrm>
+            <a:off x="0" y="11580813"/>
+            <a:ext cx="2971800" cy="611187"/>
+          </a:xfrm>
+          <a:prstGeom prst="rect">
+            <a:avLst/>
+          </a:prstGeom>
+        </p:spPr>
+        <p:txBody>
+          <a:bodyPr vert="horz" lIns="91440" tIns="45720" rIns="91440" bIns="45720" rtlCol="0" anchor="b"/>
+          <a:lstStyle>
+            <a:lvl1pPr algn="l">
+              <a:defRPr sz="1200"/>
+            </a:lvl1pPr>
+          </a:lstStyle>
+          <a:p>
+            <a:endParaRPr lang="ru-RU"/>
+          </a:p>
+        </p:txBody>
+      </p:sp>
+      <p:sp>
+        <p:nvSpPr>
+          <p:cNvPr id="7" name="Номер слайда 6"/>
+          <p:cNvSpPr>
+            <a:spLocks noGrp="1"/>
+          </p:cNvSpPr>
+          <p:nvPr>
+            <p:ph type="sldNum" sz="quarter" idx="5"/>
+          </p:nvPr>
+        </p:nvSpPr>
+        <p:spPr>
+          <a:xfrm>
+            <a:off x="3884613" y="11580813"/>
+            <a:ext cx="2971800" cy="611187"/>
+          </a:xfrm>
+          <a:prstGeom prst="rect">
+            <a:avLst/>
+          </a:prstGeom>
+        </p:spPr>
+        <p:txBody>
+          <a:bodyPr vert="horz" lIns="91440" tIns="45720" rIns="91440" bIns="45720" rtlCol="0" anchor="b"/>
+          <a:lstStyle>
+            <a:lvl1pPr algn="r">
+              <a:defRPr sz="1200"/>
+            </a:lvl1pPr>
+          </a:lstStyle>
+          <a:p>
+            <a:fld id="{9AC0CBD6-D36D-4688-A1CC-A17153758A00}" type="slidenum">
+              <a:rPr lang="ru-RU" smtClean="0"/>
+              <a:t>‹#›</a:t>
+            </a:fld>
+            <a:endParaRPr lang="ru-RU"/>
+          </a:p>
+        </p:txBody>
+      </p:sp>
+    </p:spTree>
+    <p:extLst>
+      <p:ext uri="{BB962C8B-B14F-4D97-AF65-F5344CB8AC3E}">
+        <p14:creationId xmlns:p14="http://schemas.microsoft.com/office/powerpoint/2010/main" val="2446661327"/>
+      </p:ext>
+    </p:extLst>
+  </p:cSld>
+  <p:clrMap bg1="lt1" tx1="dk1" bg2="lt2" tx2="dk2" accent1="accent1" accent2="accent2" accent3="accent3" accent4="accent4" accent5="accent5" accent6="accent6" hlink="hlink" folHlink="folHlink"/>
+  <p:notesStyle>
+    <a:lvl1pPr marL="0" algn="l" defTabSz="914400" rtl="0" eaLnBrk="1" latinLnBrk="0" hangingPunct="1">
+      <a:defRPr sz="1200" kern="1200">
+        <a:solidFill>
+          <a:schemeClr val="tx1"/>
+        </a:solidFill>
+        <a:latin typeface="+mn-lt"/>
+        <a:ea typeface="+mn-ea"/>
+        <a:cs typeface="+mn-cs"/>
+      </a:defRPr>
+    </a:lvl1pPr>
+    <a:lvl2pPr marL="457200" algn="l" defTabSz="914400" rtl="0" eaLnBrk="1" latinLnBrk="0" hangingPunct="1">
+      <a:defRPr sz="1200" kern="1200">
+        <a:solidFill>
+          <a:schemeClr val="tx1"/>
+        </a:solidFill>
+        <a:latin typeface="+mn-lt"/>
+        <a:ea typeface="+mn-ea"/>
+        <a:cs typeface="+mn-cs"/>
+      </a:defRPr>
+    </a:lvl2pPr>
+    <a:lvl3pPr marL="914400" algn="l" defTabSz="914400" rtl="0" eaLnBrk="1" latinLnBrk="0" hangingPunct="1">
+      <a:defRPr sz="1200" kern="1200">
+        <a:solidFill>
+          <a:schemeClr val="tx1"/>
+        </a:solidFill>
+        <a:latin typeface="+mn-lt"/>
+        <a:ea typeface="+mn-ea"/>
+        <a:cs typeface="+mn-cs"/>
+      </a:defRPr>
+    </a:lvl3pPr>
+    <a:lvl4pPr marL="1371600" algn="l" defTabSz="914400" rtl="0" eaLnBrk="1" latinLnBrk="0" hangingPunct="1">
+      <a:defRPr sz="1200" kern="1200">
+        <a:solidFill>
+          <a:schemeClr val="tx1"/>
+        </a:solidFill>
+        <a:latin typeface="+mn-lt"/>
+        <a:ea typeface="+mn-ea"/>
+        <a:cs typeface="+mn-cs"/>
+      </a:defRPr>
+    </a:lvl4pPr>
+    <a:lvl5pPr marL="1828800" algn="l" defTabSz="914400" rtl="0" eaLnBrk="1" latinLnBrk="0" hangingPunct="1">
+      <a:defRPr sz="1200" kern="1200">
+        <a:solidFill>
+          <a:schemeClr val="tx1"/>
+        </a:solidFill>
+        <a:latin typeface="+mn-lt"/>
+        <a:ea typeface="+mn-ea"/>
+        <a:cs typeface="+mn-cs"/>
+      </a:defRPr>
+    </a:lvl5pPr>
+    <a:lvl6pPr marL="2286000" algn="l" defTabSz="914400" rtl="0" eaLnBrk="1" latinLnBrk="0" hangingPunct="1">
+      <a:defRPr sz="1200" kern="1200">
+        <a:solidFill>
+          <a:schemeClr val="tx1"/>
+        </a:solidFill>
+        <a:latin typeface="+mn-lt"/>
+        <a:ea typeface="+mn-ea"/>
+        <a:cs typeface="+mn-cs"/>
+      </a:defRPr>
+    </a:lvl6pPr>
+    <a:lvl7pPr marL="2743200" algn="l" defTabSz="914400" rtl="0" eaLnBrk="1" latinLnBrk="0" hangingPunct="1">
+      <a:defRPr sz="1200" kern="1200">
+        <a:solidFill>
+          <a:schemeClr val="tx1"/>
+        </a:solidFill>
+        <a:latin typeface="+mn-lt"/>
+        <a:ea typeface="+mn-ea"/>
+        <a:cs typeface="+mn-cs"/>
+      </a:defRPr>
+    </a:lvl7pPr>
+    <a:lvl8pPr marL="3200400" algn="l" defTabSz="914400" rtl="0" eaLnBrk="1" latinLnBrk="0" hangingPunct="1">
+      <a:defRPr sz="1200" kern="1200">
+        <a:solidFill>
+          <a:schemeClr val="tx1"/>
+        </a:solidFill>
+        <a:latin typeface="+mn-lt"/>
+        <a:ea typeface="+mn-ea"/>
+        <a:cs typeface="+mn-cs"/>
+      </a:defRPr>
+    </a:lvl8pPr>
+    <a:lvl9pPr marL="3657600" algn="l" defTabSz="914400" rtl="0" eaLnBrk="1" latinLnBrk="0" hangingPunct="1">
+      <a:defRPr sz="1200" kern="1200">
+        <a:solidFill>
+          <a:schemeClr val="tx1"/>
+        </a:solidFill>
+        <a:latin typeface="+mn-lt"/>
+        <a:ea typeface="+mn-ea"/>
+        <a:cs typeface="+mn-cs"/>
+      </a:defRPr>
+    </a:lvl9pPr>
+  </p:notesStyle>
+</p:notesMaster>
+</file>
+
+<file path=ppt/notesSlides/notesSlide1.xml><?xml version="1.0" encoding="utf-8"?>
+<p:notes xmlns:a="http://schemas.openxmlformats.org/drawingml/2006/main" xmlns:r="http://schemas.openxmlformats.org/officeDocument/2006/relationships" xmlns:p="http://schemas.openxmlformats.org/presentationml/2006/main">
+  <p:cSld>
+    <p:spTree>
+      <p:nvGrpSpPr>
+        <p:cNvPr id="1" name=""/>
+        <p:cNvGrpSpPr/>
+        <p:nvPr/>
+      </p:nvGrpSpPr>
+      <p:grpSpPr>
+        <a:xfrm>
+          <a:off x="0" y="0"/>
+          <a:ext cx="0" cy="0"/>
+          <a:chOff x="0" y="0"/>
+          <a:chExt cx="0" cy="0"/>
+        </a:xfrm>
+      </p:grpSpPr>
+      <p:sp>
+        <p:nvSpPr>
+          <p:cNvPr id="2" name="Образ слайда 1"/>
+          <p:cNvSpPr>
+            <a:spLocks noGrp="1" noRot="1" noChangeAspect="1"/>
+          </p:cNvSpPr>
+          <p:nvPr>
+            <p:ph type="sldImg"/>
+          </p:nvPr>
+        </p:nvSpPr>
+        <p:spPr/>
+      </p:sp>
+      <p:sp>
+        <p:nvSpPr>
+          <p:cNvPr id="3" name="Заметки 2"/>
+          <p:cNvSpPr>
+            <a:spLocks noGrp="1"/>
+          </p:cNvSpPr>
+          <p:nvPr>
+            <p:ph type="body" idx="1"/>
+          </p:nvPr>
+        </p:nvSpPr>
+        <p:spPr/>
+        <p:txBody>
+          <a:bodyPr/>
+          <a:lstStyle/>
+          <a:p>
+            <a:endParaRPr lang="ru-RU" dirty="0"/>
+          </a:p>
+        </p:txBody>
+      </p:sp>
+      <p:sp>
+        <p:nvSpPr>
+          <p:cNvPr id="4" name="Номер слайда 3"/>
+          <p:cNvSpPr>
+            <a:spLocks noGrp="1"/>
+          </p:cNvSpPr>
+          <p:nvPr>
+            <p:ph type="sldNum" sz="quarter" idx="5"/>
+          </p:nvPr>
+        </p:nvSpPr>
+        <p:spPr/>
+        <p:txBody>
+          <a:bodyPr/>
+          <a:lstStyle/>
+          <a:p>
+            <a:fld id="{9AC0CBD6-D36D-4688-A1CC-A17153758A00}" type="slidenum">
+              <a:rPr lang="ru-RU" smtClean="0"/>
+              <a:t>6</a:t>
+            </a:fld>
+            <a:endParaRPr lang="ru-RU"/>
+          </a:p>
+        </p:txBody>
+      </p:sp>
+    </p:spTree>
+    <p:extLst>
+      <p:ext uri="{BB962C8B-B14F-4D97-AF65-F5344CB8AC3E}">
+        <p14:creationId xmlns:p14="http://schemas.microsoft.com/office/powerpoint/2010/main" val="1080171658"/>
+      </p:ext>
+    </p:extLst>
+  </p:cSld>
+  <p:clrMapOvr>
+    <a:masterClrMapping/>
+  </p:clrMapOvr>
+</p:notes>
+</file>
+
 <file path=ppt/slideLayouts/slideLayout1.xml><?xml version="1.0" encoding="utf-8"?>
-<p:sldLayout xmlns:a="http://schemas.openxmlformats.org/drawingml/2006/main" xmlns:r="http://schemas.openxmlformats.org/officeDocument/2006/relationships" xmlns:p="http://schemas.openxmlformats.org/presentationml/2006/main" xmlns:m="http://schemas.openxmlformats.org/officeDocument/2006/math" xmlns:w="http://schemas.openxmlformats.org/wordprocessingml/2006/main" matchingName="" preserve="1" showMasterPhAnim="0" type="title" userDrawn="1">
+<p:sldLayout xmlns:a="http://schemas.openxmlformats.org/drawingml/2006/main" xmlns:r="http://schemas.openxmlformats.org/officeDocument/2006/relationships" xmlns:p="http://schemas.openxmlformats.org/presentationml/2006/main" showMasterPhAnim="0" type="title" preserve="1" userDrawn="1">
   <p:cSld name="Title Slide">
     <p:spTree>
       <p:nvGrpSpPr>
-        <p:cNvPr id="1" name="" hidden="0"/>
+        <p:cNvPr id="1" name=""/>
         <p:cNvGrpSpPr/>
-        <p:nvPr isPhoto="0" userDrawn="0"/>
+        <p:nvPr/>
       </p:nvGrpSpPr>
       <p:grpSpPr bwMode="auto">
         <a:xfrm>
@@ -129,12 +586,12 @@
       </p:grpSpPr>
       <p:sp>
         <p:nvSpPr>
-          <p:cNvPr id="4" name="Title 1" hidden="0"/>
-          <p:cNvSpPr>
-            <a:spLocks noGrp="1"/>
-          </p:cNvSpPr>
-          <p:nvPr isPhoto="0" userDrawn="0">
-            <p:ph type="ctrTitle" hasCustomPrompt="0"/>
+          <p:cNvPr id="4" name="Title 1"/>
+          <p:cNvSpPr>
+            <a:spLocks noGrp="1"/>
+          </p:cNvSpPr>
+          <p:nvPr>
+            <p:ph type="ctrTitle"/>
           </p:nvPr>
         </p:nvSpPr>
         <p:spPr bwMode="auto">
@@ -158,18 +615,17 @@
               <a:rPr lang="ru-RU"/>
               <a:t>Click to edit Master title style</a:t>
             </a:r>
-            <a:endParaRPr lang="ru-RU"/>
-          </a:p>
-        </p:txBody>
-      </p:sp>
-      <p:sp>
-        <p:nvSpPr>
-          <p:cNvPr id="5" name="Subtitle 2" hidden="0"/>
-          <p:cNvSpPr>
-            <a:spLocks noGrp="1"/>
-          </p:cNvSpPr>
-          <p:nvPr isPhoto="0" userDrawn="0">
-            <p:ph type="subTitle" idx="1" hasCustomPrompt="0"/>
+          </a:p>
+        </p:txBody>
+      </p:sp>
+      <p:sp>
+        <p:nvSpPr>
+          <p:cNvPr id="5" name="Subtitle 2"/>
+          <p:cNvSpPr>
+            <a:spLocks noGrp="1"/>
+          </p:cNvSpPr>
+          <p:nvPr>
+            <p:ph type="subTitle" idx="1"/>
           </p:nvPr>
         </p:nvSpPr>
         <p:spPr bwMode="auto">
@@ -226,18 +682,17 @@
               <a:rPr lang="ru-RU"/>
               <a:t>Click to edit Master subtitle style</a:t>
             </a:r>
-            <a:endParaRPr lang="ru-RU"/>
-          </a:p>
-        </p:txBody>
-      </p:sp>
-      <p:sp>
-        <p:nvSpPr>
-          <p:cNvPr id="6" name="Date Placeholder 3" hidden="0"/>
-          <p:cNvSpPr>
-            <a:spLocks noGrp="1"/>
-          </p:cNvSpPr>
-          <p:nvPr isPhoto="0" userDrawn="0">
-            <p:ph type="dt" sz="half" idx="10" hasCustomPrompt="0"/>
+          </a:p>
+        </p:txBody>
+      </p:sp>
+      <p:sp>
+        <p:nvSpPr>
+          <p:cNvPr id="6" name="Date Placeholder 3"/>
+          <p:cNvSpPr>
+            <a:spLocks noGrp="1"/>
+          </p:cNvSpPr>
+          <p:nvPr>
+            <p:ph type="dt" sz="half" idx="10"/>
           </p:nvPr>
         </p:nvSpPr>
         <p:spPr bwMode="auto"/>
@@ -250,7 +705,7 @@
             </a:pPr>
             <a:fld id="{BCC18F51-09EC-435C-A3BA-64A766E099C0}" type="datetimeFigureOut">
               <a:rPr lang="ru-RU"/>
-              <a:t/>
+              <a:t>27.04.2021</a:t>
             </a:fld>
             <a:endParaRPr lang="ru-RU"/>
           </a:p>
@@ -258,12 +713,12 @@
       </p:sp>
       <p:sp>
         <p:nvSpPr>
-          <p:cNvPr id="7" name="Footer Placeholder 4" hidden="0"/>
-          <p:cNvSpPr>
-            <a:spLocks noGrp="1"/>
-          </p:cNvSpPr>
-          <p:nvPr isPhoto="0" userDrawn="0">
-            <p:ph type="ftr" sz="quarter" idx="11" hasCustomPrompt="0"/>
+          <p:cNvPr id="7" name="Footer Placeholder 4"/>
+          <p:cNvSpPr>
+            <a:spLocks noGrp="1"/>
+          </p:cNvSpPr>
+          <p:nvPr>
+            <p:ph type="ftr" sz="quarter" idx="11"/>
           </p:nvPr>
         </p:nvSpPr>
         <p:spPr bwMode="auto"/>
@@ -280,12 +735,12 @@
       </p:sp>
       <p:sp>
         <p:nvSpPr>
-          <p:cNvPr id="8" name="Slide Number Placeholder 5" hidden="0"/>
-          <p:cNvSpPr>
-            <a:spLocks noGrp="1"/>
-          </p:cNvSpPr>
-          <p:nvPr isPhoto="0" userDrawn="0">
-            <p:ph type="sldNum" sz="quarter" idx="12" hasCustomPrompt="0"/>
+          <p:cNvPr id="8" name="Slide Number Placeholder 5"/>
+          <p:cNvSpPr>
+            <a:spLocks noGrp="1"/>
+          </p:cNvSpPr>
+          <p:nvPr>
+            <p:ph type="sldNum" sz="quarter" idx="12"/>
           </p:nvPr>
         </p:nvSpPr>
         <p:spPr bwMode="auto"/>
@@ -298,7 +753,7 @@
             </a:pPr>
             <a:fld id="{08395586-F03A-48D1-94DF-16B239DF4FB5}" type="slidenum">
               <a:rPr lang="ru-RU"/>
-              <a:t/>
+              <a:t>‹#›</a:t>
             </a:fld>
             <a:endParaRPr lang="ru-RU"/>
           </a:p>
@@ -313,13 +768,13 @@
 </file>
 
 <file path=ppt/slideLayouts/slideLayout10.xml><?xml version="1.0" encoding="utf-8"?>
-<p:sldLayout xmlns:a="http://schemas.openxmlformats.org/drawingml/2006/main" xmlns:r="http://schemas.openxmlformats.org/officeDocument/2006/relationships" xmlns:p="http://schemas.openxmlformats.org/presentationml/2006/main" xmlns:m="http://schemas.openxmlformats.org/officeDocument/2006/math" xmlns:w="http://schemas.openxmlformats.org/wordprocessingml/2006/main" matchingName="" preserve="1" showMasterPhAnim="0" type="vertTx" userDrawn="1">
+<p:sldLayout xmlns:a="http://schemas.openxmlformats.org/drawingml/2006/main" xmlns:r="http://schemas.openxmlformats.org/officeDocument/2006/relationships" xmlns:p="http://schemas.openxmlformats.org/presentationml/2006/main" showMasterPhAnim="0" type="vertTx" preserve="1" userDrawn="1">
   <p:cSld name="Title and Vertical Text">
     <p:spTree>
       <p:nvGrpSpPr>
-        <p:cNvPr id="1" name="" hidden="0"/>
+        <p:cNvPr id="1" name=""/>
         <p:cNvGrpSpPr/>
-        <p:nvPr isPhoto="0" userDrawn="0"/>
+        <p:nvPr/>
       </p:nvGrpSpPr>
       <p:grpSpPr bwMode="auto">
         <a:xfrm>
@@ -331,12 +786,12 @@
       </p:grpSpPr>
       <p:sp>
         <p:nvSpPr>
-          <p:cNvPr id="4" name="Title 1" hidden="0"/>
-          <p:cNvSpPr>
-            <a:spLocks noGrp="1"/>
-          </p:cNvSpPr>
-          <p:nvPr isPhoto="0" userDrawn="0">
-            <p:ph type="title" hasCustomPrompt="0"/>
+          <p:cNvPr id="4" name="Title 1"/>
+          <p:cNvSpPr>
+            <a:spLocks noGrp="1"/>
+          </p:cNvSpPr>
+          <p:nvPr>
+            <p:ph type="title"/>
           </p:nvPr>
         </p:nvSpPr>
         <p:spPr bwMode="auto"/>
@@ -351,18 +806,17 @@
               <a:rPr lang="ru-RU"/>
               <a:t>Click to edit Master title style</a:t>
             </a:r>
-            <a:endParaRPr lang="ru-RU"/>
-          </a:p>
-        </p:txBody>
-      </p:sp>
-      <p:sp>
-        <p:nvSpPr>
-          <p:cNvPr id="5" name="Vertical Text Placeholder 2" hidden="0"/>
-          <p:cNvSpPr>
-            <a:spLocks noGrp="1"/>
-          </p:cNvSpPr>
-          <p:nvPr isPhoto="0" userDrawn="0">
-            <p:ph type="body" orient="vert" idx="1" hasCustomPrompt="0"/>
+          </a:p>
+        </p:txBody>
+      </p:sp>
+      <p:sp>
+        <p:nvSpPr>
+          <p:cNvPr id="5" name="Vertical Text Placeholder 2"/>
+          <p:cNvSpPr>
+            <a:spLocks noGrp="1"/>
+          </p:cNvSpPr>
+          <p:nvPr>
+            <p:ph type="body" orient="vert" idx="1"/>
           </p:nvPr>
         </p:nvSpPr>
         <p:spPr bwMode="auto"/>
@@ -417,18 +871,17 @@
               <a:rPr lang="ru-RU"/>
               <a:t>Fifth level</a:t>
             </a:r>
-            <a:endParaRPr lang="ru-RU"/>
-          </a:p>
-        </p:txBody>
-      </p:sp>
-      <p:sp>
-        <p:nvSpPr>
-          <p:cNvPr id="6" name="Date Placeholder 3" hidden="0"/>
-          <p:cNvSpPr>
-            <a:spLocks noGrp="1"/>
-          </p:cNvSpPr>
-          <p:nvPr isPhoto="0" userDrawn="0">
-            <p:ph type="dt" sz="half" idx="10" hasCustomPrompt="0"/>
+          </a:p>
+        </p:txBody>
+      </p:sp>
+      <p:sp>
+        <p:nvSpPr>
+          <p:cNvPr id="6" name="Date Placeholder 3"/>
+          <p:cNvSpPr>
+            <a:spLocks noGrp="1"/>
+          </p:cNvSpPr>
+          <p:nvPr>
+            <p:ph type="dt" sz="half" idx="10"/>
           </p:nvPr>
         </p:nvSpPr>
         <p:spPr bwMode="auto"/>
@@ -441,7 +894,7 @@
             </a:pPr>
             <a:fld id="{BCC18F51-09EC-435C-A3BA-64A766E099C0}" type="datetimeFigureOut">
               <a:rPr lang="ru-RU"/>
-              <a:t/>
+              <a:t>27.04.2021</a:t>
             </a:fld>
             <a:endParaRPr lang="ru-RU"/>
           </a:p>
@@ -449,12 +902,12 @@
       </p:sp>
       <p:sp>
         <p:nvSpPr>
-          <p:cNvPr id="7" name="Footer Placeholder 4" hidden="0"/>
-          <p:cNvSpPr>
-            <a:spLocks noGrp="1"/>
-          </p:cNvSpPr>
-          <p:nvPr isPhoto="0" userDrawn="0">
-            <p:ph type="ftr" sz="quarter" idx="11" hasCustomPrompt="0"/>
+          <p:cNvPr id="7" name="Footer Placeholder 4"/>
+          <p:cNvSpPr>
+            <a:spLocks noGrp="1"/>
+          </p:cNvSpPr>
+          <p:nvPr>
+            <p:ph type="ftr" sz="quarter" idx="11"/>
           </p:nvPr>
         </p:nvSpPr>
         <p:spPr bwMode="auto"/>
@@ -471,12 +924,12 @@
       </p:sp>
       <p:sp>
         <p:nvSpPr>
-          <p:cNvPr id="8" name="Slide Number Placeholder 5" hidden="0"/>
-          <p:cNvSpPr>
-            <a:spLocks noGrp="1"/>
-          </p:cNvSpPr>
-          <p:nvPr isPhoto="0" userDrawn="0">
-            <p:ph type="sldNum" sz="quarter" idx="12" hasCustomPrompt="0"/>
+          <p:cNvPr id="8" name="Slide Number Placeholder 5"/>
+          <p:cNvSpPr>
+            <a:spLocks noGrp="1"/>
+          </p:cNvSpPr>
+          <p:nvPr>
+            <p:ph type="sldNum" sz="quarter" idx="12"/>
           </p:nvPr>
         </p:nvSpPr>
         <p:spPr bwMode="auto"/>
@@ -489,7 +942,7 @@
             </a:pPr>
             <a:fld id="{08395586-F03A-48D1-94DF-16B239DF4FB5}" type="slidenum">
               <a:rPr lang="ru-RU"/>
-              <a:t/>
+              <a:t>‹#›</a:t>
             </a:fld>
             <a:endParaRPr lang="ru-RU"/>
           </a:p>
@@ -504,13 +957,13 @@
 </file>
 
 <file path=ppt/slideLayouts/slideLayout11.xml><?xml version="1.0" encoding="utf-8"?>
-<p:sldLayout xmlns:a="http://schemas.openxmlformats.org/drawingml/2006/main" xmlns:r="http://schemas.openxmlformats.org/officeDocument/2006/relationships" xmlns:p="http://schemas.openxmlformats.org/presentationml/2006/main" xmlns:m="http://schemas.openxmlformats.org/officeDocument/2006/math" xmlns:w="http://schemas.openxmlformats.org/wordprocessingml/2006/main" matchingName="" preserve="1" showMasterPhAnim="0" type="vertTitleAndTx" userDrawn="1">
+<p:sldLayout xmlns:a="http://schemas.openxmlformats.org/drawingml/2006/main" xmlns:r="http://schemas.openxmlformats.org/officeDocument/2006/relationships" xmlns:p="http://schemas.openxmlformats.org/presentationml/2006/main" showMasterPhAnim="0" type="vertTitleAndTx" preserve="1" userDrawn="1">
   <p:cSld name="Vertical Title and Text">
     <p:spTree>
       <p:nvGrpSpPr>
-        <p:cNvPr id="1" name="" hidden="0"/>
+        <p:cNvPr id="1" name=""/>
         <p:cNvGrpSpPr/>
-        <p:nvPr isPhoto="0" userDrawn="0"/>
+        <p:nvPr/>
       </p:nvGrpSpPr>
       <p:grpSpPr bwMode="auto">
         <a:xfrm>
@@ -522,12 +975,12 @@
       </p:grpSpPr>
       <p:sp>
         <p:nvSpPr>
-          <p:cNvPr id="4" name="Vertical Title 1" hidden="0"/>
-          <p:cNvSpPr>
-            <a:spLocks noGrp="1"/>
-          </p:cNvSpPr>
-          <p:nvPr isPhoto="0" userDrawn="0">
-            <p:ph type="title" orient="vert" hasCustomPrompt="0"/>
+          <p:cNvPr id="4" name="Vertical Title 1"/>
+          <p:cNvSpPr>
+            <a:spLocks noGrp="1"/>
+          </p:cNvSpPr>
+          <p:nvPr>
+            <p:ph type="title" orient="vert"/>
           </p:nvPr>
         </p:nvSpPr>
         <p:spPr bwMode="auto">
@@ -547,18 +1000,17 @@
               <a:rPr lang="ru-RU"/>
               <a:t>Click to edit Master title style</a:t>
             </a:r>
-            <a:endParaRPr lang="ru-RU"/>
-          </a:p>
-        </p:txBody>
-      </p:sp>
-      <p:sp>
-        <p:nvSpPr>
-          <p:cNvPr id="5" name="Vertical Text Placeholder 2" hidden="0"/>
-          <p:cNvSpPr>
-            <a:spLocks noGrp="1"/>
-          </p:cNvSpPr>
-          <p:nvPr isPhoto="0" userDrawn="0">
-            <p:ph type="body" orient="vert" idx="1" hasCustomPrompt="0"/>
+          </a:p>
+        </p:txBody>
+      </p:sp>
+      <p:sp>
+        <p:nvSpPr>
+          <p:cNvPr id="5" name="Vertical Text Placeholder 2"/>
+          <p:cNvSpPr>
+            <a:spLocks noGrp="1"/>
+          </p:cNvSpPr>
+          <p:nvPr>
+            <p:ph type="body" orient="vert" idx="1"/>
           </p:nvPr>
         </p:nvSpPr>
         <p:spPr bwMode="auto">
@@ -618,18 +1070,17 @@
               <a:rPr lang="ru-RU"/>
               <a:t>Fifth level</a:t>
             </a:r>
-            <a:endParaRPr lang="ru-RU"/>
-          </a:p>
-        </p:txBody>
-      </p:sp>
-      <p:sp>
-        <p:nvSpPr>
-          <p:cNvPr id="6" name="Date Placeholder 3" hidden="0"/>
-          <p:cNvSpPr>
-            <a:spLocks noGrp="1"/>
-          </p:cNvSpPr>
-          <p:nvPr isPhoto="0" userDrawn="0">
-            <p:ph type="dt" sz="half" idx="10" hasCustomPrompt="0"/>
+          </a:p>
+        </p:txBody>
+      </p:sp>
+      <p:sp>
+        <p:nvSpPr>
+          <p:cNvPr id="6" name="Date Placeholder 3"/>
+          <p:cNvSpPr>
+            <a:spLocks noGrp="1"/>
+          </p:cNvSpPr>
+          <p:nvPr>
+            <p:ph type="dt" sz="half" idx="10"/>
           </p:nvPr>
         </p:nvSpPr>
         <p:spPr bwMode="auto"/>
@@ -642,7 +1093,7 @@
             </a:pPr>
             <a:fld id="{BCC18F51-09EC-435C-A3BA-64A766E099C0}" type="datetimeFigureOut">
               <a:rPr lang="ru-RU"/>
-              <a:t/>
+              <a:t>27.04.2021</a:t>
             </a:fld>
             <a:endParaRPr lang="ru-RU"/>
           </a:p>
@@ -650,12 +1101,12 @@
       </p:sp>
       <p:sp>
         <p:nvSpPr>
-          <p:cNvPr id="7" name="Footer Placeholder 4" hidden="0"/>
-          <p:cNvSpPr>
-            <a:spLocks noGrp="1"/>
-          </p:cNvSpPr>
-          <p:nvPr isPhoto="0" userDrawn="0">
-            <p:ph type="ftr" sz="quarter" idx="11" hasCustomPrompt="0"/>
+          <p:cNvPr id="7" name="Footer Placeholder 4"/>
+          <p:cNvSpPr>
+            <a:spLocks noGrp="1"/>
+          </p:cNvSpPr>
+          <p:nvPr>
+            <p:ph type="ftr" sz="quarter" idx="11"/>
           </p:nvPr>
         </p:nvSpPr>
         <p:spPr bwMode="auto"/>
@@ -672,12 +1123,12 @@
       </p:sp>
       <p:sp>
         <p:nvSpPr>
-          <p:cNvPr id="8" name="Slide Number Placeholder 5" hidden="0"/>
-          <p:cNvSpPr>
-            <a:spLocks noGrp="1"/>
-          </p:cNvSpPr>
-          <p:nvPr isPhoto="0" userDrawn="0">
-            <p:ph type="sldNum" sz="quarter" idx="12" hasCustomPrompt="0"/>
+          <p:cNvPr id="8" name="Slide Number Placeholder 5"/>
+          <p:cNvSpPr>
+            <a:spLocks noGrp="1"/>
+          </p:cNvSpPr>
+          <p:nvPr>
+            <p:ph type="sldNum" sz="quarter" idx="12"/>
           </p:nvPr>
         </p:nvSpPr>
         <p:spPr bwMode="auto"/>
@@ -690,7 +1141,7 @@
             </a:pPr>
             <a:fld id="{08395586-F03A-48D1-94DF-16B239DF4FB5}" type="slidenum">
               <a:rPr lang="ru-RU"/>
-              <a:t/>
+              <a:t>‹#›</a:t>
             </a:fld>
             <a:endParaRPr lang="ru-RU"/>
           </a:p>
@@ -705,13 +1156,13 @@
 </file>
 
 <file path=ppt/slideLayouts/slideLayout2.xml><?xml version="1.0" encoding="utf-8"?>
-<p:sldLayout xmlns:a="http://schemas.openxmlformats.org/drawingml/2006/main" xmlns:r="http://schemas.openxmlformats.org/officeDocument/2006/relationships" xmlns:p="http://schemas.openxmlformats.org/presentationml/2006/main" xmlns:m="http://schemas.openxmlformats.org/officeDocument/2006/math" xmlns:w="http://schemas.openxmlformats.org/wordprocessingml/2006/main" matchingName="" preserve="1" showMasterPhAnim="0" type="obj" userDrawn="1">
+<p:sldLayout xmlns:a="http://schemas.openxmlformats.org/drawingml/2006/main" xmlns:r="http://schemas.openxmlformats.org/officeDocument/2006/relationships" xmlns:p="http://schemas.openxmlformats.org/presentationml/2006/main" showMasterPhAnim="0" type="obj" preserve="1" userDrawn="1">
   <p:cSld name="Title and Content">
     <p:spTree>
       <p:nvGrpSpPr>
-        <p:cNvPr id="1" name="" hidden="0"/>
+        <p:cNvPr id="1" name=""/>
         <p:cNvGrpSpPr/>
-        <p:nvPr isPhoto="0" userDrawn="0"/>
+        <p:nvPr/>
       </p:nvGrpSpPr>
       <p:grpSpPr bwMode="auto">
         <a:xfrm>
@@ -723,12 +1174,12 @@
       </p:grpSpPr>
       <p:sp>
         <p:nvSpPr>
-          <p:cNvPr id="4" name="Title 1" hidden="0"/>
-          <p:cNvSpPr>
-            <a:spLocks noGrp="1"/>
-          </p:cNvSpPr>
-          <p:nvPr isPhoto="0" userDrawn="0">
-            <p:ph type="title" hasCustomPrompt="0"/>
+          <p:cNvPr id="4" name="Title 1"/>
+          <p:cNvSpPr>
+            <a:spLocks noGrp="1"/>
+          </p:cNvSpPr>
+          <p:nvPr>
+            <p:ph type="title"/>
           </p:nvPr>
         </p:nvSpPr>
         <p:spPr bwMode="auto"/>
@@ -743,18 +1194,17 @@
               <a:rPr lang="ru-RU"/>
               <a:t>Click to edit Master title style</a:t>
             </a:r>
-            <a:endParaRPr lang="ru-RU"/>
-          </a:p>
-        </p:txBody>
-      </p:sp>
-      <p:sp>
-        <p:nvSpPr>
-          <p:cNvPr id="5" name="Content Placeholder 2" hidden="0"/>
-          <p:cNvSpPr>
-            <a:spLocks noGrp="1"/>
-          </p:cNvSpPr>
-          <p:nvPr isPhoto="0" userDrawn="0">
-            <p:ph idx="1" hasCustomPrompt="0"/>
+          </a:p>
+        </p:txBody>
+      </p:sp>
+      <p:sp>
+        <p:nvSpPr>
+          <p:cNvPr id="5" name="Content Placeholder 2"/>
+          <p:cNvSpPr>
+            <a:spLocks noGrp="1"/>
+          </p:cNvSpPr>
+          <p:nvPr>
+            <p:ph idx="1"/>
           </p:nvPr>
         </p:nvSpPr>
         <p:spPr bwMode="auto"/>
@@ -809,18 +1259,17 @@
               <a:rPr lang="ru-RU"/>
               <a:t>Fifth level</a:t>
             </a:r>
-            <a:endParaRPr lang="ru-RU"/>
-          </a:p>
-        </p:txBody>
-      </p:sp>
-      <p:sp>
-        <p:nvSpPr>
-          <p:cNvPr id="6" name="Date Placeholder 3" hidden="0"/>
-          <p:cNvSpPr>
-            <a:spLocks noGrp="1"/>
-          </p:cNvSpPr>
-          <p:nvPr isPhoto="0" userDrawn="0">
-            <p:ph type="dt" sz="half" idx="10" hasCustomPrompt="0"/>
+          </a:p>
+        </p:txBody>
+      </p:sp>
+      <p:sp>
+        <p:nvSpPr>
+          <p:cNvPr id="6" name="Date Placeholder 3"/>
+          <p:cNvSpPr>
+            <a:spLocks noGrp="1"/>
+          </p:cNvSpPr>
+          <p:nvPr>
+            <p:ph type="dt" sz="half" idx="10"/>
           </p:nvPr>
         </p:nvSpPr>
         <p:spPr bwMode="auto"/>
@@ -833,7 +1282,7 @@
             </a:pPr>
             <a:fld id="{BCC18F51-09EC-435C-A3BA-64A766E099C0}" type="datetimeFigureOut">
               <a:rPr lang="ru-RU"/>
-              <a:t/>
+              <a:t>27.04.2021</a:t>
             </a:fld>
             <a:endParaRPr lang="ru-RU"/>
           </a:p>
@@ -841,12 +1290,12 @@
       </p:sp>
       <p:sp>
         <p:nvSpPr>
-          <p:cNvPr id="7" name="Footer Placeholder 4" hidden="0"/>
-          <p:cNvSpPr>
-            <a:spLocks noGrp="1"/>
-          </p:cNvSpPr>
-          <p:nvPr isPhoto="0" userDrawn="0">
-            <p:ph type="ftr" sz="quarter" idx="11" hasCustomPrompt="0"/>
+          <p:cNvPr id="7" name="Footer Placeholder 4"/>
+          <p:cNvSpPr>
+            <a:spLocks noGrp="1"/>
+          </p:cNvSpPr>
+          <p:nvPr>
+            <p:ph type="ftr" sz="quarter" idx="11"/>
           </p:nvPr>
         </p:nvSpPr>
         <p:spPr bwMode="auto"/>
@@ -863,12 +1312,12 @@
       </p:sp>
       <p:sp>
         <p:nvSpPr>
-          <p:cNvPr id="8" name="Slide Number Placeholder 5" hidden="0"/>
-          <p:cNvSpPr>
-            <a:spLocks noGrp="1"/>
-          </p:cNvSpPr>
-          <p:nvPr isPhoto="0" userDrawn="0">
-            <p:ph type="sldNum" sz="quarter" idx="12" hasCustomPrompt="0"/>
+          <p:cNvPr id="8" name="Slide Number Placeholder 5"/>
+          <p:cNvSpPr>
+            <a:spLocks noGrp="1"/>
+          </p:cNvSpPr>
+          <p:nvPr>
+            <p:ph type="sldNum" sz="quarter" idx="12"/>
           </p:nvPr>
         </p:nvSpPr>
         <p:spPr bwMode="auto"/>
@@ -881,7 +1330,7 @@
             </a:pPr>
             <a:fld id="{08395586-F03A-48D1-94DF-16B239DF4FB5}" type="slidenum">
               <a:rPr lang="ru-RU"/>
-              <a:t/>
+              <a:t>‹#›</a:t>
             </a:fld>
             <a:endParaRPr lang="ru-RU"/>
           </a:p>
@@ -896,13 +1345,13 @@
 </file>
 
 <file path=ppt/slideLayouts/slideLayout3.xml><?xml version="1.0" encoding="utf-8"?>
-<p:sldLayout xmlns:a="http://schemas.openxmlformats.org/drawingml/2006/main" xmlns:r="http://schemas.openxmlformats.org/officeDocument/2006/relationships" xmlns:p="http://schemas.openxmlformats.org/presentationml/2006/main" xmlns:m="http://schemas.openxmlformats.org/officeDocument/2006/math" xmlns:w="http://schemas.openxmlformats.org/wordprocessingml/2006/main" matchingName="" preserve="1" showMasterPhAnim="0" type="secHead" userDrawn="1">
+<p:sldLayout xmlns:a="http://schemas.openxmlformats.org/drawingml/2006/main" xmlns:r="http://schemas.openxmlformats.org/officeDocument/2006/relationships" xmlns:p="http://schemas.openxmlformats.org/presentationml/2006/main" showMasterPhAnim="0" type="secHead" preserve="1" userDrawn="1">
   <p:cSld name="Section Header">
     <p:spTree>
       <p:nvGrpSpPr>
-        <p:cNvPr id="1" name="" hidden="0"/>
+        <p:cNvPr id="1" name=""/>
         <p:cNvGrpSpPr/>
-        <p:nvPr isPhoto="0" userDrawn="0"/>
+        <p:nvPr/>
       </p:nvGrpSpPr>
       <p:grpSpPr bwMode="auto">
         <a:xfrm>
@@ -914,12 +1363,12 @@
       </p:grpSpPr>
       <p:sp>
         <p:nvSpPr>
-          <p:cNvPr id="4" name="Title 1" hidden="0"/>
-          <p:cNvSpPr>
-            <a:spLocks noGrp="1"/>
-          </p:cNvSpPr>
-          <p:nvPr isPhoto="0" userDrawn="0">
-            <p:ph type="title" hasCustomPrompt="0"/>
+          <p:cNvPr id="4" name="Title 1"/>
+          <p:cNvSpPr>
+            <a:spLocks noGrp="1"/>
+          </p:cNvSpPr>
+          <p:nvPr>
+            <p:ph type="title"/>
           </p:nvPr>
         </p:nvSpPr>
         <p:spPr bwMode="auto">
@@ -943,18 +1392,17 @@
               <a:rPr lang="ru-RU"/>
               <a:t>Click to edit Master title style</a:t>
             </a:r>
-            <a:endParaRPr lang="ru-RU"/>
-          </a:p>
-        </p:txBody>
-      </p:sp>
-      <p:sp>
-        <p:nvSpPr>
-          <p:cNvPr id="5" name="Text Placeholder 2" hidden="0"/>
-          <p:cNvSpPr>
-            <a:spLocks noGrp="1"/>
-          </p:cNvSpPr>
-          <p:nvPr isPhoto="0" userDrawn="0">
-            <p:ph type="body" idx="1" hasCustomPrompt="0"/>
+          </a:p>
+        </p:txBody>
+      </p:sp>
+      <p:sp>
+        <p:nvSpPr>
+          <p:cNvPr id="5" name="Text Placeholder 2"/>
+          <p:cNvSpPr>
+            <a:spLocks noGrp="1"/>
+          </p:cNvSpPr>
+          <p:nvPr>
+            <p:ph type="body" idx="1"/>
           </p:nvPr>
         </p:nvSpPr>
         <p:spPr bwMode="auto">
@@ -1071,12 +1519,12 @@
       </p:sp>
       <p:sp>
         <p:nvSpPr>
-          <p:cNvPr id="6" name="Date Placeholder 3" hidden="0"/>
-          <p:cNvSpPr>
-            <a:spLocks noGrp="1"/>
-          </p:cNvSpPr>
-          <p:nvPr isPhoto="0" userDrawn="0">
-            <p:ph type="dt" sz="half" idx="10" hasCustomPrompt="0"/>
+          <p:cNvPr id="6" name="Date Placeholder 3"/>
+          <p:cNvSpPr>
+            <a:spLocks noGrp="1"/>
+          </p:cNvSpPr>
+          <p:nvPr>
+            <p:ph type="dt" sz="half" idx="10"/>
           </p:nvPr>
         </p:nvSpPr>
         <p:spPr bwMode="auto"/>
@@ -1089,7 +1537,7 @@
             </a:pPr>
             <a:fld id="{BCC18F51-09EC-435C-A3BA-64A766E099C0}" type="datetimeFigureOut">
               <a:rPr lang="ru-RU"/>
-              <a:t/>
+              <a:t>27.04.2021</a:t>
             </a:fld>
             <a:endParaRPr lang="ru-RU"/>
           </a:p>
@@ -1097,12 +1545,12 @@
       </p:sp>
       <p:sp>
         <p:nvSpPr>
-          <p:cNvPr id="7" name="Footer Placeholder 4" hidden="0"/>
-          <p:cNvSpPr>
-            <a:spLocks noGrp="1"/>
-          </p:cNvSpPr>
-          <p:nvPr isPhoto="0" userDrawn="0">
-            <p:ph type="ftr" sz="quarter" idx="11" hasCustomPrompt="0"/>
+          <p:cNvPr id="7" name="Footer Placeholder 4"/>
+          <p:cNvSpPr>
+            <a:spLocks noGrp="1"/>
+          </p:cNvSpPr>
+          <p:nvPr>
+            <p:ph type="ftr" sz="quarter" idx="11"/>
           </p:nvPr>
         </p:nvSpPr>
         <p:spPr bwMode="auto"/>
@@ -1119,12 +1567,12 @@
       </p:sp>
       <p:sp>
         <p:nvSpPr>
-          <p:cNvPr id="8" name="Slide Number Placeholder 5" hidden="0"/>
-          <p:cNvSpPr>
-            <a:spLocks noGrp="1"/>
-          </p:cNvSpPr>
-          <p:nvPr isPhoto="0" userDrawn="0">
-            <p:ph type="sldNum" sz="quarter" idx="12" hasCustomPrompt="0"/>
+          <p:cNvPr id="8" name="Slide Number Placeholder 5"/>
+          <p:cNvSpPr>
+            <a:spLocks noGrp="1"/>
+          </p:cNvSpPr>
+          <p:nvPr>
+            <p:ph type="sldNum" sz="quarter" idx="12"/>
           </p:nvPr>
         </p:nvSpPr>
         <p:spPr bwMode="auto"/>
@@ -1137,7 +1585,7 @@
             </a:pPr>
             <a:fld id="{08395586-F03A-48D1-94DF-16B239DF4FB5}" type="slidenum">
               <a:rPr lang="ru-RU"/>
-              <a:t/>
+              <a:t>‹#›</a:t>
             </a:fld>
             <a:endParaRPr lang="ru-RU"/>
           </a:p>
@@ -1152,13 +1600,13 @@
 </file>
 
 <file path=ppt/slideLayouts/slideLayout4.xml><?xml version="1.0" encoding="utf-8"?>
-<p:sldLayout xmlns:a="http://schemas.openxmlformats.org/drawingml/2006/main" xmlns:r="http://schemas.openxmlformats.org/officeDocument/2006/relationships" xmlns:p="http://schemas.openxmlformats.org/presentationml/2006/main" xmlns:m="http://schemas.openxmlformats.org/officeDocument/2006/math" xmlns:w="http://schemas.openxmlformats.org/wordprocessingml/2006/main" matchingName="" preserve="1" showMasterPhAnim="0" type="twoObj" userDrawn="1">
+<p:sldLayout xmlns:a="http://schemas.openxmlformats.org/drawingml/2006/main" xmlns:r="http://schemas.openxmlformats.org/officeDocument/2006/relationships" xmlns:p="http://schemas.openxmlformats.org/presentationml/2006/main" showMasterPhAnim="0" type="twoObj" preserve="1" userDrawn="1">
   <p:cSld name="Two Content">
     <p:spTree>
       <p:nvGrpSpPr>
-        <p:cNvPr id="1" name="" hidden="0"/>
+        <p:cNvPr id="1" name=""/>
         <p:cNvGrpSpPr/>
-        <p:nvPr isPhoto="0" userDrawn="0"/>
+        <p:nvPr/>
       </p:nvGrpSpPr>
       <p:grpSpPr bwMode="auto">
         <a:xfrm>
@@ -1170,12 +1618,12 @@
       </p:grpSpPr>
       <p:sp>
         <p:nvSpPr>
-          <p:cNvPr id="4" name="Title 1" hidden="0"/>
-          <p:cNvSpPr>
-            <a:spLocks noGrp="1"/>
-          </p:cNvSpPr>
-          <p:nvPr isPhoto="0" userDrawn="0">
-            <p:ph type="title" hasCustomPrompt="0"/>
+          <p:cNvPr id="4" name="Title 1"/>
+          <p:cNvSpPr>
+            <a:spLocks noGrp="1"/>
+          </p:cNvSpPr>
+          <p:nvPr>
+            <p:ph type="title"/>
           </p:nvPr>
         </p:nvSpPr>
         <p:spPr bwMode="auto"/>
@@ -1190,18 +1638,17 @@
               <a:rPr lang="ru-RU"/>
               <a:t>Click to edit Master title style</a:t>
             </a:r>
-            <a:endParaRPr lang="ru-RU"/>
-          </a:p>
-        </p:txBody>
-      </p:sp>
-      <p:sp>
-        <p:nvSpPr>
-          <p:cNvPr id="5" name="Content Placeholder 2" hidden="0"/>
-          <p:cNvSpPr>
-            <a:spLocks noGrp="1"/>
-          </p:cNvSpPr>
-          <p:nvPr isPhoto="0" userDrawn="0">
-            <p:ph sz="half" idx="1" hasCustomPrompt="0"/>
+          </a:p>
+        </p:txBody>
+      </p:sp>
+      <p:sp>
+        <p:nvSpPr>
+          <p:cNvPr id="5" name="Content Placeholder 2"/>
+          <p:cNvSpPr>
+            <a:spLocks noGrp="1"/>
+          </p:cNvSpPr>
+          <p:nvPr>
+            <p:ph sz="half" idx="1"/>
           </p:nvPr>
         </p:nvSpPr>
         <p:spPr bwMode="auto">
@@ -1261,18 +1708,17 @@
               <a:rPr lang="ru-RU"/>
               <a:t>Fifth level</a:t>
             </a:r>
-            <a:endParaRPr lang="ru-RU"/>
-          </a:p>
-        </p:txBody>
-      </p:sp>
-      <p:sp>
-        <p:nvSpPr>
-          <p:cNvPr id="6" name="Content Placeholder 3" hidden="0"/>
-          <p:cNvSpPr>
-            <a:spLocks noGrp="1"/>
-          </p:cNvSpPr>
-          <p:nvPr isPhoto="0" userDrawn="0">
-            <p:ph sz="half" idx="2" hasCustomPrompt="0"/>
+          </a:p>
+        </p:txBody>
+      </p:sp>
+      <p:sp>
+        <p:nvSpPr>
+          <p:cNvPr id="6" name="Content Placeholder 3"/>
+          <p:cNvSpPr>
+            <a:spLocks noGrp="1"/>
+          </p:cNvSpPr>
+          <p:nvPr>
+            <p:ph sz="half" idx="2"/>
           </p:nvPr>
         </p:nvSpPr>
         <p:spPr bwMode="auto">
@@ -1332,18 +1778,17 @@
               <a:rPr lang="ru-RU"/>
               <a:t>Fifth level</a:t>
             </a:r>
-            <a:endParaRPr lang="ru-RU"/>
-          </a:p>
-        </p:txBody>
-      </p:sp>
-      <p:sp>
-        <p:nvSpPr>
-          <p:cNvPr id="7" name="Date Placeholder 4" hidden="0"/>
-          <p:cNvSpPr>
-            <a:spLocks noGrp="1"/>
-          </p:cNvSpPr>
-          <p:nvPr isPhoto="0" userDrawn="0">
-            <p:ph type="dt" sz="half" idx="10" hasCustomPrompt="0"/>
+          </a:p>
+        </p:txBody>
+      </p:sp>
+      <p:sp>
+        <p:nvSpPr>
+          <p:cNvPr id="7" name="Date Placeholder 4"/>
+          <p:cNvSpPr>
+            <a:spLocks noGrp="1"/>
+          </p:cNvSpPr>
+          <p:nvPr>
+            <p:ph type="dt" sz="half" idx="10"/>
           </p:nvPr>
         </p:nvSpPr>
         <p:spPr bwMode="auto"/>
@@ -1356,7 +1801,7 @@
             </a:pPr>
             <a:fld id="{BCC18F51-09EC-435C-A3BA-64A766E099C0}" type="datetimeFigureOut">
               <a:rPr lang="ru-RU"/>
-              <a:t/>
+              <a:t>27.04.2021</a:t>
             </a:fld>
             <a:endParaRPr lang="ru-RU"/>
           </a:p>
@@ -1364,12 +1809,12 @@
       </p:sp>
       <p:sp>
         <p:nvSpPr>
-          <p:cNvPr id="8" name="Footer Placeholder 5" hidden="0"/>
-          <p:cNvSpPr>
-            <a:spLocks noGrp="1"/>
-          </p:cNvSpPr>
-          <p:nvPr isPhoto="0" userDrawn="0">
-            <p:ph type="ftr" sz="quarter" idx="11" hasCustomPrompt="0"/>
+          <p:cNvPr id="8" name="Footer Placeholder 5"/>
+          <p:cNvSpPr>
+            <a:spLocks noGrp="1"/>
+          </p:cNvSpPr>
+          <p:nvPr>
+            <p:ph type="ftr" sz="quarter" idx="11"/>
           </p:nvPr>
         </p:nvSpPr>
         <p:spPr bwMode="auto"/>
@@ -1386,12 +1831,12 @@
       </p:sp>
       <p:sp>
         <p:nvSpPr>
-          <p:cNvPr id="9" name="Slide Number Placeholder 6" hidden="0"/>
-          <p:cNvSpPr>
-            <a:spLocks noGrp="1"/>
-          </p:cNvSpPr>
-          <p:nvPr isPhoto="0" userDrawn="0">
-            <p:ph type="sldNum" sz="quarter" idx="12" hasCustomPrompt="0"/>
+          <p:cNvPr id="9" name="Slide Number Placeholder 6"/>
+          <p:cNvSpPr>
+            <a:spLocks noGrp="1"/>
+          </p:cNvSpPr>
+          <p:nvPr>
+            <p:ph type="sldNum" sz="quarter" idx="12"/>
           </p:nvPr>
         </p:nvSpPr>
         <p:spPr bwMode="auto"/>
@@ -1404,7 +1849,7 @@
             </a:pPr>
             <a:fld id="{08395586-F03A-48D1-94DF-16B239DF4FB5}" type="slidenum">
               <a:rPr lang="ru-RU"/>
-              <a:t/>
+              <a:t>‹#›</a:t>
             </a:fld>
             <a:endParaRPr lang="ru-RU"/>
           </a:p>
@@ -1419,13 +1864,13 @@
 </file>
 
 <file path=ppt/slideLayouts/slideLayout5.xml><?xml version="1.0" encoding="utf-8"?>
-<p:sldLayout xmlns:a="http://schemas.openxmlformats.org/drawingml/2006/main" xmlns:r="http://schemas.openxmlformats.org/officeDocument/2006/relationships" xmlns:p="http://schemas.openxmlformats.org/presentationml/2006/main" xmlns:m="http://schemas.openxmlformats.org/officeDocument/2006/math" xmlns:w="http://schemas.openxmlformats.org/wordprocessingml/2006/main" matchingName="" preserve="1" showMasterPhAnim="0" type="twoTxTwoObj" userDrawn="1">
+<p:sldLayout xmlns:a="http://schemas.openxmlformats.org/drawingml/2006/main" xmlns:r="http://schemas.openxmlformats.org/officeDocument/2006/relationships" xmlns:p="http://schemas.openxmlformats.org/presentationml/2006/main" showMasterPhAnim="0" type="twoTxTwoObj" preserve="1" userDrawn="1">
   <p:cSld name="Comparison">
     <p:spTree>
       <p:nvGrpSpPr>
-        <p:cNvPr id="1" name="" hidden="0"/>
+        <p:cNvPr id="1" name=""/>
         <p:cNvGrpSpPr/>
-        <p:nvPr isPhoto="0" userDrawn="0"/>
+        <p:nvPr/>
       </p:nvGrpSpPr>
       <p:grpSpPr bwMode="auto">
         <a:xfrm>
@@ -1437,12 +1882,12 @@
       </p:grpSpPr>
       <p:sp>
         <p:nvSpPr>
-          <p:cNvPr id="4" name="Title 1" hidden="0"/>
-          <p:cNvSpPr>
-            <a:spLocks noGrp="1"/>
-          </p:cNvSpPr>
-          <p:nvPr isPhoto="0" userDrawn="0">
-            <p:ph type="title" hasCustomPrompt="0"/>
+          <p:cNvPr id="4" name="Title 1"/>
+          <p:cNvSpPr>
+            <a:spLocks noGrp="1"/>
+          </p:cNvSpPr>
+          <p:nvPr>
+            <p:ph type="title"/>
           </p:nvPr>
         </p:nvSpPr>
         <p:spPr bwMode="auto">
@@ -1462,18 +1907,17 @@
               <a:rPr lang="ru-RU"/>
               <a:t>Click to edit Master title style</a:t>
             </a:r>
-            <a:endParaRPr lang="ru-RU"/>
-          </a:p>
-        </p:txBody>
-      </p:sp>
-      <p:sp>
-        <p:nvSpPr>
-          <p:cNvPr id="5" name="Text Placeholder 2" hidden="0"/>
-          <p:cNvSpPr>
-            <a:spLocks noGrp="1"/>
-          </p:cNvSpPr>
-          <p:nvPr isPhoto="0" userDrawn="0">
-            <p:ph type="body" idx="1" hasCustomPrompt="0"/>
+          </a:p>
+        </p:txBody>
+      </p:sp>
+      <p:sp>
+        <p:nvSpPr>
+          <p:cNvPr id="5" name="Text Placeholder 2"/>
+          <p:cNvSpPr>
+            <a:spLocks noGrp="1"/>
+          </p:cNvSpPr>
+          <p:nvPr>
+            <p:ph type="body" idx="1"/>
           </p:nvPr>
         </p:nvSpPr>
         <p:spPr bwMode="auto">
@@ -1536,12 +1980,12 @@
       </p:sp>
       <p:sp>
         <p:nvSpPr>
-          <p:cNvPr id="6" name="Content Placeholder 3" hidden="0"/>
-          <p:cNvSpPr>
-            <a:spLocks noGrp="1"/>
-          </p:cNvSpPr>
-          <p:nvPr isPhoto="0" userDrawn="0">
-            <p:ph sz="half" idx="2" hasCustomPrompt="0"/>
+          <p:cNvPr id="6" name="Content Placeholder 3"/>
+          <p:cNvSpPr>
+            <a:spLocks noGrp="1"/>
+          </p:cNvSpPr>
+          <p:nvPr>
+            <p:ph sz="half" idx="2"/>
           </p:nvPr>
         </p:nvSpPr>
         <p:spPr bwMode="auto">
@@ -1601,18 +2045,17 @@
               <a:rPr lang="ru-RU"/>
               <a:t>Fifth level</a:t>
             </a:r>
-            <a:endParaRPr lang="ru-RU"/>
-          </a:p>
-        </p:txBody>
-      </p:sp>
-      <p:sp>
-        <p:nvSpPr>
-          <p:cNvPr id="7" name="Text Placeholder 4" hidden="0"/>
-          <p:cNvSpPr>
-            <a:spLocks noGrp="1"/>
-          </p:cNvSpPr>
-          <p:nvPr isPhoto="0" userDrawn="0">
-            <p:ph type="body" sz="quarter" idx="3" hasCustomPrompt="0"/>
+          </a:p>
+        </p:txBody>
+      </p:sp>
+      <p:sp>
+        <p:nvSpPr>
+          <p:cNvPr id="7" name="Text Placeholder 4"/>
+          <p:cNvSpPr>
+            <a:spLocks noGrp="1"/>
+          </p:cNvSpPr>
+          <p:nvPr>
+            <p:ph type="body" sz="quarter" idx="3"/>
           </p:nvPr>
         </p:nvSpPr>
         <p:spPr bwMode="auto">
@@ -1675,12 +2118,12 @@
       </p:sp>
       <p:sp>
         <p:nvSpPr>
-          <p:cNvPr id="8" name="Content Placeholder 5" hidden="0"/>
-          <p:cNvSpPr>
-            <a:spLocks noGrp="1"/>
-          </p:cNvSpPr>
-          <p:nvPr isPhoto="0" userDrawn="0">
-            <p:ph sz="quarter" idx="4" hasCustomPrompt="0"/>
+          <p:cNvPr id="8" name="Content Placeholder 5"/>
+          <p:cNvSpPr>
+            <a:spLocks noGrp="1"/>
+          </p:cNvSpPr>
+          <p:nvPr>
+            <p:ph sz="quarter" idx="4"/>
           </p:nvPr>
         </p:nvSpPr>
         <p:spPr bwMode="auto">
@@ -1740,18 +2183,17 @@
               <a:rPr lang="ru-RU"/>
               <a:t>Fifth level</a:t>
             </a:r>
-            <a:endParaRPr lang="ru-RU"/>
-          </a:p>
-        </p:txBody>
-      </p:sp>
-      <p:sp>
-        <p:nvSpPr>
-          <p:cNvPr id="9" name="Date Placeholder 6" hidden="0"/>
-          <p:cNvSpPr>
-            <a:spLocks noGrp="1"/>
-          </p:cNvSpPr>
-          <p:nvPr isPhoto="0" userDrawn="0">
-            <p:ph type="dt" sz="half" idx="10" hasCustomPrompt="0"/>
+          </a:p>
+        </p:txBody>
+      </p:sp>
+      <p:sp>
+        <p:nvSpPr>
+          <p:cNvPr id="9" name="Date Placeholder 6"/>
+          <p:cNvSpPr>
+            <a:spLocks noGrp="1"/>
+          </p:cNvSpPr>
+          <p:nvPr>
+            <p:ph type="dt" sz="half" idx="10"/>
           </p:nvPr>
         </p:nvSpPr>
         <p:spPr bwMode="auto"/>
@@ -1764,7 +2206,7 @@
             </a:pPr>
             <a:fld id="{BCC18F51-09EC-435C-A3BA-64A766E099C0}" type="datetimeFigureOut">
               <a:rPr lang="ru-RU"/>
-              <a:t/>
+              <a:t>27.04.2021</a:t>
             </a:fld>
             <a:endParaRPr lang="ru-RU"/>
           </a:p>
@@ -1772,12 +2214,12 @@
       </p:sp>
       <p:sp>
         <p:nvSpPr>
-          <p:cNvPr id="10" name="Footer Placeholder 7" hidden="0"/>
-          <p:cNvSpPr>
-            <a:spLocks noGrp="1"/>
-          </p:cNvSpPr>
-          <p:nvPr isPhoto="0" userDrawn="0">
-            <p:ph type="ftr" sz="quarter" idx="11" hasCustomPrompt="0"/>
+          <p:cNvPr id="10" name="Footer Placeholder 7"/>
+          <p:cNvSpPr>
+            <a:spLocks noGrp="1"/>
+          </p:cNvSpPr>
+          <p:nvPr>
+            <p:ph type="ftr" sz="quarter" idx="11"/>
           </p:nvPr>
         </p:nvSpPr>
         <p:spPr bwMode="auto"/>
@@ -1794,12 +2236,12 @@
       </p:sp>
       <p:sp>
         <p:nvSpPr>
-          <p:cNvPr id="11" name="Slide Number Placeholder 8" hidden="0"/>
-          <p:cNvSpPr>
-            <a:spLocks noGrp="1"/>
-          </p:cNvSpPr>
-          <p:nvPr isPhoto="0" userDrawn="0">
-            <p:ph type="sldNum" sz="quarter" idx="12" hasCustomPrompt="0"/>
+          <p:cNvPr id="11" name="Slide Number Placeholder 8"/>
+          <p:cNvSpPr>
+            <a:spLocks noGrp="1"/>
+          </p:cNvSpPr>
+          <p:nvPr>
+            <p:ph type="sldNum" sz="quarter" idx="12"/>
           </p:nvPr>
         </p:nvSpPr>
         <p:spPr bwMode="auto"/>
@@ -1812,7 +2254,7 @@
             </a:pPr>
             <a:fld id="{08395586-F03A-48D1-94DF-16B239DF4FB5}" type="slidenum">
               <a:rPr lang="ru-RU"/>
-              <a:t/>
+              <a:t>‹#›</a:t>
             </a:fld>
             <a:endParaRPr lang="ru-RU"/>
           </a:p>
@@ -1827,13 +2269,13 @@
 </file>
 
 <file path=ppt/slideLayouts/slideLayout6.xml><?xml version="1.0" encoding="utf-8"?>
-<p:sldLayout xmlns:a="http://schemas.openxmlformats.org/drawingml/2006/main" xmlns:r="http://schemas.openxmlformats.org/officeDocument/2006/relationships" xmlns:p="http://schemas.openxmlformats.org/presentationml/2006/main" xmlns:m="http://schemas.openxmlformats.org/officeDocument/2006/math" xmlns:w="http://schemas.openxmlformats.org/wordprocessingml/2006/main" matchingName="" preserve="1" showMasterPhAnim="0" type="titleOnly" userDrawn="1">
+<p:sldLayout xmlns:a="http://schemas.openxmlformats.org/drawingml/2006/main" xmlns:r="http://schemas.openxmlformats.org/officeDocument/2006/relationships" xmlns:p="http://schemas.openxmlformats.org/presentationml/2006/main" showMasterPhAnim="0" type="titleOnly" preserve="1" userDrawn="1">
   <p:cSld name="Title Only">
     <p:spTree>
       <p:nvGrpSpPr>
-        <p:cNvPr id="1" name="" hidden="0"/>
+        <p:cNvPr id="1" name=""/>
         <p:cNvGrpSpPr/>
-        <p:nvPr isPhoto="0" userDrawn="0"/>
+        <p:nvPr/>
       </p:nvGrpSpPr>
       <p:grpSpPr bwMode="auto">
         <a:xfrm>
@@ -1845,12 +2287,12 @@
       </p:grpSpPr>
       <p:sp>
         <p:nvSpPr>
-          <p:cNvPr id="4" name="Title 1" hidden="0"/>
-          <p:cNvSpPr>
-            <a:spLocks noGrp="1"/>
-          </p:cNvSpPr>
-          <p:nvPr isPhoto="0" userDrawn="0">
-            <p:ph type="title" hasCustomPrompt="0"/>
+          <p:cNvPr id="4" name="Title 1"/>
+          <p:cNvSpPr>
+            <a:spLocks noGrp="1"/>
+          </p:cNvSpPr>
+          <p:nvPr>
+            <p:ph type="title"/>
           </p:nvPr>
         </p:nvSpPr>
         <p:spPr bwMode="auto"/>
@@ -1865,18 +2307,17 @@
               <a:rPr lang="ru-RU"/>
               <a:t>Click to edit Master title style</a:t>
             </a:r>
-            <a:endParaRPr lang="ru-RU"/>
-          </a:p>
-        </p:txBody>
-      </p:sp>
-      <p:sp>
-        <p:nvSpPr>
-          <p:cNvPr id="5" name="Date Placeholder 2" hidden="0"/>
-          <p:cNvSpPr>
-            <a:spLocks noGrp="1"/>
-          </p:cNvSpPr>
-          <p:nvPr isPhoto="0" userDrawn="0">
-            <p:ph type="dt" sz="half" idx="10" hasCustomPrompt="0"/>
+          </a:p>
+        </p:txBody>
+      </p:sp>
+      <p:sp>
+        <p:nvSpPr>
+          <p:cNvPr id="5" name="Date Placeholder 2"/>
+          <p:cNvSpPr>
+            <a:spLocks noGrp="1"/>
+          </p:cNvSpPr>
+          <p:nvPr>
+            <p:ph type="dt" sz="half" idx="10"/>
           </p:nvPr>
         </p:nvSpPr>
         <p:spPr bwMode="auto"/>
@@ -1889,7 +2330,7 @@
             </a:pPr>
             <a:fld id="{BCC18F51-09EC-435C-A3BA-64A766E099C0}" type="datetimeFigureOut">
               <a:rPr lang="ru-RU"/>
-              <a:t/>
+              <a:t>27.04.2021</a:t>
             </a:fld>
             <a:endParaRPr lang="ru-RU"/>
           </a:p>
@@ -1897,12 +2338,12 @@
       </p:sp>
       <p:sp>
         <p:nvSpPr>
-          <p:cNvPr id="6" name="Footer Placeholder 3" hidden="0"/>
-          <p:cNvSpPr>
-            <a:spLocks noGrp="1"/>
-          </p:cNvSpPr>
-          <p:nvPr isPhoto="0" userDrawn="0">
-            <p:ph type="ftr" sz="quarter" idx="11" hasCustomPrompt="0"/>
+          <p:cNvPr id="6" name="Footer Placeholder 3"/>
+          <p:cNvSpPr>
+            <a:spLocks noGrp="1"/>
+          </p:cNvSpPr>
+          <p:nvPr>
+            <p:ph type="ftr" sz="quarter" idx="11"/>
           </p:nvPr>
         </p:nvSpPr>
         <p:spPr bwMode="auto"/>
@@ -1919,12 +2360,12 @@
       </p:sp>
       <p:sp>
         <p:nvSpPr>
-          <p:cNvPr id="7" name="Slide Number Placeholder 4" hidden="0"/>
-          <p:cNvSpPr>
-            <a:spLocks noGrp="1"/>
-          </p:cNvSpPr>
-          <p:nvPr isPhoto="0" userDrawn="0">
-            <p:ph type="sldNum" sz="quarter" idx="12" hasCustomPrompt="0"/>
+          <p:cNvPr id="7" name="Slide Number Placeholder 4"/>
+          <p:cNvSpPr>
+            <a:spLocks noGrp="1"/>
+          </p:cNvSpPr>
+          <p:nvPr>
+            <p:ph type="sldNum" sz="quarter" idx="12"/>
           </p:nvPr>
         </p:nvSpPr>
         <p:spPr bwMode="auto"/>
@@ -1937,7 +2378,7 @@
             </a:pPr>
             <a:fld id="{08395586-F03A-48D1-94DF-16B239DF4FB5}" type="slidenum">
               <a:rPr lang="ru-RU"/>
-              <a:t/>
+              <a:t>‹#›</a:t>
             </a:fld>
             <a:endParaRPr lang="ru-RU"/>
           </a:p>
@@ -1952,13 +2393,13 @@
 </file>
 
 <file path=ppt/slideLayouts/slideLayout7.xml><?xml version="1.0" encoding="utf-8"?>
-<p:sldLayout xmlns:a="http://schemas.openxmlformats.org/drawingml/2006/main" xmlns:r="http://schemas.openxmlformats.org/officeDocument/2006/relationships" xmlns:p="http://schemas.openxmlformats.org/presentationml/2006/main" xmlns:m="http://schemas.openxmlformats.org/officeDocument/2006/math" xmlns:w="http://schemas.openxmlformats.org/wordprocessingml/2006/main" matchingName="" preserve="1" showMasterPhAnim="0" type="blank" userDrawn="1">
+<p:sldLayout xmlns:a="http://schemas.openxmlformats.org/drawingml/2006/main" xmlns:r="http://schemas.openxmlformats.org/officeDocument/2006/relationships" xmlns:p="http://schemas.openxmlformats.org/presentationml/2006/main" showMasterPhAnim="0" type="blank" preserve="1" userDrawn="1">
   <p:cSld name="Blank">
     <p:spTree>
       <p:nvGrpSpPr>
-        <p:cNvPr id="1" name="" hidden="0"/>
+        <p:cNvPr id="1" name=""/>
         <p:cNvGrpSpPr/>
-        <p:nvPr isPhoto="0" userDrawn="0"/>
+        <p:nvPr/>
       </p:nvGrpSpPr>
       <p:grpSpPr bwMode="auto">
         <a:xfrm>
@@ -1970,12 +2411,12 @@
       </p:grpSpPr>
       <p:sp>
         <p:nvSpPr>
-          <p:cNvPr id="4" name="Date Placeholder 1" hidden="0"/>
-          <p:cNvSpPr>
-            <a:spLocks noGrp="1"/>
-          </p:cNvSpPr>
-          <p:nvPr isPhoto="0" userDrawn="0">
-            <p:ph type="dt" sz="half" idx="10" hasCustomPrompt="0"/>
+          <p:cNvPr id="4" name="Date Placeholder 1"/>
+          <p:cNvSpPr>
+            <a:spLocks noGrp="1"/>
+          </p:cNvSpPr>
+          <p:nvPr>
+            <p:ph type="dt" sz="half" idx="10"/>
           </p:nvPr>
         </p:nvSpPr>
         <p:spPr bwMode="auto"/>
@@ -1988,7 +2429,7 @@
             </a:pPr>
             <a:fld id="{BCC18F51-09EC-435C-A3BA-64A766E099C0}" type="datetimeFigureOut">
               <a:rPr lang="ru-RU"/>
-              <a:t/>
+              <a:t>27.04.2021</a:t>
             </a:fld>
             <a:endParaRPr lang="ru-RU"/>
           </a:p>
@@ -1996,12 +2437,12 @@
       </p:sp>
       <p:sp>
         <p:nvSpPr>
-          <p:cNvPr id="5" name="Footer Placeholder 2" hidden="0"/>
-          <p:cNvSpPr>
-            <a:spLocks noGrp="1"/>
-          </p:cNvSpPr>
-          <p:nvPr isPhoto="0" userDrawn="0">
-            <p:ph type="ftr" sz="quarter" idx="11" hasCustomPrompt="0"/>
+          <p:cNvPr id="5" name="Footer Placeholder 2"/>
+          <p:cNvSpPr>
+            <a:spLocks noGrp="1"/>
+          </p:cNvSpPr>
+          <p:nvPr>
+            <p:ph type="ftr" sz="quarter" idx="11"/>
           </p:nvPr>
         </p:nvSpPr>
         <p:spPr bwMode="auto"/>
@@ -2018,12 +2459,12 @@
       </p:sp>
       <p:sp>
         <p:nvSpPr>
-          <p:cNvPr id="6" name="Slide Number Placeholder 3" hidden="0"/>
-          <p:cNvSpPr>
-            <a:spLocks noGrp="1"/>
-          </p:cNvSpPr>
-          <p:nvPr isPhoto="0" userDrawn="0">
-            <p:ph type="sldNum" sz="quarter" idx="12" hasCustomPrompt="0"/>
+          <p:cNvPr id="6" name="Slide Number Placeholder 3"/>
+          <p:cNvSpPr>
+            <a:spLocks noGrp="1"/>
+          </p:cNvSpPr>
+          <p:nvPr>
+            <p:ph type="sldNum" sz="quarter" idx="12"/>
           </p:nvPr>
         </p:nvSpPr>
         <p:spPr bwMode="auto"/>
@@ -2036,7 +2477,7 @@
             </a:pPr>
             <a:fld id="{08395586-F03A-48D1-94DF-16B239DF4FB5}" type="slidenum">
               <a:rPr lang="ru-RU"/>
-              <a:t/>
+              <a:t>‹#›</a:t>
             </a:fld>
             <a:endParaRPr lang="ru-RU"/>
           </a:p>
@@ -2051,13 +2492,13 @@
 </file>
 
 <file path=ppt/slideLayouts/slideLayout8.xml><?xml version="1.0" encoding="utf-8"?>
-<p:sldLayout xmlns:a="http://schemas.openxmlformats.org/drawingml/2006/main" xmlns:r="http://schemas.openxmlformats.org/officeDocument/2006/relationships" xmlns:p="http://schemas.openxmlformats.org/presentationml/2006/main" xmlns:m="http://schemas.openxmlformats.org/officeDocument/2006/math" xmlns:w="http://schemas.openxmlformats.org/wordprocessingml/2006/main" matchingName="" preserve="1" showMasterPhAnim="0" type="objTx" userDrawn="1">
+<p:sldLayout xmlns:a="http://schemas.openxmlformats.org/drawingml/2006/main" xmlns:r="http://schemas.openxmlformats.org/officeDocument/2006/relationships" xmlns:p="http://schemas.openxmlformats.org/presentationml/2006/main" showMasterPhAnim="0" type="objTx" preserve="1" userDrawn="1">
   <p:cSld name="Content with Caption">
     <p:spTree>
       <p:nvGrpSpPr>
-        <p:cNvPr id="1" name="" hidden="0"/>
+        <p:cNvPr id="1" name=""/>
         <p:cNvGrpSpPr/>
-        <p:nvPr isPhoto="0" userDrawn="0"/>
+        <p:nvPr/>
       </p:nvGrpSpPr>
       <p:grpSpPr bwMode="auto">
         <a:xfrm>
@@ -2069,12 +2510,12 @@
       </p:grpSpPr>
       <p:sp>
         <p:nvSpPr>
-          <p:cNvPr id="4" name="Title 1" hidden="0"/>
-          <p:cNvSpPr>
-            <a:spLocks noGrp="1"/>
-          </p:cNvSpPr>
-          <p:nvPr isPhoto="0" userDrawn="0">
-            <p:ph type="title" hasCustomPrompt="0"/>
+          <p:cNvPr id="4" name="Title 1"/>
+          <p:cNvSpPr>
+            <a:spLocks noGrp="1"/>
+          </p:cNvSpPr>
+          <p:nvPr>
+            <p:ph type="title"/>
           </p:nvPr>
         </p:nvSpPr>
         <p:spPr bwMode="auto">
@@ -2098,18 +2539,17 @@
               <a:rPr lang="ru-RU"/>
               <a:t>Click to edit Master title style</a:t>
             </a:r>
-            <a:endParaRPr lang="ru-RU"/>
-          </a:p>
-        </p:txBody>
-      </p:sp>
-      <p:sp>
-        <p:nvSpPr>
-          <p:cNvPr id="5" name="Content Placeholder 2" hidden="0"/>
-          <p:cNvSpPr>
-            <a:spLocks noGrp="1"/>
-          </p:cNvSpPr>
-          <p:nvPr isPhoto="0" userDrawn="0">
-            <p:ph idx="1" hasCustomPrompt="0"/>
+          </a:p>
+        </p:txBody>
+      </p:sp>
+      <p:sp>
+        <p:nvSpPr>
+          <p:cNvPr id="5" name="Content Placeholder 2"/>
+          <p:cNvSpPr>
+            <a:spLocks noGrp="1"/>
+          </p:cNvSpPr>
+          <p:nvPr>
+            <p:ph idx="1"/>
           </p:nvPr>
         </p:nvSpPr>
         <p:spPr bwMode="auto">
@@ -2197,18 +2637,17 @@
               <a:rPr lang="ru-RU"/>
               <a:t>Fifth level</a:t>
             </a:r>
-            <a:endParaRPr lang="ru-RU"/>
-          </a:p>
-        </p:txBody>
-      </p:sp>
-      <p:sp>
-        <p:nvSpPr>
-          <p:cNvPr id="6" name="Text Placeholder 3" hidden="0"/>
-          <p:cNvSpPr>
-            <a:spLocks noGrp="1"/>
-          </p:cNvSpPr>
-          <p:nvPr isPhoto="0" userDrawn="0">
-            <p:ph type="body" sz="half" idx="2" hasCustomPrompt="0"/>
+          </a:p>
+        </p:txBody>
+      </p:sp>
+      <p:sp>
+        <p:nvSpPr>
+          <p:cNvPr id="6" name="Text Placeholder 3"/>
+          <p:cNvSpPr>
+            <a:spLocks noGrp="1"/>
+          </p:cNvSpPr>
+          <p:nvPr>
+            <p:ph type="body" sz="half" idx="2"/>
           </p:nvPr>
         </p:nvSpPr>
         <p:spPr bwMode="auto">
@@ -2271,12 +2710,12 @@
       </p:sp>
       <p:sp>
         <p:nvSpPr>
-          <p:cNvPr id="7" name="Date Placeholder 4" hidden="0"/>
-          <p:cNvSpPr>
-            <a:spLocks noGrp="1"/>
-          </p:cNvSpPr>
-          <p:nvPr isPhoto="0" userDrawn="0">
-            <p:ph type="dt" sz="half" idx="10" hasCustomPrompt="0"/>
+          <p:cNvPr id="7" name="Date Placeholder 4"/>
+          <p:cNvSpPr>
+            <a:spLocks noGrp="1"/>
+          </p:cNvSpPr>
+          <p:nvPr>
+            <p:ph type="dt" sz="half" idx="10"/>
           </p:nvPr>
         </p:nvSpPr>
         <p:spPr bwMode="auto"/>
@@ -2289,7 +2728,7 @@
             </a:pPr>
             <a:fld id="{BCC18F51-09EC-435C-A3BA-64A766E099C0}" type="datetimeFigureOut">
               <a:rPr lang="ru-RU"/>
-              <a:t/>
+              <a:t>27.04.2021</a:t>
             </a:fld>
             <a:endParaRPr lang="ru-RU"/>
           </a:p>
@@ -2297,12 +2736,12 @@
       </p:sp>
       <p:sp>
         <p:nvSpPr>
-          <p:cNvPr id="8" name="Footer Placeholder 5" hidden="0"/>
-          <p:cNvSpPr>
-            <a:spLocks noGrp="1"/>
-          </p:cNvSpPr>
-          <p:nvPr isPhoto="0" userDrawn="0">
-            <p:ph type="ftr" sz="quarter" idx="11" hasCustomPrompt="0"/>
+          <p:cNvPr id="8" name="Footer Placeholder 5"/>
+          <p:cNvSpPr>
+            <a:spLocks noGrp="1"/>
+          </p:cNvSpPr>
+          <p:nvPr>
+            <p:ph type="ftr" sz="quarter" idx="11"/>
           </p:nvPr>
         </p:nvSpPr>
         <p:spPr bwMode="auto"/>
@@ -2319,12 +2758,12 @@
       </p:sp>
       <p:sp>
         <p:nvSpPr>
-          <p:cNvPr id="9" name="Slide Number Placeholder 6" hidden="0"/>
-          <p:cNvSpPr>
-            <a:spLocks noGrp="1"/>
-          </p:cNvSpPr>
-          <p:nvPr isPhoto="0" userDrawn="0">
-            <p:ph type="sldNum" sz="quarter" idx="12" hasCustomPrompt="0"/>
+          <p:cNvPr id="9" name="Slide Number Placeholder 6"/>
+          <p:cNvSpPr>
+            <a:spLocks noGrp="1"/>
+          </p:cNvSpPr>
+          <p:nvPr>
+            <p:ph type="sldNum" sz="quarter" idx="12"/>
           </p:nvPr>
         </p:nvSpPr>
         <p:spPr bwMode="auto"/>
@@ -2337,7 +2776,7 @@
             </a:pPr>
             <a:fld id="{08395586-F03A-48D1-94DF-16B239DF4FB5}" type="slidenum">
               <a:rPr lang="ru-RU"/>
-              <a:t/>
+              <a:t>‹#›</a:t>
             </a:fld>
             <a:endParaRPr lang="ru-RU"/>
           </a:p>
@@ -2352,13 +2791,13 @@
 </file>
 
 <file path=ppt/slideLayouts/slideLayout9.xml><?xml version="1.0" encoding="utf-8"?>
-<p:sldLayout xmlns:a="http://schemas.openxmlformats.org/drawingml/2006/main" xmlns:r="http://schemas.openxmlformats.org/officeDocument/2006/relationships" xmlns:p="http://schemas.openxmlformats.org/presentationml/2006/main" xmlns:m="http://schemas.openxmlformats.org/officeDocument/2006/math" xmlns:w="http://schemas.openxmlformats.org/wordprocessingml/2006/main" matchingName="" preserve="1" showMasterPhAnim="0" type="picTx" userDrawn="1">
+<p:sldLayout xmlns:a="http://schemas.openxmlformats.org/drawingml/2006/main" xmlns:r="http://schemas.openxmlformats.org/officeDocument/2006/relationships" xmlns:p="http://schemas.openxmlformats.org/presentationml/2006/main" showMasterPhAnim="0" type="picTx" preserve="1" userDrawn="1">
   <p:cSld name="Picture with Caption">
     <p:spTree>
       <p:nvGrpSpPr>
-        <p:cNvPr id="1" name="" hidden="0"/>
+        <p:cNvPr id="1" name=""/>
         <p:cNvGrpSpPr/>
-        <p:nvPr isPhoto="0" userDrawn="0"/>
+        <p:nvPr/>
       </p:nvGrpSpPr>
       <p:grpSpPr bwMode="auto">
         <a:xfrm>
@@ -2370,12 +2809,12 @@
       </p:grpSpPr>
       <p:sp>
         <p:nvSpPr>
-          <p:cNvPr id="4" name="Title 1" hidden="0"/>
-          <p:cNvSpPr>
-            <a:spLocks noGrp="1"/>
-          </p:cNvSpPr>
-          <p:nvPr isPhoto="0" userDrawn="0">
-            <p:ph type="title" hasCustomPrompt="0"/>
+          <p:cNvPr id="4" name="Title 1"/>
+          <p:cNvSpPr>
+            <a:spLocks noGrp="1"/>
+          </p:cNvSpPr>
+          <p:nvPr>
+            <p:ph type="title"/>
           </p:nvPr>
         </p:nvSpPr>
         <p:spPr bwMode="auto">
@@ -2399,18 +2838,17 @@
               <a:rPr lang="ru-RU"/>
               <a:t>Click to edit Master title style</a:t>
             </a:r>
-            <a:endParaRPr lang="ru-RU"/>
-          </a:p>
-        </p:txBody>
-      </p:sp>
-      <p:sp>
-        <p:nvSpPr>
-          <p:cNvPr id="5" name="Picture Placeholder 2" hidden="0"/>
-          <p:cNvSpPr>
-            <a:spLocks noChangeAspect="1" noGrp="1"/>
-          </p:cNvSpPr>
-          <p:nvPr isPhoto="0" userDrawn="0">
-            <p:ph type="pic" idx="1" hasCustomPrompt="0"/>
+          </a:p>
+        </p:txBody>
+      </p:sp>
+      <p:sp>
+        <p:nvSpPr>
+          <p:cNvPr id="5" name="Picture Placeholder 2"/>
+          <p:cNvSpPr>
+            <a:spLocks noGrp="1" noChangeAspect="1"/>
+          </p:cNvSpPr>
+          <p:nvPr>
+            <p:ph type="pic" idx="1"/>
           </p:nvPr>
         </p:nvSpPr>
         <p:spPr bwMode="auto">
@@ -2467,18 +2905,17 @@
               <a:rPr lang="ru-RU"/>
               <a:t>Click icon to add picture</a:t>
             </a:r>
-            <a:endParaRPr lang="ru-RU"/>
-          </a:p>
-        </p:txBody>
-      </p:sp>
-      <p:sp>
-        <p:nvSpPr>
-          <p:cNvPr id="6" name="Text Placeholder 3" hidden="0"/>
-          <p:cNvSpPr>
-            <a:spLocks noGrp="1"/>
-          </p:cNvSpPr>
-          <p:nvPr isPhoto="0" userDrawn="0">
-            <p:ph type="body" sz="half" idx="2" hasCustomPrompt="0"/>
+          </a:p>
+        </p:txBody>
+      </p:sp>
+      <p:sp>
+        <p:nvSpPr>
+          <p:cNvPr id="6" name="Text Placeholder 3"/>
+          <p:cNvSpPr>
+            <a:spLocks noGrp="1"/>
+          </p:cNvSpPr>
+          <p:nvPr>
+            <p:ph type="body" sz="half" idx="2"/>
           </p:nvPr>
         </p:nvSpPr>
         <p:spPr bwMode="auto">
@@ -2541,12 +2978,12 @@
       </p:sp>
       <p:sp>
         <p:nvSpPr>
-          <p:cNvPr id="7" name="Date Placeholder 4" hidden="0"/>
-          <p:cNvSpPr>
-            <a:spLocks noGrp="1"/>
-          </p:cNvSpPr>
-          <p:nvPr isPhoto="0" userDrawn="0">
-            <p:ph type="dt" sz="half" idx="10" hasCustomPrompt="0"/>
+          <p:cNvPr id="7" name="Date Placeholder 4"/>
+          <p:cNvSpPr>
+            <a:spLocks noGrp="1"/>
+          </p:cNvSpPr>
+          <p:nvPr>
+            <p:ph type="dt" sz="half" idx="10"/>
           </p:nvPr>
         </p:nvSpPr>
         <p:spPr bwMode="auto"/>
@@ -2559,7 +2996,7 @@
             </a:pPr>
             <a:fld id="{BCC18F51-09EC-435C-A3BA-64A766E099C0}" type="datetimeFigureOut">
               <a:rPr lang="ru-RU"/>
-              <a:t/>
+              <a:t>27.04.2021</a:t>
             </a:fld>
             <a:endParaRPr lang="ru-RU"/>
           </a:p>
@@ -2567,12 +3004,12 @@
       </p:sp>
       <p:sp>
         <p:nvSpPr>
-          <p:cNvPr id="8" name="Footer Placeholder 5" hidden="0"/>
-          <p:cNvSpPr>
-            <a:spLocks noGrp="1"/>
-          </p:cNvSpPr>
-          <p:nvPr isPhoto="0" userDrawn="0">
-            <p:ph type="ftr" sz="quarter" idx="11" hasCustomPrompt="0"/>
+          <p:cNvPr id="8" name="Footer Placeholder 5"/>
+          <p:cNvSpPr>
+            <a:spLocks noGrp="1"/>
+          </p:cNvSpPr>
+          <p:nvPr>
+            <p:ph type="ftr" sz="quarter" idx="11"/>
           </p:nvPr>
         </p:nvSpPr>
         <p:spPr bwMode="auto"/>
@@ -2589,12 +3026,12 @@
       </p:sp>
       <p:sp>
         <p:nvSpPr>
-          <p:cNvPr id="9" name="Slide Number Placeholder 6" hidden="0"/>
-          <p:cNvSpPr>
-            <a:spLocks noGrp="1"/>
-          </p:cNvSpPr>
-          <p:nvPr isPhoto="0" userDrawn="0">
-            <p:ph type="sldNum" sz="quarter" idx="12" hasCustomPrompt="0"/>
+          <p:cNvPr id="9" name="Slide Number Placeholder 6"/>
+          <p:cNvSpPr>
+            <a:spLocks noGrp="1"/>
+          </p:cNvSpPr>
+          <p:nvPr>
+            <p:ph type="sldNum" sz="quarter" idx="12"/>
           </p:nvPr>
         </p:nvSpPr>
         <p:spPr bwMode="auto"/>
@@ -2607,7 +3044,7 @@
             </a:pPr>
             <a:fld id="{08395586-F03A-48D1-94DF-16B239DF4FB5}" type="slidenum">
               <a:rPr lang="ru-RU"/>
-              <a:t/>
+              <a:t>‹#›</a:t>
             </a:fld>
             <a:endParaRPr lang="ru-RU"/>
           </a:p>
@@ -2622,8 +3059,8 @@
 </file>
 
 <file path=ppt/slideMasters/slideMaster1.xml><?xml version="1.0" encoding="utf-8"?>
-<p:sldMaster xmlns:a="http://schemas.openxmlformats.org/drawingml/2006/main" xmlns:r="http://schemas.openxmlformats.org/officeDocument/2006/relationships" xmlns:p="http://schemas.openxmlformats.org/presentationml/2006/main" xmlns:m="http://schemas.openxmlformats.org/officeDocument/2006/math" xmlns:w="http://schemas.openxmlformats.org/wordprocessingml/2006/main" preserve="0">
-  <p:cSld name="">
+<p:sldMaster xmlns:a="http://schemas.openxmlformats.org/drawingml/2006/main" xmlns:r="http://schemas.openxmlformats.org/officeDocument/2006/relationships" xmlns:p="http://schemas.openxmlformats.org/presentationml/2006/main">
+  <p:cSld>
     <p:bg>
       <p:bgRef idx="1001">
         <a:schemeClr val="bg1"/>
@@ -2631,9 +3068,9 @@
     </p:bg>
     <p:spTree>
       <p:nvGrpSpPr>
-        <p:cNvPr id="1" name="" hidden="0"/>
+        <p:cNvPr id="1" name=""/>
         <p:cNvGrpSpPr/>
-        <p:nvPr isPhoto="0" userDrawn="0"/>
+        <p:nvPr/>
       </p:nvGrpSpPr>
       <p:grpSpPr bwMode="auto">
         <a:xfrm>
@@ -2645,12 +3082,12 @@
       </p:grpSpPr>
       <p:sp>
         <p:nvSpPr>
-          <p:cNvPr id="4" name="Title Placeholder 1" hidden="0"/>
-          <p:cNvSpPr>
-            <a:spLocks noGrp="1"/>
-          </p:cNvSpPr>
-          <p:nvPr isPhoto="0" userDrawn="0">
-            <p:ph type="title" hasCustomPrompt="0"/>
+          <p:cNvPr id="4" name="Title Placeholder 1"/>
+          <p:cNvSpPr>
+            <a:spLocks noGrp="1"/>
+          </p:cNvSpPr>
+          <p:nvPr>
+            <p:ph type="title"/>
           </p:nvPr>
         </p:nvSpPr>
         <p:spPr bwMode="auto">
@@ -2675,18 +3112,17 @@
               <a:rPr lang="ru-RU"/>
               <a:t>Click to edit Master title style</a:t>
             </a:r>
-            <a:endParaRPr lang="ru-RU"/>
-          </a:p>
-        </p:txBody>
-      </p:sp>
-      <p:sp>
-        <p:nvSpPr>
-          <p:cNvPr id="5" name="Text Placeholder 2" hidden="0"/>
-          <p:cNvSpPr>
-            <a:spLocks noGrp="1"/>
-          </p:cNvSpPr>
-          <p:nvPr isPhoto="0" userDrawn="0">
-            <p:ph type="body" idx="1" hasCustomPrompt="0"/>
+          </a:p>
+        </p:txBody>
+      </p:sp>
+      <p:sp>
+        <p:nvSpPr>
+          <p:cNvPr id="5" name="Text Placeholder 2"/>
+          <p:cNvSpPr>
+            <a:spLocks noGrp="1"/>
+          </p:cNvSpPr>
+          <p:nvPr>
+            <p:ph type="body" idx="1"/>
           </p:nvPr>
         </p:nvSpPr>
         <p:spPr bwMode="auto">
@@ -2751,18 +3187,17 @@
               <a:rPr lang="ru-RU"/>
               <a:t>Fifth level</a:t>
             </a:r>
-            <a:endParaRPr lang="ru-RU"/>
-          </a:p>
-        </p:txBody>
-      </p:sp>
-      <p:sp>
-        <p:nvSpPr>
-          <p:cNvPr id="6" name="Date Placeholder 3" hidden="0"/>
-          <p:cNvSpPr>
-            <a:spLocks noGrp="1"/>
-          </p:cNvSpPr>
-          <p:nvPr isPhoto="0" userDrawn="0">
-            <p:ph type="dt" sz="half" idx="2" hasCustomPrompt="0"/>
+          </a:p>
+        </p:txBody>
+      </p:sp>
+      <p:sp>
+        <p:nvSpPr>
+          <p:cNvPr id="6" name="Date Placeholder 3"/>
+          <p:cNvSpPr>
+            <a:spLocks noGrp="1"/>
+          </p:cNvSpPr>
+          <p:nvPr>
+            <p:ph type="dt" sz="half" idx="2"/>
           </p:nvPr>
         </p:nvSpPr>
         <p:spPr bwMode="auto">
@@ -2793,7 +3228,7 @@
             </a:pPr>
             <a:fld id="{BCC18F51-09EC-435C-A3BA-64A766E099C0}" type="datetimeFigureOut">
               <a:rPr lang="ru-RU"/>
-              <a:t/>
+              <a:t>27.04.2021</a:t>
             </a:fld>
             <a:endParaRPr lang="ru-RU"/>
           </a:p>
@@ -2801,12 +3236,12 @@
       </p:sp>
       <p:sp>
         <p:nvSpPr>
-          <p:cNvPr id="7" name="Footer Placeholder 4" hidden="0"/>
-          <p:cNvSpPr>
-            <a:spLocks noGrp="1"/>
-          </p:cNvSpPr>
-          <p:nvPr isPhoto="0" userDrawn="0">
-            <p:ph type="ftr" sz="quarter" idx="3" hasCustomPrompt="0"/>
+          <p:cNvPr id="7" name="Footer Placeholder 4"/>
+          <p:cNvSpPr>
+            <a:spLocks noGrp="1"/>
+          </p:cNvSpPr>
+          <p:nvPr>
+            <p:ph type="ftr" sz="quarter" idx="3"/>
           </p:nvPr>
         </p:nvSpPr>
         <p:spPr bwMode="auto">
@@ -2841,12 +3276,12 @@
       </p:sp>
       <p:sp>
         <p:nvSpPr>
-          <p:cNvPr id="8" name="Slide Number Placeholder 5" hidden="0"/>
-          <p:cNvSpPr>
-            <a:spLocks noGrp="1"/>
-          </p:cNvSpPr>
-          <p:nvPr isPhoto="0" userDrawn="0">
-            <p:ph type="sldNum" sz="quarter" idx="4" hasCustomPrompt="0"/>
+          <p:cNvPr id="8" name="Slide Number Placeholder 5"/>
+          <p:cNvSpPr>
+            <a:spLocks noGrp="1"/>
+          </p:cNvSpPr>
+          <p:nvPr>
+            <p:ph type="sldNum" sz="quarter" idx="4"/>
           </p:nvPr>
         </p:nvSpPr>
         <p:spPr bwMode="auto">
@@ -2877,7 +3312,7 @@
             </a:pPr>
             <a:fld id="{08395586-F03A-48D1-94DF-16B239DF4FB5}" type="slidenum">
               <a:rPr lang="ru-RU"/>
-              <a:t/>
+              <a:t>‹#›</a:t>
             </a:fld>
             <a:endParaRPr lang="ru-RU"/>
           </a:p>
@@ -2885,7 +3320,7 @@
       </p:sp>
     </p:spTree>
   </p:cSld>
-  <p:clrMap accent1="accent1" accent2="accent2" accent3="accent3" accent4="accent4" accent5="accent5" accent6="accent6" bg1="lt1" bg2="lt2" folHlink="folHlink" hlink="hlink" tx1="dk1" tx2="dk2"/>
+  <p:clrMap bg1="lt1" tx1="dk1" bg2="lt2" tx2="dk2" accent1="accent1" accent2="accent2" accent3="accent3" accent4="accent4" accent5="accent5" accent6="accent6" hlink="hlink" folHlink="folHlink"/>
   <p:sldLayoutIdLst>
     <p:sldLayoutId id="2147483649" r:id="rId1"/>
     <p:sldLayoutId id="2147483650" r:id="rId2"/>
@@ -2899,7 +3334,7 @@
     <p:sldLayoutId id="2147483658" r:id="rId10"/>
     <p:sldLayoutId id="2147483659" r:id="rId11"/>
   </p:sldLayoutIdLst>
-  <p:hf dt="0" ftr="0" hdr="0" sldNum="0"/>
+  <p:hf sldNum="0" hdr="0" ftr="0" dt="0"/>
   <p:txStyles>
     <p:titleStyle>
       <a:lvl1pPr algn="l" defTabSz="914400">
@@ -3184,11 +3619,11 @@
 </file>
 
 <file path=ppt/slides/slide1.xml><?xml version="1.0" encoding="utf-8"?>
-<p:sld xmlns:a="http://schemas.openxmlformats.org/drawingml/2006/main" xmlns:r="http://schemas.openxmlformats.org/officeDocument/2006/relationships" xmlns:p="http://schemas.openxmlformats.org/presentationml/2006/main" xmlns:m="http://schemas.openxmlformats.org/officeDocument/2006/math" xmlns:w="http://schemas.openxmlformats.org/wordprocessingml/2006/main" showMasterPhAnim="0" show="1">
-  <p:cSld name="">
+<p:sld xmlns:a="http://schemas.openxmlformats.org/drawingml/2006/main" xmlns:r="http://schemas.openxmlformats.org/officeDocument/2006/relationships" xmlns:p="http://schemas.openxmlformats.org/presentationml/2006/main" showMasterPhAnim="0">
+  <p:cSld>
     <p:bg>
-      <p:bgPr shadeToTitle="0">
-        <a:gradFill>
+      <p:bgPr>
+        <a:gradFill flip="none" rotWithShape="1">
           <a:gsLst>
             <a:gs pos="22000">
               <a:schemeClr val="tx1">
@@ -3204,14 +3639,16 @@
             </a:gs>
           </a:gsLst>
           <a:lin ang="2700000" scaled="1"/>
+          <a:tileRect/>
         </a:gradFill>
+        <a:effectLst/>
       </p:bgPr>
     </p:bg>
     <p:spTree>
       <p:nvGrpSpPr>
-        <p:cNvPr id="1" name="" hidden="0"/>
+        <p:cNvPr id="1" name=""/>
         <p:cNvGrpSpPr/>
-        <p:nvPr isPhoto="0" userDrawn="0"/>
+        <p:nvPr/>
       </p:nvGrpSpPr>
       <p:grpSpPr bwMode="auto">
         <a:xfrm>
@@ -3223,12 +3660,12 @@
       </p:grpSpPr>
       <p:sp>
         <p:nvSpPr>
-          <p:cNvPr id="4" name="Title 1" hidden="0"/>
-          <p:cNvSpPr>
-            <a:spLocks noGrp="1"/>
-          </p:cNvSpPr>
-          <p:nvPr isPhoto="0" userDrawn="0">
-            <p:ph type="ctrTitle" hasCustomPrompt="0"/>
+          <p:cNvPr id="4" name="Title 1"/>
+          <p:cNvSpPr>
+            <a:spLocks noGrp="1"/>
+          </p:cNvSpPr>
+          <p:nvPr>
+            <p:ph type="ctrTitle"/>
           </p:nvPr>
         </p:nvSpPr>
         <p:spPr bwMode="auto">
@@ -3238,7 +3675,7 @@
           </a:xfrm>
         </p:spPr>
         <p:txBody>
-          <a:bodyPr vertOverflow="overflow" horzOverflow="clip" vert="horz" wrap="square" lIns="91440" tIns="45720" rIns="91440" bIns="45720" numCol="1" spcCol="0" rtlCol="0" fromWordArt="0" anchor="b" anchorCtr="0" forceAA="0" upright="0" compatLnSpc="0">
+          <a:bodyPr vertOverflow="overflow" horzOverflow="clip" vert="horz" wrap="square" lIns="91440" tIns="45720" rIns="91440" bIns="45720" numCol="1" spcCol="0" rtlCol="0" fromWordArt="0" anchor="b" anchorCtr="0" forceAA="0" compatLnSpc="0">
             <a:normAutofit/>
           </a:bodyPr>
           <a:lstStyle/>
@@ -3247,7 +3684,7 @@
               <a:defRPr/>
             </a:pPr>
             <a:r>
-              <a:rPr lang="ru-RU">
+              <a:rPr lang="ru-RU" dirty="0" err="1">
                 <a:solidFill>
                   <a:schemeClr val="bg1"/>
                 </a:solidFill>
@@ -3255,13 +3692,13 @@
               <a:t>Python</a:t>
             </a:r>
             <a:br>
-              <a:rPr lang="ru-RU"/>
+              <a:rPr lang="ru-RU" dirty="0"/>
             </a:br>
             <a:br>
-              <a:rPr lang="ru-RU"/>
+              <a:rPr lang="ru-RU" dirty="0"/>
             </a:br>
             <a:r>
-              <a:rPr lang="ru-RU" sz="4800">
+              <a:rPr lang="ru-RU" sz="4800" dirty="0" err="1">
                 <a:solidFill>
                   <a:srgbClr val="00B0F0"/>
                 </a:solidFill>
@@ -3272,7 +3709,7 @@
               <a:t>print</a:t>
             </a:r>
             <a:r>
-              <a:rPr lang="ru-RU" sz="4800">
+              <a:rPr lang="ru-RU" sz="4800" dirty="0">
                 <a:solidFill>
                   <a:schemeClr val="bg1"/>
                 </a:solidFill>
@@ -3283,7 +3720,7 @@
               <a:t>(</a:t>
             </a:r>
             <a:r>
-              <a:rPr lang="ru-RU" sz="4800">
+              <a:rPr lang="ru-RU" sz="4800" dirty="0">
                 <a:solidFill>
                   <a:srgbClr val="FFC000"/>
                 </a:solidFill>
@@ -3291,20 +3728,64 @@
                 <a:ea typeface="DejaVu Sans Mono"/>
                 <a:cs typeface="DejaVu Sans Mono"/>
               </a:rPr>
-              <a:t>‘Hellow, world’</a:t>
-            </a:r>
-            <a:r>
-              <a:rPr lang="ru-RU" sz="4800">
-                <a:solidFill>
-                  <a:schemeClr val="bg1"/>
+              <a:t>‘</a:t>
+            </a:r>
+            <a:r>
+              <a:rPr lang="ru-RU" sz="4800" dirty="0" err="1">
+                <a:solidFill>
+                  <a:srgbClr val="FFC000"/>
                 </a:solidFill>
                 <a:latin typeface="DejaVu Sans Mono"/>
                 <a:ea typeface="DejaVu Sans Mono"/>
                 <a:cs typeface="DejaVu Sans Mono"/>
               </a:rPr>
+              <a:t>Hellow</a:t>
+            </a:r>
+            <a:r>
+              <a:rPr lang="ru-RU" sz="4800" dirty="0">
+                <a:solidFill>
+                  <a:srgbClr val="FFC000"/>
+                </a:solidFill>
+                <a:latin typeface="DejaVu Sans Mono"/>
+                <a:ea typeface="DejaVu Sans Mono"/>
+                <a:cs typeface="DejaVu Sans Mono"/>
+              </a:rPr>
+              <a:t>, </a:t>
+            </a:r>
+            <a:r>
+              <a:rPr lang="ru-RU" sz="4800" dirty="0" err="1">
+                <a:solidFill>
+                  <a:srgbClr val="FFC000"/>
+                </a:solidFill>
+                <a:latin typeface="DejaVu Sans Mono"/>
+                <a:ea typeface="DejaVu Sans Mono"/>
+                <a:cs typeface="DejaVu Sans Mono"/>
+              </a:rPr>
+              <a:t>world</a:t>
+            </a:r>
+            <a:r>
+              <a:rPr lang="ru-RU" sz="4800" dirty="0">
+                <a:solidFill>
+                  <a:srgbClr val="FFC000"/>
+                </a:solidFill>
+                <a:latin typeface="DejaVu Sans Mono"/>
+                <a:ea typeface="DejaVu Sans Mono"/>
+                <a:cs typeface="DejaVu Sans Mono"/>
+              </a:rPr>
+              <a:t>’</a:t>
+            </a:r>
+            <a:r>
+              <a:rPr lang="ru-RU" sz="4800" dirty="0">
+                <a:solidFill>
+                  <a:schemeClr val="bg1"/>
+                </a:solidFill>
+                <a:latin typeface="DejaVu Sans Mono"/>
+                <a:ea typeface="DejaVu Sans Mono"/>
+                <a:cs typeface="DejaVu Sans Mono"/>
+              </a:rPr>
               <a:t>)</a:t>
             </a:r>
-            <a:endParaRPr>
+            <a:endParaRPr dirty="0">
               <a:solidFill>
                 <a:schemeClr val="bg1"/>
               </a:solidFill>
@@ -3314,21 +3795,24 @@
       </p:sp>
       <p:sp>
         <p:nvSpPr>
-          <p:cNvPr id="5" name="" hidden="0"/>
+          <p:cNvPr id="5" name=" 4"/>
           <p:cNvSpPr/>
-          <p:nvPr isPhoto="0" userDrawn="0"/>
+          <p:nvPr/>
         </p:nvSpPr>
         <p:spPr bwMode="auto">
-          <a:xfrm flipH="0" flipV="0">
+          <a:xfrm>
             <a:off x="4952999" y="-6901066"/>
             <a:ext cx="11430000" cy="11430000"/>
           </a:xfrm>
         </p:spPr>
         <p:txBody>
-          <a:bodyPr rot="0" spcFirstLastPara="0" vertOverflow="overflow" horzOverflow="clip" vert="horz" wrap="square" lIns="91440" tIns="45720" rIns="91440" bIns="45720" numCol="1" spcCol="0" rtlCol="0" fromWordArt="0" anchor="t" anchorCtr="0" forceAA="0" upright="0" compatLnSpc="1">
-            <a:prstTxWarp prst="textNoShape"/>
+          <a:bodyPr rot="0" spcFirstLastPara="0" vertOverflow="overflow" horzOverflow="clip" vert="horz" wrap="square" lIns="91440" tIns="45720" rIns="91440" bIns="45720" numCol="1" spcCol="0" rtlCol="0" fromWordArt="0" anchor="t" anchorCtr="0" forceAA="0" compatLnSpc="1">
+            <a:prstTxWarp prst="textNoShape">
+              <a:avLst/>
+            </a:prstTxWarp>
             <a:noAutofit/>
           </a:bodyPr>
+          <a:lstStyle/>
           <a:p>
             <a:pPr>
               <a:defRPr/>
@@ -3339,9 +3823,9 @@
       </p:sp>
       <p:sp>
         <p:nvSpPr>
-          <p:cNvPr id="6" name="" hidden="0"/>
+          <p:cNvPr id="6" name=" 5"/>
           <p:cNvSpPr/>
-          <p:nvPr isPhoto="0" userDrawn="0"/>
+          <p:nvPr/>
         </p:nvSpPr>
         <p:spPr bwMode="auto">
           <a:xfrm>
@@ -3350,97 +3834,118 @@
           </a:xfrm>
         </p:spPr>
         <p:txBody>
-          <a:bodyPr rot="0" spcFirstLastPara="0" vertOverflow="overflow" horzOverflow="clip" vert="horz" wrap="square" lIns="91440" tIns="45720" rIns="91440" bIns="45720" numCol="1" spcCol="0" rtlCol="0" fromWordArt="0" anchor="t" anchorCtr="0" forceAA="0" upright="0" compatLnSpc="1">
-            <a:prstTxWarp prst="textNoShape"/>
+          <a:bodyPr rot="0" spcFirstLastPara="0" vertOverflow="overflow" horzOverflow="clip" vert="horz" wrap="square" lIns="91440" tIns="45720" rIns="91440" bIns="45720" numCol="1" spcCol="0" rtlCol="0" fromWordArt="0" anchor="t" anchorCtr="0" forceAA="0" compatLnSpc="1">
+            <a:prstTxWarp prst="textNoShape">
+              <a:avLst/>
+            </a:prstTxWarp>
             <a:noAutofit/>
           </a:bodyPr>
+          <a:lstStyle/>
           <a:p>
             <a:pPr>
               <a:defRPr/>
             </a:pPr>
             <a:endParaRPr/>
+          </a:p>
+        </p:txBody>
+      </p:sp>
+      <p:sp>
+        <p:nvSpPr>
+          <p:cNvPr id="8" name="Slide Number Placeholder 5"/>
+          <p:cNvSpPr>
+            <a:spLocks noGrp="1"/>
+          </p:cNvSpPr>
+          <p:nvPr>
+            <p:ph type="sldNum" sz="quarter" idx="12"/>
+          </p:nvPr>
+        </p:nvSpPr>
+        <p:spPr bwMode="auto"/>
+        <p:txBody>
+          <a:bodyPr/>
+          <a:lstStyle/>
+          <a:p>
+            <a:pPr>
+              <a:defRPr/>
+            </a:pPr>
+            <a:fld id="{1D9A9E49-E233-0F34-19EE-609CA8282035}" type="slidenum">
+              <a:rPr lang="ru-RU"/>
+              <a:t>1</a:t>
+            </a:fld>
+            <a:endParaRPr lang="ru-RU"/>
           </a:p>
         </p:txBody>
       </p:sp>
       <p:pic>
         <p:nvPicPr>
-          <p:cNvPr id="7" name="" hidden="0"/>
+          <p:cNvPr id="1028" name="Picture 4" descr="https://steamuserimages-a.akamaihd.net/ugc/946219835806282284/D1179AA95880DECCFFA1DADF06C4084941FF94F4/?imw=512&amp;amp;imh=512&amp;amp;ima=fit&amp;amp;impolicy=Letterbox&amp;amp;imcolor=%23000000&amp;amp;letterbox=true">
+            <a:extLst>
+              <a:ext uri="{FF2B5EF4-FFF2-40B4-BE49-F238E27FC236}">
+                <a16:creationId xmlns:a16="http://schemas.microsoft.com/office/drawing/2014/main" id="{A27B5F0E-7909-4283-9B7A-A6E781BD0BED}"/>
+              </a:ext>
+            </a:extLst>
+          </p:cNvPr>
           <p:cNvPicPr>
-            <a:picLocks noChangeAspect="1"/>
+            <a:picLocks noChangeAspect="1" noChangeArrowheads="1"/>
           </p:cNvPicPr>
-          <p:nvPr isPhoto="0" userDrawn="0"/>
+          <p:nvPr/>
         </p:nvPicPr>
         <p:blipFill>
-          <a:blip r:embed="rId2"/>
-          <a:stretch/>
+          <a:blip r:embed="rId2" cstate="print">
+            <a:extLst>
+              <a:ext uri="{28A0092B-C50C-407E-A947-70E740481C1C}">
+                <a14:useLocalDpi xmlns:a14="http://schemas.microsoft.com/office/drawing/2010/main" val="0"/>
+              </a:ext>
+            </a:extLst>
+          </a:blip>
+          <a:srcRect/>
+          <a:stretch>
+            <a:fillRect/>
+          </a:stretch>
         </p:blipFill>
         <p:spPr bwMode="auto">
-          <a:xfrm flipH="0" flipV="0">
-            <a:off x="3509235" y="4358553"/>
-            <a:ext cx="2887527" cy="2117520"/>
+          <a:xfrm flipH="1">
+            <a:off x="335360" y="188641"/>
+            <a:ext cx="576064" cy="576064"/>
           </a:xfrm>
           <a:prstGeom prst="rect">
             <a:avLst/>
           </a:prstGeom>
+          <a:noFill/>
+          <a:extLst>
+            <a:ext uri="{909E8E84-426E-40DD-AFC4-6F175D3DCCD1}">
+              <a14:hiddenFill xmlns:a14="http://schemas.microsoft.com/office/drawing/2010/main">
+                <a:solidFill>
+                  <a:srgbClr val="FFFFFF"/>
+                </a:solidFill>
+              </a14:hiddenFill>
+            </a:ext>
+          </a:extLst>
         </p:spPr>
       </p:pic>
-      <p:sp>
-        <p:nvSpPr>
-          <p:cNvPr id="8" name="Slide Number Placeholder 5" hidden="0"/>
-          <p:cNvSpPr>
-            <a:spLocks noGrp="1"/>
-          </p:cNvSpPr>
-          <p:nvPr isPhoto="0" userDrawn="0">
-            <p:ph type="sldNum" sz="quarter" idx="12" hasCustomPrompt="0"/>
-          </p:nvPr>
-        </p:nvSpPr>
-        <p:spPr bwMode="auto"/>
-        <p:txBody>
-          <a:bodyPr/>
-          <a:lstStyle/>
-          <a:p>
-            <a:pPr>
-              <a:defRPr/>
-            </a:pPr>
-            <a:fld id="{1D9A9E49-E233-0F34-19EE-609CA8282035}" type="slidenum">
-              <a:rPr lang="ru-RU"/>
-              <a:t/>
-            </a:fld>
-            <a:endParaRPr lang="ru-RU"/>
-          </a:p>
-        </p:txBody>
-      </p:sp>
     </p:spTree>
   </p:cSld>
   <p:clrMapOvr>
     <a:masterClrMapping/>
   </p:clrMapOvr>
-  <mc:AlternateContent xmlns:mc="http://schemas.openxmlformats.org/markup-compatibility/2006">
-    <mc:Choice xmlns:p14="http://schemas.microsoft.com/office/powerpoint/2010/main" Requires="p14">
-      <p:transition p14:dur="2000" advClick="1"/>
-    </mc:Choice>
-    <mc:Fallback>
-      <p:transition advClick="1"/>
-    </mc:Fallback>
-  </mc:AlternateContent>
 </p:sld>
 </file>
 
 <file path=ppt/slides/slide2.xml><?xml version="1.0" encoding="utf-8"?>
-<p:sld xmlns:a="http://schemas.openxmlformats.org/drawingml/2006/main" xmlns:r="http://schemas.openxmlformats.org/officeDocument/2006/relationships" xmlns:p="http://schemas.openxmlformats.org/presentationml/2006/main" xmlns:m="http://schemas.openxmlformats.org/officeDocument/2006/math" xmlns:w="http://schemas.openxmlformats.org/wordprocessingml/2006/main" showMasterPhAnim="0" show="1">
-  <p:cSld name="">
+<p:sld xmlns:a="http://schemas.openxmlformats.org/drawingml/2006/main" xmlns:r="http://schemas.openxmlformats.org/officeDocument/2006/relationships" xmlns:p="http://schemas.openxmlformats.org/presentationml/2006/main" showMasterPhAnim="0">
+  <p:cSld>
     <p:bg>
-      <p:bgPr shadeToTitle="0">
+      <p:bgPr>
         <a:solidFill>
           <a:schemeClr val="bg1"/>
         </a:solidFill>
+        <a:effectLst/>
       </p:bgPr>
     </p:bg>
     <p:spTree>
       <p:nvGrpSpPr>
-        <p:cNvPr id="1" name="" hidden="0"/>
+        <p:cNvPr id="1" name=""/>
         <p:cNvGrpSpPr/>
-        <p:nvPr isPhoto="0" userDrawn="0"/>
+        <p:nvPr/>
       </p:nvGrpSpPr>
       <p:grpSpPr bwMode="auto">
         <a:xfrm>
@@ -3452,17 +3957,17 @@
       </p:grpSpPr>
       <p:sp>
         <p:nvSpPr>
-          <p:cNvPr id="4" name="Title 1" hidden="0"/>
-          <p:cNvSpPr>
-            <a:spLocks noGrp="1"/>
-          </p:cNvSpPr>
-          <p:nvPr isPhoto="0" userDrawn="0">
-            <p:ph type="ctrTitle" hasCustomPrompt="0"/>
+          <p:cNvPr id="4" name="Title 1"/>
+          <p:cNvSpPr>
+            <a:spLocks noGrp="1"/>
+          </p:cNvSpPr>
+          <p:nvPr>
+            <p:ph type="ctrTitle"/>
           </p:nvPr>
         </p:nvSpPr>
         <p:spPr bwMode="auto"/>
         <p:txBody>
-          <a:bodyPr vertOverflow="overflow" horzOverflow="clip" vert="horz" wrap="square" lIns="91440" tIns="45720" rIns="91440" bIns="45720" numCol="1" spcCol="0" rtlCol="0" fromWordArt="0" anchor="b" anchorCtr="0" forceAA="0" upright="0" compatLnSpc="0">
+          <a:bodyPr vertOverflow="overflow" horzOverflow="clip" vert="horz" wrap="square" lIns="91440" tIns="45720" rIns="91440" bIns="45720" numCol="1" spcCol="0" rtlCol="0" fromWordArt="0" anchor="b" anchorCtr="0" forceAA="0" compatLnSpc="0">
             <a:normAutofit/>
           </a:bodyPr>
           <a:lstStyle/>
@@ -3488,21 +3993,24 @@
       </p:sp>
       <p:sp>
         <p:nvSpPr>
-          <p:cNvPr id="5" name="" hidden="0"/>
+          <p:cNvPr id="5" name=" 4"/>
           <p:cNvSpPr/>
-          <p:nvPr isPhoto="0" userDrawn="0"/>
+          <p:nvPr/>
         </p:nvSpPr>
         <p:spPr bwMode="auto">
-          <a:xfrm flipH="0" flipV="0">
+          <a:xfrm>
             <a:off x="4952998" y="-6901065"/>
             <a:ext cx="11430000" cy="11430000"/>
           </a:xfrm>
         </p:spPr>
         <p:txBody>
-          <a:bodyPr rot="0" spcFirstLastPara="0" vertOverflow="overflow" horzOverflow="clip" vert="horz" wrap="square" lIns="91440" tIns="45720" rIns="91440" bIns="45720" numCol="1" spcCol="0" rtlCol="0" fromWordArt="0" anchor="t" anchorCtr="0" forceAA="0" upright="0" compatLnSpc="1">
-            <a:prstTxWarp prst="textNoShape"/>
+          <a:bodyPr rot="0" spcFirstLastPara="0" vertOverflow="overflow" horzOverflow="clip" vert="horz" wrap="square" lIns="91440" tIns="45720" rIns="91440" bIns="45720" numCol="1" spcCol="0" rtlCol="0" fromWordArt="0" anchor="t" anchorCtr="0" forceAA="0" compatLnSpc="1">
+            <a:prstTxWarp prst="textNoShape">
+              <a:avLst/>
+            </a:prstTxWarp>
             <a:noAutofit/>
           </a:bodyPr>
+          <a:lstStyle/>
           <a:p>
             <a:pPr>
               <a:defRPr/>
@@ -3513,9 +4021,9 @@
       </p:sp>
       <p:sp>
         <p:nvSpPr>
-          <p:cNvPr id="6" name="" hidden="0"/>
+          <p:cNvPr id="6" name=" 5"/>
           <p:cNvSpPr/>
-          <p:nvPr isPhoto="0" userDrawn="0"/>
+          <p:nvPr/>
         </p:nvSpPr>
         <p:spPr bwMode="auto">
           <a:xfrm>
@@ -3524,10 +4032,13 @@
           </a:xfrm>
         </p:spPr>
         <p:txBody>
-          <a:bodyPr rot="0" spcFirstLastPara="0" vertOverflow="overflow" horzOverflow="clip" vert="horz" wrap="square" lIns="91440" tIns="45720" rIns="91440" bIns="45720" numCol="1" spcCol="0" rtlCol="0" fromWordArt="0" anchor="t" anchorCtr="0" forceAA="0" upright="0" compatLnSpc="1">
-            <a:prstTxWarp prst="textNoShape"/>
+          <a:bodyPr rot="0" spcFirstLastPara="0" vertOverflow="overflow" horzOverflow="clip" vert="horz" wrap="square" lIns="91440" tIns="45720" rIns="91440" bIns="45720" numCol="1" spcCol="0" rtlCol="0" fromWordArt="0" anchor="t" anchorCtr="0" forceAA="0" compatLnSpc="1">
+            <a:prstTxWarp prst="textNoShape">
+              <a:avLst/>
+            </a:prstTxWarp>
             <a:noAutofit/>
           </a:bodyPr>
+          <a:lstStyle/>
           <a:p>
             <a:pPr>
               <a:defRPr/>
@@ -3538,12 +4049,12 @@
       </p:sp>
       <p:sp>
         <p:nvSpPr>
-          <p:cNvPr id="7" name="Slide Number Placeholder 5" hidden="0"/>
-          <p:cNvSpPr>
-            <a:spLocks noGrp="1"/>
-          </p:cNvSpPr>
-          <p:nvPr isPhoto="0" userDrawn="0">
-            <p:ph type="sldNum" sz="quarter" idx="12" hasCustomPrompt="0"/>
+          <p:cNvPr id="7" name="Slide Number Placeholder 5"/>
+          <p:cNvSpPr>
+            <a:spLocks noGrp="1"/>
+          </p:cNvSpPr>
+          <p:nvPr>
+            <p:ph type="sldNum" sz="quarter" idx="12"/>
           </p:nvPr>
         </p:nvSpPr>
         <p:spPr bwMode="auto"/>
@@ -3556,7 +4067,7 @@
             </a:pPr>
             <a:fld id="{36403D41-D55B-94AB-CE67-3CCD267CE324}" type="slidenum">
               <a:rPr lang="ru-RU"/>
-              <a:t/>
+              <a:t>2</a:t>
             </a:fld>
             <a:endParaRPr lang="ru-RU"/>
           </a:p>
@@ -3564,14 +4075,14 @@
       </p:sp>
       <p:sp>
         <p:nvSpPr>
-          <p:cNvPr id="8" name="" hidden="0"/>
+          <p:cNvPr id="8" name="Прямоугольник 7"/>
           <p:cNvSpPr/>
-          <p:nvPr isPhoto="0" userDrawn="0"/>
+          <p:nvPr/>
         </p:nvSpPr>
         <p:spPr bwMode="auto">
-          <a:xfrm flipH="0" flipV="0">
+          <a:xfrm>
             <a:off x="838199" y="1580816"/>
-            <a:ext cx="2376626" cy="45720"/>
+            <a:ext cx="1476000" cy="45720"/>
           </a:xfrm>
           <a:prstGeom prst="rect">
             <a:avLst/>
@@ -3604,17 +4115,17 @@
       </p:sp>
       <p:sp>
         <p:nvSpPr>
-          <p:cNvPr id="9" name="Content Placeholder 2" hidden="0"/>
-          <p:cNvSpPr>
-            <a:spLocks noGrp="1"/>
-          </p:cNvSpPr>
-          <p:nvPr isPhoto="0" userDrawn="0">
-            <p:ph idx="1" hasCustomPrompt="0"/>
+          <p:cNvPr id="9" name="Content Placeholder 2"/>
+          <p:cNvSpPr>
+            <a:spLocks noGrp="1"/>
+          </p:cNvSpPr>
+          <p:nvPr>
+            <p:ph idx="1"/>
           </p:nvPr>
         </p:nvSpPr>
         <p:spPr bwMode="auto"/>
         <p:txBody>
-          <a:bodyPr vertOverflow="overflow" horzOverflow="clip" vert="horz" wrap="square" lIns="91440" tIns="45720" rIns="91440" bIns="45720" numCol="1" spcCol="0" rtlCol="0" fromWordArt="0" anchor="t" anchorCtr="0" forceAA="0" upright="0" compatLnSpc="0">
+          <a:bodyPr vertOverflow="overflow" horzOverflow="clip" vert="horz" wrap="square" lIns="91440" tIns="45720" rIns="91440" bIns="45720" numCol="1" spcCol="0" rtlCol="0" fromWordArt="0" anchor="t" anchorCtr="0" forceAA="0" compatLnSpc="0">
             <a:normAutofit fontScale="90000" lnSpcReduction="2000"/>
           </a:bodyPr>
           <a:lstStyle/>
@@ -3776,27 +4287,66 @@
           </a:p>
         </p:txBody>
       </p:sp>
+      <p:pic>
+        <p:nvPicPr>
+          <p:cNvPr id="10" name="Picture 4" descr="https://steamuserimages-a.akamaihd.net/ugc/946219835806282284/D1179AA95880DECCFFA1DADF06C4084941FF94F4/?imw=512&amp;amp;imh=512&amp;amp;ima=fit&amp;amp;impolicy=Letterbox&amp;amp;imcolor=%23000000&amp;amp;letterbox=true">
+            <a:extLst>
+              <a:ext uri="{FF2B5EF4-FFF2-40B4-BE49-F238E27FC236}">
+                <a16:creationId xmlns:a16="http://schemas.microsoft.com/office/drawing/2014/main" id="{8CE08041-241C-485A-96D0-B0952505492B}"/>
+              </a:ext>
+            </a:extLst>
+          </p:cNvPr>
+          <p:cNvPicPr>
+            <a:picLocks noChangeAspect="1" noChangeArrowheads="1"/>
+          </p:cNvPicPr>
+          <p:nvPr/>
+        </p:nvPicPr>
+        <p:blipFill>
+          <a:blip r:embed="rId2" cstate="print">
+            <a:extLst>
+              <a:ext uri="{28A0092B-C50C-407E-A947-70E740481C1C}">
+                <a14:useLocalDpi xmlns:a14="http://schemas.microsoft.com/office/drawing/2010/main" val="0"/>
+              </a:ext>
+            </a:extLst>
+          </a:blip>
+          <a:srcRect/>
+          <a:stretch>
+            <a:fillRect/>
+          </a:stretch>
+        </p:blipFill>
+        <p:spPr bwMode="auto">
+          <a:xfrm flipH="1">
+            <a:off x="335360" y="188641"/>
+            <a:ext cx="576064" cy="576064"/>
+          </a:xfrm>
+          <a:prstGeom prst="rect">
+            <a:avLst/>
+          </a:prstGeom>
+          <a:noFill/>
+          <a:extLst>
+            <a:ext uri="{909E8E84-426E-40DD-AFC4-6F175D3DCCD1}">
+              <a14:hiddenFill xmlns:a14="http://schemas.microsoft.com/office/drawing/2010/main">
+                <a:solidFill>
+                  <a:srgbClr val="FFFFFF"/>
+                </a:solidFill>
+              </a14:hiddenFill>
+            </a:ext>
+          </a:extLst>
+        </p:spPr>
+      </p:pic>
     </p:spTree>
   </p:cSld>
   <p:clrMapOvr>
     <a:masterClrMapping/>
   </p:clrMapOvr>
-  <mc:AlternateContent xmlns:mc="http://schemas.openxmlformats.org/markup-compatibility/2006">
-    <mc:Choice xmlns:p14="http://schemas.microsoft.com/office/powerpoint/2010/main" Requires="p14">
-      <p:transition p14:dur="2000" advClick="1"/>
-    </mc:Choice>
-    <mc:Fallback>
-      <p:transition advClick="1"/>
-    </mc:Fallback>
-  </mc:AlternateContent>
 </p:sld>
 </file>
 
 <file path=ppt/slides/slide3.xml><?xml version="1.0" encoding="utf-8"?>
-<p:sld xmlns:a="http://schemas.openxmlformats.org/drawingml/2006/main" xmlns:r="http://schemas.openxmlformats.org/officeDocument/2006/relationships" xmlns:p="http://schemas.openxmlformats.org/presentationml/2006/main" xmlns:m="http://schemas.openxmlformats.org/officeDocument/2006/math" xmlns:w="http://schemas.openxmlformats.org/wordprocessingml/2006/main" showMasterPhAnim="0" show="1">
-  <p:cSld name="">
+<p:sld xmlns:a="http://schemas.openxmlformats.org/drawingml/2006/main" xmlns:r="http://schemas.openxmlformats.org/officeDocument/2006/relationships" xmlns:p="http://schemas.openxmlformats.org/presentationml/2006/main" showMasterPhAnim="0">
+  <p:cSld>
     <p:bg>
-      <p:bgPr shadeToTitle="0">
+      <p:bgPr>
         <a:gradFill>
           <a:gsLst>
             <a:gs pos="22000">
@@ -3814,13 +4364,14 @@
           </a:gsLst>
           <a:lin ang="2700000" scaled="1"/>
         </a:gradFill>
+        <a:effectLst/>
       </p:bgPr>
     </p:bg>
     <p:spTree>
       <p:nvGrpSpPr>
-        <p:cNvPr id="1" name="" hidden="0"/>
+        <p:cNvPr id="1" name=""/>
         <p:cNvGrpSpPr/>
-        <p:nvPr isPhoto="0" userDrawn="0"/>
+        <p:nvPr/>
       </p:nvGrpSpPr>
       <p:grpSpPr bwMode="auto">
         <a:xfrm>
@@ -3832,21 +4383,24 @@
       </p:grpSpPr>
       <p:sp>
         <p:nvSpPr>
-          <p:cNvPr id="4" name="" hidden="0"/>
+          <p:cNvPr id="4" name=" 3"/>
           <p:cNvSpPr/>
-          <p:nvPr isPhoto="0" userDrawn="0"/>
+          <p:nvPr/>
         </p:nvSpPr>
         <p:spPr bwMode="auto">
-          <a:xfrm flipH="0" flipV="0">
+          <a:xfrm>
             <a:off x="4952998" y="-6901065"/>
             <a:ext cx="11430000" cy="11430000"/>
           </a:xfrm>
         </p:spPr>
         <p:txBody>
-          <a:bodyPr rot="0" spcFirstLastPara="0" vertOverflow="overflow" horzOverflow="clip" vert="horz" wrap="square" lIns="91440" tIns="45720" rIns="91440" bIns="45720" numCol="1" spcCol="0" rtlCol="0" fromWordArt="0" anchor="t" anchorCtr="0" forceAA="0" upright="0" compatLnSpc="1">
-            <a:prstTxWarp prst="textNoShape"/>
+          <a:bodyPr rot="0" spcFirstLastPara="0" vertOverflow="overflow" horzOverflow="clip" vert="horz" wrap="square" lIns="91440" tIns="45720" rIns="91440" bIns="45720" numCol="1" spcCol="0" rtlCol="0" fromWordArt="0" anchor="t" anchorCtr="0" forceAA="0" compatLnSpc="1">
+            <a:prstTxWarp prst="textNoShape">
+              <a:avLst/>
+            </a:prstTxWarp>
             <a:noAutofit/>
           </a:bodyPr>
+          <a:lstStyle/>
           <a:p>
             <a:pPr>
               <a:defRPr/>
@@ -3857,9 +4411,9 @@
       </p:sp>
       <p:sp>
         <p:nvSpPr>
-          <p:cNvPr id="5" name="" hidden="0"/>
+          <p:cNvPr id="5" name=" 4"/>
           <p:cNvSpPr/>
-          <p:nvPr isPhoto="0" userDrawn="0"/>
+          <p:nvPr/>
         </p:nvSpPr>
         <p:spPr bwMode="auto">
           <a:xfrm>
@@ -3868,10 +4422,13 @@
           </a:xfrm>
         </p:spPr>
         <p:txBody>
-          <a:bodyPr rot="0" spcFirstLastPara="0" vertOverflow="overflow" horzOverflow="clip" vert="horz" wrap="square" lIns="91440" tIns="45720" rIns="91440" bIns="45720" numCol="1" spcCol="0" rtlCol="0" fromWordArt="0" anchor="t" anchorCtr="0" forceAA="0" upright="0" compatLnSpc="1">
-            <a:prstTxWarp prst="textNoShape"/>
+          <a:bodyPr rot="0" spcFirstLastPara="0" vertOverflow="overflow" horzOverflow="clip" vert="horz" wrap="square" lIns="91440" tIns="45720" rIns="91440" bIns="45720" numCol="1" spcCol="0" rtlCol="0" fromWordArt="0" anchor="t" anchorCtr="0" forceAA="0" compatLnSpc="1">
+            <a:prstTxWarp prst="textNoShape">
+              <a:avLst/>
+            </a:prstTxWarp>
             <a:noAutofit/>
           </a:bodyPr>
+          <a:lstStyle/>
           <a:p>
             <a:pPr>
               <a:defRPr/>
@@ -3882,12 +4439,12 @@
       </p:sp>
       <p:sp>
         <p:nvSpPr>
-          <p:cNvPr id="6" name="Slide Number Placeholder 5" hidden="0"/>
-          <p:cNvSpPr>
-            <a:spLocks noGrp="1"/>
-          </p:cNvSpPr>
-          <p:nvPr isPhoto="0" userDrawn="0">
-            <p:ph type="sldNum" sz="quarter" idx="12" hasCustomPrompt="0"/>
+          <p:cNvPr id="6" name="Slide Number Placeholder 5"/>
+          <p:cNvSpPr>
+            <a:spLocks noGrp="1"/>
+          </p:cNvSpPr>
+          <p:nvPr>
+            <p:ph type="sldNum" sz="quarter" idx="12"/>
           </p:nvPr>
         </p:nvSpPr>
         <p:spPr bwMode="auto"/>
@@ -3900,7 +4457,7 @@
             </a:pPr>
             <a:fld id="{DC52D7F1-D349-43D0-7FFD-1213C7F744D2}" type="slidenum">
               <a:rPr lang="ru-RU"/>
-              <a:t/>
+              <a:t>3</a:t>
             </a:fld>
             <a:endParaRPr lang="ru-RU"/>
           </a:p>
@@ -3908,12 +4465,12 @@
       </p:sp>
       <p:sp>
         <p:nvSpPr>
-          <p:cNvPr id="7" name="Title 1" hidden="0"/>
-          <p:cNvSpPr>
-            <a:spLocks noGrp="1"/>
-          </p:cNvSpPr>
-          <p:nvPr isPhoto="0" userDrawn="0">
-            <p:ph type="title" hasCustomPrompt="0"/>
+          <p:cNvPr id="7" name="Title 1"/>
+          <p:cNvSpPr>
+            <a:spLocks noGrp="1"/>
+          </p:cNvSpPr>
+          <p:nvPr>
+            <p:ph type="title"/>
           </p:nvPr>
         </p:nvSpPr>
         <p:spPr bwMode="auto"/>
@@ -3943,27 +4500,22 @@
               </a:rPr>
               <a:t>3.x</a:t>
             </a:r>
-            <a:endParaRPr>
-              <a:solidFill>
-                <a:schemeClr val="bg1"/>
-              </a:solidFill>
-            </a:endParaRPr>
-          </a:p>
-        </p:txBody>
-      </p:sp>
-      <p:sp>
-        <p:nvSpPr>
-          <p:cNvPr id="8" name="Content Placeholder 2" hidden="0"/>
-          <p:cNvSpPr>
-            <a:spLocks noGrp="1"/>
-          </p:cNvSpPr>
-          <p:nvPr isPhoto="0" userDrawn="0">
-            <p:ph idx="1" hasCustomPrompt="0"/>
+          </a:p>
+        </p:txBody>
+      </p:sp>
+      <p:sp>
+        <p:nvSpPr>
+          <p:cNvPr id="8" name="Content Placeholder 2"/>
+          <p:cNvSpPr>
+            <a:spLocks noGrp="1"/>
+          </p:cNvSpPr>
+          <p:nvPr>
+            <p:ph idx="1"/>
           </p:nvPr>
         </p:nvSpPr>
         <p:spPr bwMode="auto"/>
         <p:txBody>
-          <a:bodyPr vertOverflow="overflow" horzOverflow="clip" vert="horz" wrap="square" lIns="91440" tIns="45720" rIns="91440" bIns="45720" numCol="1" spcCol="0" rtlCol="0" fromWordArt="0" anchor="t" anchorCtr="0" forceAA="0" upright="0" compatLnSpc="0">
+          <a:bodyPr vertOverflow="overflow" horzOverflow="clip" vert="horz" wrap="square" lIns="91440" tIns="45720" rIns="91440" bIns="45720" numCol="1" spcCol="0" rtlCol="0" fromWordArt="0" anchor="t" anchorCtr="0" forceAA="0" compatLnSpc="0">
             <a:normAutofit/>
           </a:bodyPr>
           <a:lstStyle/>
@@ -3974,15 +4526,23 @@
               <a:defRPr/>
             </a:pPr>
             <a:r>
-              <a:rPr sz="2000">
+              <a:rPr sz="2000" dirty="0">
+                <a:solidFill>
+                  <a:srgbClr val="92D050"/>
+                </a:solidFill>
+              </a:rPr>
+              <a:t>Python</a:t>
+            </a:r>
+            <a:r>
+              <a:rPr sz="2000" dirty="0">
                 <a:solidFill>
                   <a:schemeClr val="bg1"/>
                 </a:solidFill>
               </a:rPr>
-              <a:t>Python - </a:t>
-            </a:r>
-            <a:r>
-              <a:rPr lang="ru-RU" sz="2000" b="0" i="0" u="none" strike="noStrike" cap="none" spc="0">
+              <a:t> - </a:t>
+            </a:r>
+            <a:r>
+              <a:rPr lang="ru-RU" sz="2000" b="0" i="0" u="none" strike="noStrike" cap="none" spc="0" dirty="0">
                 <a:solidFill>
                   <a:schemeClr val="bg1"/>
                 </a:solidFill>
@@ -3992,14 +4552,6 @@
               </a:rPr>
               <a:t>интерпретируемый язык с динамической типизацией </a:t>
             </a:r>
-            <a:endParaRPr lang="ru-RU" sz="2000" b="0" i="0" u="none" strike="noStrike" cap="none" spc="0">
-              <a:solidFill>
-                <a:schemeClr val="bg1"/>
-              </a:solidFill>
-              <a:latin typeface="Arial"/>
-              <a:ea typeface="Arial"/>
-              <a:cs typeface="Arial"/>
-            </a:endParaRPr>
           </a:p>
           <a:p>
             <a:pPr marL="0" indent="0">
@@ -4007,7 +4559,7 @@
               <a:buNone/>
               <a:defRPr/>
             </a:pPr>
-            <a:endParaRPr sz="2000">
+            <a:endParaRPr sz="2000" dirty="0">
               <a:solidFill>
                 <a:schemeClr val="bg1"/>
               </a:solidFill>
@@ -4023,134 +4575,127 @@
               <a:defRPr/>
             </a:pPr>
             <a:r>
-              <a:rPr lang="ru-RU" sz="2000">
-                <a:solidFill>
-                  <a:schemeClr val="bg1"/>
+              <a:rPr lang="ru-RU" sz="2000" dirty="0">
+                <a:solidFill>
+                  <a:srgbClr val="92D050"/>
                 </a:solidFill>
               </a:rPr>
               <a:t>Сферы применения:</a:t>
             </a:r>
-            <a:endParaRPr lang="ru-RU" sz="2000">
-              <a:solidFill>
-                <a:schemeClr val="bg1"/>
-              </a:solidFill>
-            </a:endParaRPr>
           </a:p>
           <a:p>
             <a:pPr>
               <a:lnSpc>
                 <a:spcPct val="150000"/>
               </a:lnSpc>
-              <a:defRPr/>
-            </a:pPr>
-            <a:r>
-              <a:rPr lang="ru-RU" sz="2000">
+              <a:buClr>
+                <a:srgbClr val="92D050"/>
+              </a:buClr>
+              <a:defRPr/>
+            </a:pPr>
+            <a:r>
+              <a:rPr lang="ru-RU" sz="2000" dirty="0" err="1">
                 <a:solidFill>
                   <a:schemeClr val="bg1"/>
                 </a:solidFill>
               </a:rPr>
-              <a:t>web-разработка</a:t>
-            </a:r>
-            <a:endParaRPr lang="ru-RU" sz="2000">
-              <a:solidFill>
-                <a:schemeClr val="bg1"/>
-              </a:solidFill>
-            </a:endParaRPr>
+              <a:t>web</a:t>
+            </a:r>
+            <a:r>
+              <a:rPr lang="ru-RU" sz="2000" dirty="0">
+                <a:solidFill>
+                  <a:schemeClr val="bg1"/>
+                </a:solidFill>
+              </a:rPr>
+              <a:t>-разработка</a:t>
+            </a:r>
           </a:p>
           <a:p>
             <a:pPr>
               <a:lnSpc>
                 <a:spcPct val="150000"/>
               </a:lnSpc>
-              <a:defRPr/>
-            </a:pPr>
-            <a:r>
-              <a:rPr lang="ru-RU" sz="2000">
+              <a:buClr>
+                <a:srgbClr val="92D050"/>
+              </a:buClr>
+              <a:defRPr/>
+            </a:pPr>
+            <a:r>
+              <a:rPr lang="ru-RU" sz="2000" dirty="0">
                 <a:solidFill>
                   <a:schemeClr val="bg1"/>
                 </a:solidFill>
               </a:rPr>
               <a:t>Анализ данных</a:t>
             </a:r>
-            <a:endParaRPr lang="ru-RU" sz="2000">
-              <a:solidFill>
-                <a:schemeClr val="bg1"/>
-              </a:solidFill>
-            </a:endParaRPr>
           </a:p>
           <a:p>
             <a:pPr>
               <a:lnSpc>
                 <a:spcPct val="150000"/>
               </a:lnSpc>
-              <a:defRPr/>
-            </a:pPr>
-            <a:r>
-              <a:rPr lang="ru-RU" sz="2000">
+              <a:buClr>
+                <a:srgbClr val="92D050"/>
+              </a:buClr>
+              <a:defRPr/>
+            </a:pPr>
+            <a:r>
+              <a:rPr lang="ru-RU" sz="2000" dirty="0">
                 <a:solidFill>
                   <a:schemeClr val="bg1"/>
                 </a:solidFill>
               </a:rPr>
               <a:t>Машинное обучение</a:t>
             </a:r>
-            <a:endParaRPr lang="ru-RU" sz="2000">
-              <a:solidFill>
-                <a:schemeClr val="bg1"/>
-              </a:solidFill>
-            </a:endParaRPr>
           </a:p>
           <a:p>
             <a:pPr>
               <a:lnSpc>
                 <a:spcPct val="150000"/>
               </a:lnSpc>
-              <a:defRPr/>
-            </a:pPr>
-            <a:r>
-              <a:rPr lang="ru-RU" sz="2000">
+              <a:buClr>
+                <a:srgbClr val="92D050"/>
+              </a:buClr>
+              <a:defRPr/>
+            </a:pPr>
+            <a:r>
+              <a:rPr lang="ru-RU" sz="2000" dirty="0">
                 <a:solidFill>
                   <a:schemeClr val="bg1"/>
                 </a:solidFill>
               </a:rPr>
               <a:t>Прототипирование</a:t>
             </a:r>
-            <a:endParaRPr lang="ru-RU" sz="2000">
-              <a:solidFill>
-                <a:schemeClr val="bg1"/>
-              </a:solidFill>
-            </a:endParaRPr>
           </a:p>
           <a:p>
             <a:pPr>
               <a:lnSpc>
                 <a:spcPct val="150000"/>
               </a:lnSpc>
-              <a:defRPr/>
-            </a:pPr>
-            <a:r>
-              <a:rPr lang="ru-RU" sz="2000">
+              <a:buClr>
+                <a:srgbClr val="92D050"/>
+              </a:buClr>
+              <a:defRPr/>
+            </a:pPr>
+            <a:r>
+              <a:rPr lang="ru-RU" sz="2000" dirty="0">
                 <a:solidFill>
                   <a:schemeClr val="bg1"/>
                 </a:solidFill>
               </a:rPr>
               <a:t>Тестирование</a:t>
             </a:r>
-            <a:endParaRPr lang="ru-RU" sz="2000">
-              <a:solidFill>
-                <a:schemeClr val="bg1"/>
-              </a:solidFill>
-            </a:endParaRPr>
-          </a:p>
-        </p:txBody>
-      </p:sp>
-      <p:sp>
-        <p:nvSpPr>
-          <p:cNvPr id="9" name="" hidden="0"/>
+          </a:p>
+        </p:txBody>
+      </p:sp>
+      <p:sp>
+        <p:nvSpPr>
+          <p:cNvPr id="9" name="Прямоугольник 8"/>
           <p:cNvSpPr/>
-          <p:nvPr isPhoto="0" userDrawn="0"/>
+          <p:nvPr/>
         </p:nvSpPr>
         <p:spPr bwMode="auto">
-          <a:xfrm flipH="0" flipV="0">
+          <a:xfrm>
             <a:off x="838199" y="1289777"/>
             <a:ext cx="2376625" cy="45720"/>
           </a:xfrm>
@@ -4183,30 +4728,69 @@
           </a:fontRef>
         </p:style>
       </p:sp>
+      <p:pic>
+        <p:nvPicPr>
+          <p:cNvPr id="10" name="Picture 4" descr="https://steamuserimages-a.akamaihd.net/ugc/946219835806282284/D1179AA95880DECCFFA1DADF06C4084941FF94F4/?imw=512&amp;amp;imh=512&amp;amp;ima=fit&amp;amp;impolicy=Letterbox&amp;amp;imcolor=%23000000&amp;amp;letterbox=true">
+            <a:extLst>
+              <a:ext uri="{FF2B5EF4-FFF2-40B4-BE49-F238E27FC236}">
+                <a16:creationId xmlns:a16="http://schemas.microsoft.com/office/drawing/2014/main" id="{69D277B4-9BD7-4527-BD11-89F255DF8C8E}"/>
+              </a:ext>
+            </a:extLst>
+          </p:cNvPr>
+          <p:cNvPicPr>
+            <a:picLocks noChangeAspect="1" noChangeArrowheads="1"/>
+          </p:cNvPicPr>
+          <p:nvPr/>
+        </p:nvPicPr>
+        <p:blipFill>
+          <a:blip r:embed="rId2" cstate="print">
+            <a:extLst>
+              <a:ext uri="{28A0092B-C50C-407E-A947-70E740481C1C}">
+                <a14:useLocalDpi xmlns:a14="http://schemas.microsoft.com/office/drawing/2010/main" val="0"/>
+              </a:ext>
+            </a:extLst>
+          </a:blip>
+          <a:srcRect/>
+          <a:stretch>
+            <a:fillRect/>
+          </a:stretch>
+        </p:blipFill>
+        <p:spPr bwMode="auto">
+          <a:xfrm flipH="1">
+            <a:off x="335360" y="188641"/>
+            <a:ext cx="576064" cy="576064"/>
+          </a:xfrm>
+          <a:prstGeom prst="rect">
+            <a:avLst/>
+          </a:prstGeom>
+          <a:noFill/>
+          <a:extLst>
+            <a:ext uri="{909E8E84-426E-40DD-AFC4-6F175D3DCCD1}">
+              <a14:hiddenFill xmlns:a14="http://schemas.microsoft.com/office/drawing/2010/main">
+                <a:solidFill>
+                  <a:srgbClr val="FFFFFF"/>
+                </a:solidFill>
+              </a14:hiddenFill>
+            </a:ext>
+          </a:extLst>
+        </p:spPr>
+      </p:pic>
     </p:spTree>
   </p:cSld>
   <p:clrMapOvr>
     <a:masterClrMapping/>
   </p:clrMapOvr>
-  <mc:AlternateContent xmlns:mc="http://schemas.openxmlformats.org/markup-compatibility/2006">
-    <mc:Choice xmlns:p14="http://schemas.microsoft.com/office/powerpoint/2010/main" Requires="p14">
-      <p:transition p14:dur="2000" advClick="1"/>
-    </mc:Choice>
-    <mc:Fallback>
-      <p:transition advClick="1"/>
-    </mc:Fallback>
-  </mc:AlternateContent>
 </p:sld>
 </file>
 
 <file path=ppt/slides/slide4.xml><?xml version="1.0" encoding="utf-8"?>
-<p:sld xmlns:a="http://schemas.openxmlformats.org/drawingml/2006/main" xmlns:r="http://schemas.openxmlformats.org/officeDocument/2006/relationships" xmlns:p="http://schemas.openxmlformats.org/presentationml/2006/main" xmlns:m="http://schemas.openxmlformats.org/officeDocument/2006/math" xmlns:w="http://schemas.openxmlformats.org/wordprocessingml/2006/main" showMasterPhAnim="0" show="1">
-  <p:cSld name="">
+<p:sld xmlns:a="http://schemas.openxmlformats.org/drawingml/2006/main" xmlns:r="http://schemas.openxmlformats.org/officeDocument/2006/relationships" xmlns:p="http://schemas.openxmlformats.org/presentationml/2006/main" showMasterPhAnim="0">
+  <p:cSld>
     <p:spTree>
       <p:nvGrpSpPr>
-        <p:cNvPr id="1" name="" hidden="0"/>
+        <p:cNvPr id="1" name=""/>
         <p:cNvGrpSpPr/>
-        <p:nvPr isPhoto="0" userDrawn="0"/>
+        <p:nvPr/>
       </p:nvGrpSpPr>
       <p:grpSpPr bwMode="auto">
         <a:xfrm>
@@ -4218,12 +4802,12 @@
       </p:grpSpPr>
       <p:sp>
         <p:nvSpPr>
-          <p:cNvPr id="4" name="Title 1" hidden="0"/>
-          <p:cNvSpPr>
-            <a:spLocks noGrp="1"/>
-          </p:cNvSpPr>
-          <p:nvPr isPhoto="0" userDrawn="0">
-            <p:ph type="title" hasCustomPrompt="0"/>
+          <p:cNvPr id="4" name="Title 1"/>
+          <p:cNvSpPr>
+            <a:spLocks noGrp="1"/>
+          </p:cNvSpPr>
+          <p:nvPr>
+            <p:ph type="title"/>
           </p:nvPr>
         </p:nvSpPr>
         <p:spPr bwMode="auto"/>
@@ -4235,11 +4819,19 @@
               <a:defRPr/>
             </a:pPr>
             <a:r>
-              <a:rPr/>
-              <a:t>Online интерпретатор </a:t>
-            </a:r>
-            <a:r>
-              <a:rPr lang="ru-RU" sz="4400" b="0" i="0" u="none" strike="noStrike" cap="none" spc="0">
+              <a:rPr dirty="0"/>
+              <a:t>Online </a:t>
+            </a:r>
+            <a:r>
+              <a:rPr dirty="0" err="1"/>
+              <a:t>интерпретатор</a:t>
+            </a:r>
+            <a:r>
+              <a:rPr dirty="0"/>
+              <a:t> </a:t>
+            </a:r>
+            <a:r>
+              <a:rPr lang="ru-RU" sz="4400" b="0" i="0" u="none" strike="noStrike" cap="none" spc="0" dirty="0" err="1">
                 <a:solidFill>
                   <a:schemeClr val="tx1"/>
                 </a:solidFill>
@@ -4250,21 +4842,20 @@
               <a:t>repl.ti</a:t>
             </a:r>
             <a:r>
-              <a:rPr/>
+              <a:rPr dirty="0"/>
               <a:t>  </a:t>
             </a:r>
-            <a:endParaRPr/>
-          </a:p>
-        </p:txBody>
-      </p:sp>
-      <p:sp>
-        <p:nvSpPr>
-          <p:cNvPr id="5" name="Content Placeholder 2" hidden="0"/>
-          <p:cNvSpPr>
-            <a:spLocks noGrp="1"/>
-          </p:cNvSpPr>
-          <p:nvPr isPhoto="0" userDrawn="0">
-            <p:ph idx="1" hasCustomPrompt="0"/>
+          </a:p>
+        </p:txBody>
+      </p:sp>
+      <p:sp>
+        <p:nvSpPr>
+          <p:cNvPr id="5" name="Content Placeholder 2"/>
+          <p:cNvSpPr>
+            <a:spLocks noGrp="1"/>
+          </p:cNvSpPr>
+          <p:nvPr>
+            <p:ph idx="1"/>
           </p:nvPr>
         </p:nvSpPr>
         <p:spPr bwMode="auto"/>
@@ -4272,30 +4863,70 @@
           <a:bodyPr/>
           <a:lstStyle/>
           <a:p>
-            <a:pPr>
-              <a:defRPr/>
-            </a:pPr>
-            <a:endParaRPr/>
-          </a:p>
-        </p:txBody>
-      </p:sp>
-      <p:sp>
-        <p:nvSpPr>
-          <p:cNvPr id="6" name="" hidden="0"/>
+            <a:pPr marL="0" indent="0">
+              <a:buNone/>
+              <a:defRPr/>
+            </a:pPr>
+            <a:r>
+              <a:rPr lang="ru-RU" dirty="0"/>
+              <a:t>Открываем в браузере сайт </a:t>
+            </a:r>
+            <a:r>
+              <a:rPr lang="ru-RU" dirty="0">
+                <a:hlinkClick r:id="rId2"/>
+              </a:rPr>
+              <a:t>https://repl.it/</a:t>
+            </a:r>
+            <a:r>
+              <a:rPr lang="en-US" dirty="0"/>
+              <a:t> </a:t>
+            </a:r>
+          </a:p>
+          <a:p>
+            <a:pPr marL="0" indent="0">
+              <a:buNone/>
+              <a:defRPr/>
+            </a:pPr>
+            <a:r>
+              <a:rPr lang="ru-RU" dirty="0"/>
+              <a:t>и нажимаем кнопку </a:t>
+            </a:r>
+            <a:r>
+              <a:rPr lang="ru-RU" dirty="0" err="1"/>
+              <a:t>Start</a:t>
+            </a:r>
+            <a:r>
+              <a:rPr lang="ru-RU" dirty="0"/>
+              <a:t> </a:t>
+            </a:r>
+            <a:r>
+              <a:rPr lang="ru-RU" dirty="0" err="1"/>
+              <a:t>coding</a:t>
+            </a:r>
+            <a:endParaRPr dirty="0"/>
+          </a:p>
+        </p:txBody>
+      </p:sp>
+      <p:sp>
+        <p:nvSpPr>
+          <p:cNvPr id="6" name=" 5"/>
           <p:cNvSpPr/>
-          <p:nvPr isPhoto="0" userDrawn="0"/>
+          <p:nvPr/>
         </p:nvSpPr>
         <p:spPr bwMode="auto">
-          <a:xfrm flipH="0" flipV="0">
+          <a:xfrm>
             <a:off x="5490899" y="3241355"/>
             <a:ext cx="223959" cy="331408"/>
           </a:xfrm>
         </p:spPr>
         <p:txBody>
-          <a:bodyPr rot="0" spcFirstLastPara="0" vertOverflow="overflow" horzOverflow="clip" vert="horz" wrap="square" lIns="91440" tIns="45720" rIns="91440" bIns="45720" numCol="1" spcCol="0" rtlCol="0" fromWordArt="0" anchor="t" anchorCtr="0" forceAA="0" upright="0" compatLnSpc="1">
-            <a:prstTxWarp prst="textNoShape"/>
+          <a:bodyPr rot="0" spcFirstLastPara="0" vertOverflow="overflow" horzOverflow="clip" vert="horz" wrap="square" lIns="91440" tIns="45720" rIns="91440" bIns="45720" numCol="1" spcCol="0" rtlCol="0" fromWordArt="0" anchor="t" anchorCtr="0" forceAA="0" compatLnSpc="1">
+            <a:prstTxWarp prst="textNoShape">
+              <a:avLst/>
+            </a:prstTxWarp>
             <a:noAutofit/>
           </a:bodyPr>
+          <a:lstStyle/>
           <a:p>
             <a:pPr>
               <a:defRPr/>
@@ -4306,19 +4937,19 @@
       </p:sp>
       <p:pic>
         <p:nvPicPr>
-          <p:cNvPr id="7" name="" hidden="0"/>
+          <p:cNvPr id="7" name="Рисунок 6"/>
           <p:cNvPicPr>
             <a:picLocks noChangeAspect="1"/>
           </p:cNvPicPr>
-          <p:nvPr isPhoto="0" userDrawn="0"/>
+          <p:nvPr/>
         </p:nvPicPr>
         <p:blipFill>
-          <a:blip r:embed="rId2"/>
+          <a:blip r:embed="rId3"/>
           <a:stretch/>
         </p:blipFill>
         <p:spPr bwMode="auto">
-          <a:xfrm flipH="0" flipV="0">
-            <a:off x="637525" y="1690687"/>
+          <a:xfrm>
+            <a:off x="623392" y="2996952"/>
             <a:ext cx="11045857" cy="3058318"/>
           </a:xfrm>
           <a:prstGeom prst="rect">
@@ -4328,14 +4959,14 @@
       </p:pic>
       <p:sp>
         <p:nvSpPr>
-          <p:cNvPr id="8" name="" hidden="0"/>
+          <p:cNvPr id="8" name="Прямоугольник 7"/>
           <p:cNvSpPr/>
-          <p:nvPr isPhoto="0" userDrawn="0"/>
+          <p:nvPr/>
         </p:nvSpPr>
         <p:spPr bwMode="auto">
-          <a:xfrm flipH="0" flipV="0">
-            <a:off x="838199" y="1266917"/>
-            <a:ext cx="1807552" cy="45720"/>
+          <a:xfrm>
+            <a:off x="838199" y="1340768"/>
+            <a:ext cx="1692000" cy="45720"/>
           </a:xfrm>
           <a:prstGeom prst="rect">
             <a:avLst/>
@@ -4366,24 +4997,2962 @@
           </a:fontRef>
         </p:style>
       </p:sp>
+      <p:pic>
+        <p:nvPicPr>
+          <p:cNvPr id="9" name="Picture 4" descr="https://steamuserimages-a.akamaihd.net/ugc/946219835806282284/D1179AA95880DECCFFA1DADF06C4084941FF94F4/?imw=512&amp;amp;imh=512&amp;amp;ima=fit&amp;amp;impolicy=Letterbox&amp;amp;imcolor=%23000000&amp;amp;letterbox=true">
+            <a:extLst>
+              <a:ext uri="{FF2B5EF4-FFF2-40B4-BE49-F238E27FC236}">
+                <a16:creationId xmlns:a16="http://schemas.microsoft.com/office/drawing/2014/main" id="{0D82D801-48BD-4FCA-AC83-570ABE1B153F}"/>
+              </a:ext>
+            </a:extLst>
+          </p:cNvPr>
+          <p:cNvPicPr>
+            <a:picLocks noChangeAspect="1" noChangeArrowheads="1"/>
+          </p:cNvPicPr>
+          <p:nvPr/>
+        </p:nvPicPr>
+        <p:blipFill>
+          <a:blip r:embed="rId4" cstate="print">
+            <a:extLst>
+              <a:ext uri="{28A0092B-C50C-407E-A947-70E740481C1C}">
+                <a14:useLocalDpi xmlns:a14="http://schemas.microsoft.com/office/drawing/2010/main" val="0"/>
+              </a:ext>
+            </a:extLst>
+          </a:blip>
+          <a:srcRect/>
+          <a:stretch>
+            <a:fillRect/>
+          </a:stretch>
+        </p:blipFill>
+        <p:spPr bwMode="auto">
+          <a:xfrm flipH="1">
+            <a:off x="335360" y="188641"/>
+            <a:ext cx="576064" cy="576064"/>
+          </a:xfrm>
+          <a:prstGeom prst="rect">
+            <a:avLst/>
+          </a:prstGeom>
+          <a:noFill/>
+          <a:extLst>
+            <a:ext uri="{909E8E84-426E-40DD-AFC4-6F175D3DCCD1}">
+              <a14:hiddenFill xmlns:a14="http://schemas.microsoft.com/office/drawing/2010/main">
+                <a:solidFill>
+                  <a:srgbClr val="FFFFFF"/>
+                </a:solidFill>
+              </a14:hiddenFill>
+            </a:ext>
+          </a:extLst>
+        </p:spPr>
+      </p:pic>
     </p:spTree>
   </p:cSld>
   <p:clrMapOvr>
     <a:masterClrMapping/>
   </p:clrMapOvr>
-  <mc:AlternateContent xmlns:mc="http://schemas.openxmlformats.org/markup-compatibility/2006">
-    <mc:Choice xmlns:p14="http://schemas.microsoft.com/office/powerpoint/2010/main" Requires="p14">
-      <p:transition p14:dur="2000" advClick="1"/>
-    </mc:Choice>
-    <mc:Fallback>
-      <p:transition advClick="1"/>
-    </mc:Fallback>
-  </mc:AlternateContent>
+</p:sld>
+</file>
+
+<file path=ppt/slides/slide5.xml><?xml version="1.0" encoding="utf-8"?>
+<p:sld xmlns:a="http://schemas.openxmlformats.org/drawingml/2006/main" xmlns:r="http://schemas.openxmlformats.org/officeDocument/2006/relationships" xmlns:p="http://schemas.openxmlformats.org/presentationml/2006/main" showMasterPhAnim="0">
+  <p:cSld>
+    <p:bg>
+      <p:bgPr>
+        <a:gradFill>
+          <a:gsLst>
+            <a:gs pos="22000">
+              <a:schemeClr val="tx1">
+                <a:lumMod val="85000"/>
+                <a:lumOff val="15000"/>
+              </a:schemeClr>
+            </a:gs>
+            <a:gs pos="100000">
+              <a:schemeClr val="tx1">
+                <a:lumMod val="75000"/>
+                <a:lumOff val="25000"/>
+              </a:schemeClr>
+            </a:gs>
+          </a:gsLst>
+          <a:lin ang="2700000" scaled="1"/>
+        </a:gradFill>
+        <a:effectLst/>
+      </p:bgPr>
+    </p:bg>
+    <p:spTree>
+      <p:nvGrpSpPr>
+        <p:cNvPr id="1" name=""/>
+        <p:cNvGrpSpPr/>
+        <p:nvPr/>
+      </p:nvGrpSpPr>
+      <p:grpSpPr bwMode="auto">
+        <a:xfrm>
+          <a:off x="0" y="0"/>
+          <a:ext cx="0" cy="0"/>
+          <a:chOff x="0" y="0"/>
+          <a:chExt cx="0" cy="0"/>
+        </a:xfrm>
+      </p:grpSpPr>
+      <p:sp>
+        <p:nvSpPr>
+          <p:cNvPr id="4" name=" 3"/>
+          <p:cNvSpPr/>
+          <p:nvPr/>
+        </p:nvSpPr>
+        <p:spPr bwMode="auto">
+          <a:xfrm>
+            <a:off x="4952998" y="-6901065"/>
+            <a:ext cx="11430000" cy="11430000"/>
+          </a:xfrm>
+        </p:spPr>
+        <p:txBody>
+          <a:bodyPr rot="0" spcFirstLastPara="0" vertOverflow="overflow" horzOverflow="clip" vert="horz" wrap="square" lIns="91440" tIns="45720" rIns="91440" bIns="45720" numCol="1" spcCol="0" rtlCol="0" fromWordArt="0" anchor="t" anchorCtr="0" forceAA="0" compatLnSpc="1">
+            <a:prstTxWarp prst="textNoShape">
+              <a:avLst/>
+            </a:prstTxWarp>
+            <a:noAutofit/>
+          </a:bodyPr>
+          <a:lstStyle/>
+          <a:p>
+            <a:pPr>
+              <a:defRPr/>
+            </a:pPr>
+            <a:endParaRPr/>
+          </a:p>
+        </p:txBody>
+      </p:sp>
+      <p:sp>
+        <p:nvSpPr>
+          <p:cNvPr id="5" name=" 4"/>
+          <p:cNvSpPr/>
+          <p:nvPr/>
+        </p:nvSpPr>
+        <p:spPr bwMode="auto">
+          <a:xfrm>
+            <a:off x="8109783" y="3313342"/>
+            <a:ext cx="8572500" cy="6286500"/>
+          </a:xfrm>
+        </p:spPr>
+        <p:txBody>
+          <a:bodyPr rot="0" spcFirstLastPara="0" vertOverflow="overflow" horzOverflow="clip" vert="horz" wrap="square" lIns="91440" tIns="45720" rIns="91440" bIns="45720" numCol="1" spcCol="0" rtlCol="0" fromWordArt="0" anchor="t" anchorCtr="0" forceAA="0" compatLnSpc="1">
+            <a:prstTxWarp prst="textNoShape">
+              <a:avLst/>
+            </a:prstTxWarp>
+            <a:noAutofit/>
+          </a:bodyPr>
+          <a:lstStyle/>
+          <a:p>
+            <a:pPr>
+              <a:defRPr/>
+            </a:pPr>
+            <a:endParaRPr/>
+          </a:p>
+        </p:txBody>
+      </p:sp>
+      <p:sp>
+        <p:nvSpPr>
+          <p:cNvPr id="6" name="Slide Number Placeholder 5"/>
+          <p:cNvSpPr>
+            <a:spLocks noGrp="1"/>
+          </p:cNvSpPr>
+          <p:nvPr>
+            <p:ph type="sldNum" sz="quarter" idx="12"/>
+          </p:nvPr>
+        </p:nvSpPr>
+        <p:spPr bwMode="auto"/>
+        <p:txBody>
+          <a:bodyPr/>
+          <a:lstStyle/>
+          <a:p>
+            <a:pPr>
+              <a:defRPr/>
+            </a:pPr>
+            <a:fld id="{DC52D7F1-D349-43D0-7FFD-1213C7F744D2}" type="slidenum">
+              <a:rPr lang="ru-RU"/>
+              <a:t>5</a:t>
+            </a:fld>
+            <a:endParaRPr lang="ru-RU"/>
+          </a:p>
+        </p:txBody>
+      </p:sp>
+      <p:sp>
+        <p:nvSpPr>
+          <p:cNvPr id="7" name="Title 1"/>
+          <p:cNvSpPr>
+            <a:spLocks noGrp="1"/>
+          </p:cNvSpPr>
+          <p:nvPr>
+            <p:ph type="title"/>
+          </p:nvPr>
+        </p:nvSpPr>
+        <p:spPr bwMode="auto"/>
+        <p:txBody>
+          <a:bodyPr/>
+          <a:lstStyle/>
+          <a:p>
+            <a:r>
+              <a:rPr lang="ru-RU" dirty="0">
+                <a:solidFill>
+                  <a:schemeClr val="bg1"/>
+                </a:solidFill>
+              </a:rPr>
+              <a:t>Арифметические операции</a:t>
+            </a:r>
+            <a:endParaRPr lang="en-US" dirty="0">
+              <a:solidFill>
+                <a:schemeClr val="bg1"/>
+              </a:solidFill>
+            </a:endParaRPr>
+          </a:p>
+        </p:txBody>
+      </p:sp>
+      <p:sp>
+        <p:nvSpPr>
+          <p:cNvPr id="8" name="Content Placeholder 2"/>
+          <p:cNvSpPr>
+            <a:spLocks noGrp="1"/>
+          </p:cNvSpPr>
+          <p:nvPr>
+            <p:ph idx="1"/>
+          </p:nvPr>
+        </p:nvSpPr>
+        <p:spPr bwMode="auto"/>
+        <p:txBody>
+          <a:bodyPr vertOverflow="overflow" horzOverflow="clip" vert="horz" wrap="square" lIns="91440" tIns="45720" rIns="91440" bIns="45720" numCol="1" spcCol="0" rtlCol="0" fromWordArt="0" anchor="t" anchorCtr="0" forceAA="0" compatLnSpc="0">
+            <a:normAutofit lnSpcReduction="10000"/>
+          </a:bodyPr>
+          <a:lstStyle/>
+          <a:p>
+            <a:pPr rtl="0" fontAlgn="ctr">
+              <a:lnSpc>
+                <a:spcPct val="150000"/>
+              </a:lnSpc>
+              <a:buClr>
+                <a:srgbClr val="92D050"/>
+              </a:buClr>
+            </a:pPr>
+            <a:r>
+              <a:rPr lang="ru-RU" sz="2000" dirty="0">
+                <a:solidFill>
+                  <a:schemeClr val="bg1"/>
+                </a:solidFill>
+              </a:rPr>
+              <a:t>Сложение (+)</a:t>
+            </a:r>
+          </a:p>
+          <a:p>
+            <a:pPr rtl="0" fontAlgn="ctr">
+              <a:lnSpc>
+                <a:spcPct val="150000"/>
+              </a:lnSpc>
+              <a:buClr>
+                <a:srgbClr val="92D050"/>
+              </a:buClr>
+            </a:pPr>
+            <a:r>
+              <a:rPr lang="ru-RU" sz="2000" dirty="0">
+                <a:solidFill>
+                  <a:schemeClr val="bg1"/>
+                </a:solidFill>
+              </a:rPr>
+              <a:t>Вычитание (-)</a:t>
+            </a:r>
+          </a:p>
+          <a:p>
+            <a:pPr rtl="0" fontAlgn="ctr">
+              <a:lnSpc>
+                <a:spcPct val="150000"/>
+              </a:lnSpc>
+              <a:buClr>
+                <a:srgbClr val="92D050"/>
+              </a:buClr>
+            </a:pPr>
+            <a:r>
+              <a:rPr lang="ru-RU" sz="2000" dirty="0">
+                <a:solidFill>
+                  <a:schemeClr val="bg1"/>
+                </a:solidFill>
+              </a:rPr>
+              <a:t>Умножение (*)</a:t>
+            </a:r>
+          </a:p>
+          <a:p>
+            <a:pPr rtl="0" fontAlgn="ctr">
+              <a:lnSpc>
+                <a:spcPct val="150000"/>
+              </a:lnSpc>
+              <a:buClr>
+                <a:srgbClr val="92D050"/>
+              </a:buClr>
+            </a:pPr>
+            <a:r>
+              <a:rPr lang="ru-RU" sz="2000" dirty="0">
+                <a:solidFill>
+                  <a:schemeClr val="bg1"/>
+                </a:solidFill>
+              </a:rPr>
+              <a:t>Целочисленное деление (//)</a:t>
+            </a:r>
+          </a:p>
+          <a:p>
+            <a:pPr rtl="0" fontAlgn="ctr">
+              <a:lnSpc>
+                <a:spcPct val="150000"/>
+              </a:lnSpc>
+              <a:buClr>
+                <a:srgbClr val="92D050"/>
+              </a:buClr>
+            </a:pPr>
+            <a:r>
+              <a:rPr lang="ru-RU" sz="2000" dirty="0">
+                <a:solidFill>
+                  <a:schemeClr val="bg1"/>
+                </a:solidFill>
+              </a:rPr>
+              <a:t>Возведение в степень(**)</a:t>
+            </a:r>
+          </a:p>
+          <a:p>
+            <a:pPr rtl="0" fontAlgn="ctr">
+              <a:lnSpc>
+                <a:spcPct val="150000"/>
+              </a:lnSpc>
+              <a:buClr>
+                <a:srgbClr val="92D050"/>
+              </a:buClr>
+            </a:pPr>
+            <a:r>
+              <a:rPr lang="ru-RU" sz="2000" dirty="0">
+                <a:solidFill>
+                  <a:schemeClr val="bg1"/>
+                </a:solidFill>
+              </a:rPr>
+              <a:t>Взятие остатка от деления (%)</a:t>
+            </a:r>
+            <a:endParaRPr lang="en-US" sz="2000" dirty="0">
+              <a:solidFill>
+                <a:schemeClr val="bg1"/>
+              </a:solidFill>
+            </a:endParaRPr>
+          </a:p>
+          <a:p>
+            <a:pPr marL="0" indent="0">
+              <a:buNone/>
+            </a:pPr>
+            <a:endParaRPr lang="en-US" sz="1800" dirty="0">
+              <a:solidFill>
+                <a:schemeClr val="bg1"/>
+              </a:solidFill>
+            </a:endParaRPr>
+          </a:p>
+          <a:p>
+            <a:pPr marL="0" indent="0">
+              <a:buNone/>
+            </a:pPr>
+            <a:r>
+              <a:rPr lang="ru-RU" sz="1800" dirty="0">
+                <a:solidFill>
+                  <a:schemeClr val="bg1"/>
+                </a:solidFill>
+              </a:rPr>
+              <a:t>Приоритет такой же как и в стандартных математических правилах</a:t>
+            </a:r>
+          </a:p>
+          <a:p>
+            <a:pPr marL="0" indent="0">
+              <a:buNone/>
+            </a:pPr>
+            <a:r>
+              <a:rPr lang="ru-RU" sz="1800" dirty="0">
+                <a:solidFill>
+                  <a:schemeClr val="bg1"/>
+                </a:solidFill>
+              </a:rPr>
+              <a:t>Можно использовать скобки для расставления приоритета</a:t>
+            </a:r>
+          </a:p>
+          <a:p>
+            <a:pPr marL="0" indent="0" rtl="0" fontAlgn="ctr">
+              <a:lnSpc>
+                <a:spcPct val="150000"/>
+              </a:lnSpc>
+              <a:buClr>
+                <a:srgbClr val="92D050"/>
+              </a:buClr>
+              <a:buNone/>
+            </a:pPr>
+            <a:endParaRPr lang="ru-RU" sz="2000" dirty="0">
+              <a:solidFill>
+                <a:schemeClr val="bg1"/>
+              </a:solidFill>
+            </a:endParaRPr>
+          </a:p>
+        </p:txBody>
+      </p:sp>
+      <p:sp>
+        <p:nvSpPr>
+          <p:cNvPr id="9" name="Прямоугольник 8"/>
+          <p:cNvSpPr/>
+          <p:nvPr/>
+        </p:nvSpPr>
+        <p:spPr bwMode="auto">
+          <a:xfrm>
+            <a:off x="838198" y="1412776"/>
+            <a:ext cx="4536000" cy="45720"/>
+          </a:xfrm>
+          <a:prstGeom prst="rect">
+            <a:avLst/>
+          </a:prstGeom>
+          <a:solidFill>
+            <a:schemeClr val="bg1"/>
+          </a:solidFill>
+          <a:ln w="12700" cap="flat" cmpd="sng" algn="ctr">
+            <a:noFill/>
+            <a:prstDash val="solid"/>
+            <a:miter/>
+          </a:ln>
+        </p:spPr>
+        <p:style>
+          <a:lnRef idx="2">
+            <a:schemeClr val="accent1">
+              <a:shade val="50000"/>
+            </a:schemeClr>
+          </a:lnRef>
+          <a:fillRef idx="1">
+            <a:schemeClr val="accent1"/>
+          </a:fillRef>
+          <a:effectRef idx="0">
+            <a:schemeClr val="accent1"/>
+          </a:effectRef>
+          <a:fontRef idx="minor">
+            <a:schemeClr val="lt1"/>
+          </a:fontRef>
+        </p:style>
+      </p:sp>
+      <p:pic>
+        <p:nvPicPr>
+          <p:cNvPr id="10" name="Picture 4" descr="https://steamuserimages-a.akamaihd.net/ugc/946219835806282284/D1179AA95880DECCFFA1DADF06C4084941FF94F4/?imw=512&amp;amp;imh=512&amp;amp;ima=fit&amp;amp;impolicy=Letterbox&amp;amp;imcolor=%23000000&amp;amp;letterbox=true">
+            <a:extLst>
+              <a:ext uri="{FF2B5EF4-FFF2-40B4-BE49-F238E27FC236}">
+                <a16:creationId xmlns:a16="http://schemas.microsoft.com/office/drawing/2014/main" id="{69D277B4-9BD7-4527-BD11-89F255DF8C8E}"/>
+              </a:ext>
+            </a:extLst>
+          </p:cNvPr>
+          <p:cNvPicPr>
+            <a:picLocks noChangeAspect="1" noChangeArrowheads="1"/>
+          </p:cNvPicPr>
+          <p:nvPr/>
+        </p:nvPicPr>
+        <p:blipFill>
+          <a:blip r:embed="rId2" cstate="print">
+            <a:extLst>
+              <a:ext uri="{28A0092B-C50C-407E-A947-70E740481C1C}">
+                <a14:useLocalDpi xmlns:a14="http://schemas.microsoft.com/office/drawing/2010/main" val="0"/>
+              </a:ext>
+            </a:extLst>
+          </a:blip>
+          <a:srcRect/>
+          <a:stretch>
+            <a:fillRect/>
+          </a:stretch>
+        </p:blipFill>
+        <p:spPr bwMode="auto">
+          <a:xfrm flipH="1">
+            <a:off x="335360" y="188641"/>
+            <a:ext cx="576064" cy="576064"/>
+          </a:xfrm>
+          <a:prstGeom prst="rect">
+            <a:avLst/>
+          </a:prstGeom>
+          <a:noFill/>
+          <a:extLst>
+            <a:ext uri="{909E8E84-426E-40DD-AFC4-6F175D3DCCD1}">
+              <a14:hiddenFill xmlns:a14="http://schemas.microsoft.com/office/drawing/2010/main">
+                <a:solidFill>
+                  <a:srgbClr val="FFFFFF"/>
+                </a:solidFill>
+              </a14:hiddenFill>
+            </a:ext>
+          </a:extLst>
+        </p:spPr>
+      </p:pic>
+    </p:spTree>
+    <p:extLst>
+      <p:ext uri="{BB962C8B-B14F-4D97-AF65-F5344CB8AC3E}">
+        <p14:creationId xmlns:p14="http://schemas.microsoft.com/office/powerpoint/2010/main" val="2070124128"/>
+      </p:ext>
+    </p:extLst>
+  </p:cSld>
+  <p:clrMapOvr>
+    <a:masterClrMapping/>
+  </p:clrMapOvr>
+</p:sld>
+</file>
+
+<file path=ppt/slides/slide6.xml><?xml version="1.0" encoding="utf-8"?>
+<p:sld xmlns:a="http://schemas.openxmlformats.org/drawingml/2006/main" xmlns:r="http://schemas.openxmlformats.org/officeDocument/2006/relationships" xmlns:p="http://schemas.openxmlformats.org/presentationml/2006/main">
+  <p:cSld>
+    <p:spTree>
+      <p:nvGrpSpPr>
+        <p:cNvPr id="1" name=""/>
+        <p:cNvGrpSpPr/>
+        <p:nvPr/>
+      </p:nvGrpSpPr>
+      <p:grpSpPr>
+        <a:xfrm>
+          <a:off x="0" y="0"/>
+          <a:ext cx="0" cy="0"/>
+          <a:chOff x="0" y="0"/>
+          <a:chExt cx="0" cy="0"/>
+        </a:xfrm>
+      </p:grpSpPr>
+      <p:sp>
+        <p:nvSpPr>
+          <p:cNvPr id="5" name="Прямоугольник: скругленные углы 4">
+            <a:extLst>
+              <a:ext uri="{FF2B5EF4-FFF2-40B4-BE49-F238E27FC236}">
+                <a16:creationId xmlns:a16="http://schemas.microsoft.com/office/drawing/2014/main" id="{23DA0E4A-6DF5-4878-B75B-6E9075914073}"/>
+              </a:ext>
+            </a:extLst>
+          </p:cNvPr>
+          <p:cNvSpPr/>
+          <p:nvPr/>
+        </p:nvSpPr>
+        <p:spPr>
+          <a:xfrm>
+            <a:off x="838199" y="5157192"/>
+            <a:ext cx="10370369" cy="936104"/>
+          </a:xfrm>
+          <a:prstGeom prst="roundRect">
+            <a:avLst/>
+          </a:prstGeom>
+          <a:solidFill>
+            <a:schemeClr val="tx1">
+              <a:alpha val="39000"/>
+            </a:schemeClr>
+          </a:solidFill>
+        </p:spPr>
+        <p:style>
+          <a:lnRef idx="2">
+            <a:schemeClr val="accent1">
+              <a:shade val="50000"/>
+            </a:schemeClr>
+          </a:lnRef>
+          <a:fillRef idx="1">
+            <a:schemeClr val="accent1"/>
+          </a:fillRef>
+          <a:effectRef idx="0">
+            <a:schemeClr val="accent1"/>
+          </a:effectRef>
+          <a:fontRef idx="minor">
+            <a:schemeClr val="lt1"/>
+          </a:fontRef>
+        </p:style>
+        <p:txBody>
+          <a:bodyPr rtlCol="0" anchor="ctr"/>
+          <a:lstStyle/>
+          <a:p>
+            <a:pPr algn="ctr"/>
+            <a:endParaRPr lang="ru-RU"/>
+          </a:p>
+        </p:txBody>
+      </p:sp>
+      <p:sp>
+        <p:nvSpPr>
+          <p:cNvPr id="2" name="Заголовок 1">
+            <a:extLst>
+              <a:ext uri="{FF2B5EF4-FFF2-40B4-BE49-F238E27FC236}">
+                <a16:creationId xmlns:a16="http://schemas.microsoft.com/office/drawing/2014/main" id="{60CA427D-E62F-4719-BF65-B4ECD6116E02}"/>
+              </a:ext>
+            </a:extLst>
+          </p:cNvPr>
+          <p:cNvSpPr>
+            <a:spLocks noGrp="1"/>
+          </p:cNvSpPr>
+          <p:nvPr>
+            <p:ph type="title"/>
+          </p:nvPr>
+        </p:nvSpPr>
+        <p:spPr/>
+        <p:txBody>
+          <a:bodyPr/>
+          <a:lstStyle/>
+          <a:p>
+            <a:r>
+              <a:rPr lang="ru-RU" dirty="0"/>
+              <a:t>Переменные</a:t>
+            </a:r>
+          </a:p>
+        </p:txBody>
+      </p:sp>
+      <p:sp>
+        <p:nvSpPr>
+          <p:cNvPr id="3" name="Объект 2">
+            <a:extLst>
+              <a:ext uri="{FF2B5EF4-FFF2-40B4-BE49-F238E27FC236}">
+                <a16:creationId xmlns:a16="http://schemas.microsoft.com/office/drawing/2014/main" id="{082A5278-A256-4443-A203-6D372EA6C0B0}"/>
+              </a:ext>
+            </a:extLst>
+          </p:cNvPr>
+          <p:cNvSpPr>
+            <a:spLocks noGrp="1"/>
+          </p:cNvSpPr>
+          <p:nvPr>
+            <p:ph idx="1"/>
+          </p:nvPr>
+        </p:nvSpPr>
+        <p:spPr>
+          <a:xfrm>
+            <a:off x="838199" y="1825624"/>
+            <a:ext cx="10515600" cy="4351338"/>
+          </a:xfrm>
+        </p:spPr>
+        <p:txBody>
+          <a:bodyPr>
+            <a:normAutofit/>
+          </a:bodyPr>
+          <a:lstStyle/>
+          <a:p>
+            <a:pPr marL="0" indent="0">
+              <a:buNone/>
+            </a:pPr>
+            <a:r>
+              <a:rPr lang="ru-RU" sz="2000" dirty="0"/>
+              <a:t>Переменная – это объект, которому дано имя. Необходимо для хранения данных и промежуточных результатов вычислений.</a:t>
+            </a:r>
+          </a:p>
+          <a:p>
+            <a:pPr marL="0" indent="0">
+              <a:buNone/>
+            </a:pPr>
+            <a:endParaRPr lang="en-US" sz="2000" dirty="0"/>
+          </a:p>
+          <a:p>
+            <a:pPr marL="0" indent="0">
+              <a:buNone/>
+            </a:pPr>
+            <a:endParaRPr lang="ru-RU" sz="2000" dirty="0"/>
+          </a:p>
+          <a:p>
+            <a:pPr marL="0" indent="0">
+              <a:buNone/>
+            </a:pPr>
+            <a:endParaRPr lang="ru-RU" sz="2000" dirty="0"/>
+          </a:p>
+          <a:p>
+            <a:pPr marL="0" indent="0">
+              <a:buNone/>
+            </a:pPr>
+            <a:endParaRPr lang="ru-RU" sz="2000" dirty="0"/>
+          </a:p>
+          <a:p>
+            <a:pPr marL="0" indent="0">
+              <a:buNone/>
+            </a:pPr>
+            <a:r>
+              <a:rPr lang="ru-RU" sz="2000" dirty="0"/>
+              <a:t>		</a:t>
+            </a:r>
+          </a:p>
+          <a:p>
+            <a:pPr marL="0" indent="0">
+              <a:buNone/>
+            </a:pPr>
+            <a:r>
+              <a:rPr lang="ru-RU" sz="2000" dirty="0"/>
+              <a:t>			</a:t>
+            </a:r>
+            <a:endParaRPr lang="en-US" sz="2000" dirty="0"/>
+          </a:p>
+          <a:p>
+            <a:pPr marL="0" indent="0">
+              <a:buNone/>
+            </a:pPr>
+            <a:endParaRPr lang="en-US" sz="2000" dirty="0"/>
+          </a:p>
+          <a:p>
+            <a:pPr marL="0" indent="0">
+              <a:buNone/>
+            </a:pPr>
+            <a:r>
+              <a:rPr lang="ru-RU" sz="2000" dirty="0" err="1">
+                <a:solidFill>
+                  <a:schemeClr val="bg1"/>
+                </a:solidFill>
+              </a:rPr>
+              <a:t>Python</a:t>
+            </a:r>
+            <a:r>
+              <a:rPr lang="ru-RU" sz="2000" dirty="0">
+                <a:solidFill>
+                  <a:schemeClr val="bg1"/>
+                </a:solidFill>
+              </a:rPr>
+              <a:t> – язык с динамической типизацией. Это значит, что он самостоятельно определяет тип объекта, который мы хотим сохранить в переменной.</a:t>
+            </a:r>
+          </a:p>
+          <a:p>
+            <a:pPr marL="0" indent="0">
+              <a:buNone/>
+            </a:pPr>
+            <a:endParaRPr lang="ru-RU" sz="2000" dirty="0"/>
+          </a:p>
+        </p:txBody>
+      </p:sp>
+      <p:sp>
+        <p:nvSpPr>
+          <p:cNvPr id="4" name="Прямоугольник 3">
+            <a:extLst>
+              <a:ext uri="{FF2B5EF4-FFF2-40B4-BE49-F238E27FC236}">
+                <a16:creationId xmlns:a16="http://schemas.microsoft.com/office/drawing/2014/main" id="{5E23DAB7-424A-45D3-AD0B-FEE2C4688D6C}"/>
+              </a:ext>
+            </a:extLst>
+          </p:cNvPr>
+          <p:cNvSpPr/>
+          <p:nvPr/>
+        </p:nvSpPr>
+        <p:spPr bwMode="auto">
+          <a:xfrm>
+            <a:off x="838199" y="1340768"/>
+            <a:ext cx="3456000" cy="45720"/>
+          </a:xfrm>
+          <a:prstGeom prst="rect">
+            <a:avLst/>
+          </a:prstGeom>
+          <a:solidFill>
+            <a:srgbClr val="92D050"/>
+          </a:solidFill>
+          <a:ln w="12700" cap="flat" cmpd="sng" algn="ctr">
+            <a:noFill/>
+            <a:prstDash val="solid"/>
+            <a:miter/>
+          </a:ln>
+        </p:spPr>
+        <p:style>
+          <a:lnRef idx="2">
+            <a:schemeClr val="accent1">
+              <a:shade val="50000"/>
+            </a:schemeClr>
+          </a:lnRef>
+          <a:fillRef idx="1">
+            <a:schemeClr val="accent1"/>
+          </a:fillRef>
+          <a:effectRef idx="0">
+            <a:schemeClr val="accent1"/>
+          </a:effectRef>
+          <a:fontRef idx="minor">
+            <a:schemeClr val="lt1"/>
+          </a:fontRef>
+        </p:style>
+      </p:sp>
+      <p:pic>
+        <p:nvPicPr>
+          <p:cNvPr id="11" name="Рисунок 10">
+            <a:extLst>
+              <a:ext uri="{FF2B5EF4-FFF2-40B4-BE49-F238E27FC236}">
+                <a16:creationId xmlns:a16="http://schemas.microsoft.com/office/drawing/2014/main" id="{DC939971-97A8-4703-8D07-63D587A6A091}"/>
+              </a:ext>
+            </a:extLst>
+          </p:cNvPr>
+          <p:cNvPicPr>
+            <a:picLocks noChangeAspect="1"/>
+          </p:cNvPicPr>
+          <p:nvPr/>
+        </p:nvPicPr>
+        <p:blipFill>
+          <a:blip r:embed="rId3" cstate="print">
+            <a:extLst>
+              <a:ext uri="{28A0092B-C50C-407E-A947-70E740481C1C}">
+                <a14:useLocalDpi xmlns:a14="http://schemas.microsoft.com/office/drawing/2010/main" val="0"/>
+              </a:ext>
+            </a:extLst>
+          </a:blip>
+          <a:stretch>
+            <a:fillRect/>
+          </a:stretch>
+        </p:blipFill>
+        <p:spPr>
+          <a:xfrm>
+            <a:off x="8149679" y="3091168"/>
+            <a:ext cx="3058889" cy="1982358"/>
+          </a:xfrm>
+          <a:prstGeom prst="rect">
+            <a:avLst/>
+          </a:prstGeom>
+        </p:spPr>
+      </p:pic>
+      <p:sp>
+        <p:nvSpPr>
+          <p:cNvPr id="12" name="TextBox 11">
+            <a:extLst>
+              <a:ext uri="{FF2B5EF4-FFF2-40B4-BE49-F238E27FC236}">
+                <a16:creationId xmlns:a16="http://schemas.microsoft.com/office/drawing/2014/main" id="{CAB72CAD-123B-4128-AD87-100A980917DB}"/>
+              </a:ext>
+            </a:extLst>
+          </p:cNvPr>
+          <p:cNvSpPr txBox="1"/>
+          <p:nvPr/>
+        </p:nvSpPr>
+        <p:spPr>
+          <a:xfrm>
+            <a:off x="9301807" y="2348880"/>
+            <a:ext cx="864096" cy="369332"/>
+          </a:xfrm>
+          <a:prstGeom prst="rect">
+            <a:avLst/>
+          </a:prstGeom>
+          <a:noFill/>
+        </p:spPr>
+        <p:txBody>
+          <a:bodyPr wrap="square" rtlCol="0">
+            <a:spAutoFit/>
+          </a:bodyPr>
+          <a:lstStyle/>
+          <a:p>
+            <a:r>
+              <a:rPr lang="ru-RU" dirty="0">
+                <a:solidFill>
+                  <a:schemeClr val="bg1">
+                    <a:lumMod val="50000"/>
+                  </a:schemeClr>
+                </a:solidFill>
+              </a:rPr>
+              <a:t>Аида</a:t>
+            </a:r>
+          </a:p>
+        </p:txBody>
+      </p:sp>
+      <p:sp>
+        <p:nvSpPr>
+          <p:cNvPr id="13" name="Стрелка: вниз 12">
+            <a:extLst>
+              <a:ext uri="{FF2B5EF4-FFF2-40B4-BE49-F238E27FC236}">
+                <a16:creationId xmlns:a16="http://schemas.microsoft.com/office/drawing/2014/main" id="{80D6C047-E8D8-4AE9-BA64-EA16A2342C30}"/>
+              </a:ext>
+            </a:extLst>
+          </p:cNvPr>
+          <p:cNvSpPr/>
+          <p:nvPr/>
+        </p:nvSpPr>
+        <p:spPr>
+          <a:xfrm>
+            <a:off x="9535107" y="2734146"/>
+            <a:ext cx="288032" cy="658194"/>
+          </a:xfrm>
+          <a:prstGeom prst="downArrow">
+            <a:avLst/>
+          </a:prstGeom>
+          <a:solidFill>
+            <a:schemeClr val="tx1">
+              <a:alpha val="67000"/>
+            </a:schemeClr>
+          </a:solidFill>
+          <a:ln>
+            <a:noFill/>
+          </a:ln>
+        </p:spPr>
+        <p:style>
+          <a:lnRef idx="2">
+            <a:schemeClr val="accent1">
+              <a:shade val="50000"/>
+            </a:schemeClr>
+          </a:lnRef>
+          <a:fillRef idx="1">
+            <a:schemeClr val="accent1"/>
+          </a:fillRef>
+          <a:effectRef idx="0">
+            <a:schemeClr val="accent1"/>
+          </a:effectRef>
+          <a:fontRef idx="minor">
+            <a:schemeClr val="lt1"/>
+          </a:fontRef>
+        </p:style>
+        <p:txBody>
+          <a:bodyPr rtlCol="0" anchor="ctr"/>
+          <a:lstStyle/>
+          <a:p>
+            <a:pPr algn="ctr"/>
+            <a:endParaRPr lang="ru-RU"/>
+          </a:p>
+        </p:txBody>
+      </p:sp>
+      <p:sp>
+        <p:nvSpPr>
+          <p:cNvPr id="14" name="Прямоугольник 13">
+            <a:extLst>
+              <a:ext uri="{FF2B5EF4-FFF2-40B4-BE49-F238E27FC236}">
+                <a16:creationId xmlns:a16="http://schemas.microsoft.com/office/drawing/2014/main" id="{38B27047-0C11-40C1-BBBB-54F62CD16CC9}"/>
+              </a:ext>
+            </a:extLst>
+          </p:cNvPr>
+          <p:cNvSpPr/>
+          <p:nvPr/>
+        </p:nvSpPr>
+        <p:spPr>
+          <a:xfrm>
+            <a:off x="3799753" y="3249592"/>
+            <a:ext cx="1728000" cy="369332"/>
+          </a:xfrm>
+          <a:prstGeom prst="rect">
+            <a:avLst/>
+          </a:prstGeom>
+        </p:spPr>
+        <p:txBody>
+          <a:bodyPr wrap="square">
+            <a:spAutoFit/>
+          </a:bodyPr>
+          <a:lstStyle/>
+          <a:p>
+            <a:r>
+              <a:rPr lang="en-US" dirty="0"/>
+              <a:t>name = </a:t>
+            </a:r>
+            <a:r>
+              <a:rPr lang="en-US" dirty="0">
+                <a:solidFill>
+                  <a:srgbClr val="00B0F0"/>
+                </a:solidFill>
+              </a:rPr>
+              <a:t>'</a:t>
+            </a:r>
+            <a:r>
+              <a:rPr lang="ru-RU" dirty="0">
+                <a:solidFill>
+                  <a:srgbClr val="00B0F0"/>
+                </a:solidFill>
+              </a:rPr>
+              <a:t>Аида'</a:t>
+            </a:r>
+            <a:endParaRPr lang="en-US" dirty="0">
+              <a:solidFill>
+                <a:srgbClr val="00B0F0"/>
+              </a:solidFill>
+            </a:endParaRPr>
+          </a:p>
+        </p:txBody>
+      </p:sp>
+      <p:sp>
+        <p:nvSpPr>
+          <p:cNvPr id="15" name="Прямоугольник 14">
+            <a:extLst>
+              <a:ext uri="{FF2B5EF4-FFF2-40B4-BE49-F238E27FC236}">
+                <a16:creationId xmlns:a16="http://schemas.microsoft.com/office/drawing/2014/main" id="{71F93EAE-0521-427D-B207-4C17AABF356A}"/>
+              </a:ext>
+            </a:extLst>
+          </p:cNvPr>
+          <p:cNvSpPr/>
+          <p:nvPr/>
+        </p:nvSpPr>
+        <p:spPr>
+          <a:xfrm>
+            <a:off x="3042556" y="2618373"/>
+            <a:ext cx="3058888" cy="424838"/>
+          </a:xfrm>
+          <a:prstGeom prst="rect">
+            <a:avLst/>
+          </a:prstGeom>
+          <a:noFill/>
+          <a:ln w="25400">
+            <a:solidFill>
+              <a:srgbClr val="92D050"/>
+            </a:solidFill>
+          </a:ln>
+        </p:spPr>
+        <p:style>
+          <a:lnRef idx="2">
+            <a:schemeClr val="accent1">
+              <a:shade val="50000"/>
+            </a:schemeClr>
+          </a:lnRef>
+          <a:fillRef idx="1">
+            <a:schemeClr val="accent1"/>
+          </a:fillRef>
+          <a:effectRef idx="0">
+            <a:schemeClr val="accent1"/>
+          </a:effectRef>
+          <a:fontRef idx="minor">
+            <a:schemeClr val="lt1"/>
+          </a:fontRef>
+        </p:style>
+        <p:txBody>
+          <a:bodyPr rtlCol="0" anchor="ctr"/>
+          <a:lstStyle/>
+          <a:p>
+            <a:pPr algn="ctr"/>
+            <a:r>
+              <a:rPr lang="ru-RU" sz="1600" dirty="0">
+                <a:solidFill>
+                  <a:schemeClr val="tx1"/>
+                </a:solidFill>
+              </a:rPr>
+              <a:t>Оператор присваивания</a:t>
+            </a:r>
+          </a:p>
+        </p:txBody>
+      </p:sp>
+      <p:cxnSp>
+        <p:nvCxnSpPr>
+          <p:cNvPr id="17" name="Прямая со стрелкой 16">
+            <a:extLst>
+              <a:ext uri="{FF2B5EF4-FFF2-40B4-BE49-F238E27FC236}">
+                <a16:creationId xmlns:a16="http://schemas.microsoft.com/office/drawing/2014/main" id="{45965A8E-E31C-4B8D-8A29-CD324D103E90}"/>
+              </a:ext>
+            </a:extLst>
+          </p:cNvPr>
+          <p:cNvCxnSpPr>
+            <a:stCxn id="15" idx="2"/>
+          </p:cNvCxnSpPr>
+          <p:nvPr/>
+        </p:nvCxnSpPr>
+        <p:spPr>
+          <a:xfrm>
+            <a:off x="4572000" y="3043211"/>
+            <a:ext cx="1" cy="329097"/>
+          </a:xfrm>
+          <a:prstGeom prst="straightConnector1">
+            <a:avLst/>
+          </a:prstGeom>
+          <a:ln w="25400">
+            <a:solidFill>
+              <a:srgbClr val="92D050"/>
+            </a:solidFill>
+            <a:tailEnd type="triangle"/>
+          </a:ln>
+        </p:spPr>
+        <p:style>
+          <a:lnRef idx="1">
+            <a:schemeClr val="accent1"/>
+          </a:lnRef>
+          <a:fillRef idx="0">
+            <a:schemeClr val="accent1"/>
+          </a:fillRef>
+          <a:effectRef idx="0">
+            <a:schemeClr val="accent1"/>
+          </a:effectRef>
+          <a:fontRef idx="minor">
+            <a:schemeClr val="tx1"/>
+          </a:fontRef>
+        </p:style>
+      </p:cxnSp>
+      <p:sp>
+        <p:nvSpPr>
+          <p:cNvPr id="18" name="Левая круглая скобка 17">
+            <a:extLst>
+              <a:ext uri="{FF2B5EF4-FFF2-40B4-BE49-F238E27FC236}">
+                <a16:creationId xmlns:a16="http://schemas.microsoft.com/office/drawing/2014/main" id="{1247B348-6320-4467-BCA9-D7856A6F4CDD}"/>
+              </a:ext>
+            </a:extLst>
+          </p:cNvPr>
+          <p:cNvSpPr/>
+          <p:nvPr/>
+        </p:nvSpPr>
+        <p:spPr>
+          <a:xfrm rot="16200000">
+            <a:off x="4064404" y="3216654"/>
+            <a:ext cx="208739" cy="648000"/>
+          </a:xfrm>
+          <a:prstGeom prst="leftBracket">
+            <a:avLst/>
+          </a:prstGeom>
+          <a:ln w="25400">
+            <a:solidFill>
+              <a:srgbClr val="FFC000"/>
+            </a:solidFill>
+          </a:ln>
+        </p:spPr>
+        <p:style>
+          <a:lnRef idx="1">
+            <a:schemeClr val="accent1"/>
+          </a:lnRef>
+          <a:fillRef idx="0">
+            <a:schemeClr val="accent1"/>
+          </a:fillRef>
+          <a:effectRef idx="0">
+            <a:schemeClr val="accent1"/>
+          </a:effectRef>
+          <a:fontRef idx="minor">
+            <a:schemeClr val="tx1"/>
+          </a:fontRef>
+        </p:style>
+        <p:txBody>
+          <a:bodyPr rtlCol="0" anchor="ctr"/>
+          <a:lstStyle/>
+          <a:p>
+            <a:pPr algn="ctr"/>
+            <a:endParaRPr lang="ru-RU"/>
+          </a:p>
+        </p:txBody>
+      </p:sp>
+      <p:sp>
+        <p:nvSpPr>
+          <p:cNvPr id="26" name="Прямоугольник 25">
+            <a:extLst>
+              <a:ext uri="{FF2B5EF4-FFF2-40B4-BE49-F238E27FC236}">
+                <a16:creationId xmlns:a16="http://schemas.microsoft.com/office/drawing/2014/main" id="{C74498EC-5D00-43F0-B23B-04ADA222C441}"/>
+              </a:ext>
+            </a:extLst>
+          </p:cNvPr>
+          <p:cNvSpPr/>
+          <p:nvPr/>
+        </p:nvSpPr>
+        <p:spPr>
+          <a:xfrm>
+            <a:off x="740865" y="4001293"/>
+            <a:ext cx="3058888" cy="424838"/>
+          </a:xfrm>
+          <a:prstGeom prst="rect">
+            <a:avLst/>
+          </a:prstGeom>
+          <a:noFill/>
+          <a:ln w="25400">
+            <a:solidFill>
+              <a:srgbClr val="FFC000"/>
+            </a:solidFill>
+          </a:ln>
+        </p:spPr>
+        <p:style>
+          <a:lnRef idx="2">
+            <a:schemeClr val="accent1">
+              <a:shade val="50000"/>
+            </a:schemeClr>
+          </a:lnRef>
+          <a:fillRef idx="1">
+            <a:schemeClr val="accent1"/>
+          </a:fillRef>
+          <a:effectRef idx="0">
+            <a:schemeClr val="accent1"/>
+          </a:effectRef>
+          <a:fontRef idx="minor">
+            <a:schemeClr val="lt1"/>
+          </a:fontRef>
+        </p:style>
+        <p:txBody>
+          <a:bodyPr rtlCol="0" anchor="ctr"/>
+          <a:lstStyle/>
+          <a:p>
+            <a:pPr algn="ctr"/>
+            <a:r>
+              <a:rPr lang="ru-RU" sz="1600" dirty="0">
+                <a:solidFill>
+                  <a:schemeClr val="tx1"/>
+                </a:solidFill>
+              </a:rPr>
+              <a:t>Имя переменной</a:t>
+            </a:r>
+          </a:p>
+        </p:txBody>
+      </p:sp>
+      <p:cxnSp>
+        <p:nvCxnSpPr>
+          <p:cNvPr id="29" name="Соединитель: уступ 28">
+            <a:extLst>
+              <a:ext uri="{FF2B5EF4-FFF2-40B4-BE49-F238E27FC236}">
+                <a16:creationId xmlns:a16="http://schemas.microsoft.com/office/drawing/2014/main" id="{9A7CAEC4-35B1-44BB-8A4A-E4E093317D1C}"/>
+              </a:ext>
+            </a:extLst>
+          </p:cNvPr>
+          <p:cNvCxnSpPr/>
+          <p:nvPr/>
+        </p:nvCxnSpPr>
+        <p:spPr>
+          <a:xfrm rot="5400000" flipH="1" flipV="1">
+            <a:off x="3699919" y="3744858"/>
+            <a:ext cx="568688" cy="369020"/>
+          </a:xfrm>
+          <a:prstGeom prst="bentConnector3">
+            <a:avLst>
+              <a:gd name="adj1" fmla="val 3103"/>
+            </a:avLst>
+          </a:prstGeom>
+          <a:ln w="25400">
+            <a:solidFill>
+              <a:srgbClr val="FFC000"/>
+            </a:solidFill>
+          </a:ln>
+        </p:spPr>
+        <p:style>
+          <a:lnRef idx="1">
+            <a:schemeClr val="accent1"/>
+          </a:lnRef>
+          <a:fillRef idx="0">
+            <a:schemeClr val="accent1"/>
+          </a:fillRef>
+          <a:effectRef idx="0">
+            <a:schemeClr val="accent1"/>
+          </a:effectRef>
+          <a:fontRef idx="minor">
+            <a:schemeClr val="tx1"/>
+          </a:fontRef>
+        </p:style>
+      </p:cxnSp>
+      <p:sp>
+        <p:nvSpPr>
+          <p:cNvPr id="32" name="Прямоугольник 31">
+            <a:extLst>
+              <a:ext uri="{FF2B5EF4-FFF2-40B4-BE49-F238E27FC236}">
+                <a16:creationId xmlns:a16="http://schemas.microsoft.com/office/drawing/2014/main" id="{F0F0EA5A-06F8-458C-8938-1F0CE081B3D6}"/>
+              </a:ext>
+            </a:extLst>
+          </p:cNvPr>
+          <p:cNvSpPr/>
+          <p:nvPr/>
+        </p:nvSpPr>
+        <p:spPr>
+          <a:xfrm>
+            <a:off x="5159895" y="4021848"/>
+            <a:ext cx="2374279" cy="424838"/>
+          </a:xfrm>
+          <a:prstGeom prst="rect">
+            <a:avLst/>
+          </a:prstGeom>
+          <a:noFill/>
+          <a:ln w="25400">
+            <a:solidFill>
+              <a:srgbClr val="00B0F0"/>
+            </a:solidFill>
+          </a:ln>
+        </p:spPr>
+        <p:style>
+          <a:lnRef idx="2">
+            <a:schemeClr val="accent1">
+              <a:shade val="50000"/>
+            </a:schemeClr>
+          </a:lnRef>
+          <a:fillRef idx="1">
+            <a:schemeClr val="accent1"/>
+          </a:fillRef>
+          <a:effectRef idx="0">
+            <a:schemeClr val="accent1"/>
+          </a:effectRef>
+          <a:fontRef idx="minor">
+            <a:schemeClr val="lt1"/>
+          </a:fontRef>
+        </p:style>
+        <p:txBody>
+          <a:bodyPr rtlCol="0" anchor="ctr"/>
+          <a:lstStyle/>
+          <a:p>
+            <a:pPr algn="ctr"/>
+            <a:r>
+              <a:rPr lang="ru-RU" sz="1600" dirty="0">
+                <a:solidFill>
+                  <a:schemeClr val="tx1"/>
+                </a:solidFill>
+              </a:rPr>
+              <a:t>Значение переменной</a:t>
+            </a:r>
+          </a:p>
+        </p:txBody>
+      </p:sp>
+      <p:sp>
+        <p:nvSpPr>
+          <p:cNvPr id="33" name="Левая круглая скобка 32">
+            <a:extLst>
+              <a:ext uri="{FF2B5EF4-FFF2-40B4-BE49-F238E27FC236}">
+                <a16:creationId xmlns:a16="http://schemas.microsoft.com/office/drawing/2014/main" id="{9AF857DD-5724-4760-8D62-92FC4464D94A}"/>
+              </a:ext>
+            </a:extLst>
+          </p:cNvPr>
+          <p:cNvSpPr/>
+          <p:nvPr/>
+        </p:nvSpPr>
+        <p:spPr>
+          <a:xfrm rot="16200000">
+            <a:off x="4941893" y="3190108"/>
+            <a:ext cx="208739" cy="720000"/>
+          </a:xfrm>
+          <a:prstGeom prst="leftBracket">
+            <a:avLst/>
+          </a:prstGeom>
+          <a:ln w="25400">
+            <a:solidFill>
+              <a:srgbClr val="00B0F0"/>
+            </a:solidFill>
+          </a:ln>
+        </p:spPr>
+        <p:style>
+          <a:lnRef idx="1">
+            <a:schemeClr val="accent1"/>
+          </a:lnRef>
+          <a:fillRef idx="0">
+            <a:schemeClr val="accent1"/>
+          </a:fillRef>
+          <a:effectRef idx="0">
+            <a:schemeClr val="accent1"/>
+          </a:effectRef>
+          <a:fontRef idx="minor">
+            <a:schemeClr val="tx1"/>
+          </a:fontRef>
+        </p:style>
+        <p:txBody>
+          <a:bodyPr rtlCol="0" anchor="ctr"/>
+          <a:lstStyle/>
+          <a:p>
+            <a:pPr algn="ctr"/>
+            <a:endParaRPr lang="ru-RU"/>
+          </a:p>
+        </p:txBody>
+      </p:sp>
+      <p:cxnSp>
+        <p:nvCxnSpPr>
+          <p:cNvPr id="34" name="Соединитель: уступ 33">
+            <a:extLst>
+              <a:ext uri="{FF2B5EF4-FFF2-40B4-BE49-F238E27FC236}">
+                <a16:creationId xmlns:a16="http://schemas.microsoft.com/office/drawing/2014/main" id="{A51717EF-B5C4-431C-A58D-C247C524124A}"/>
+              </a:ext>
+            </a:extLst>
+          </p:cNvPr>
+          <p:cNvCxnSpPr>
+            <a:stCxn id="32" idx="1"/>
+            <a:endCxn id="33" idx="1"/>
+          </p:cNvCxnSpPr>
+          <p:nvPr/>
+        </p:nvCxnSpPr>
+        <p:spPr>
+          <a:xfrm rot="10800000">
+            <a:off x="5046263" y="3654479"/>
+            <a:ext cx="113632" cy="579789"/>
+          </a:xfrm>
+          <a:prstGeom prst="bentConnector2">
+            <a:avLst/>
+          </a:prstGeom>
+          <a:ln w="25400">
+            <a:solidFill>
+              <a:srgbClr val="00B0F0"/>
+            </a:solidFill>
+          </a:ln>
+        </p:spPr>
+        <p:style>
+          <a:lnRef idx="1">
+            <a:schemeClr val="accent1"/>
+          </a:lnRef>
+          <a:fillRef idx="0">
+            <a:schemeClr val="accent1"/>
+          </a:fillRef>
+          <a:effectRef idx="0">
+            <a:schemeClr val="accent1"/>
+          </a:effectRef>
+          <a:fontRef idx="minor">
+            <a:schemeClr val="tx1"/>
+          </a:fontRef>
+        </p:style>
+      </p:cxnSp>
+      <p:sp>
+        <p:nvSpPr>
+          <p:cNvPr id="37" name="Прямоугольник: скругленные углы 36">
+            <a:extLst>
+              <a:ext uri="{FF2B5EF4-FFF2-40B4-BE49-F238E27FC236}">
+                <a16:creationId xmlns:a16="http://schemas.microsoft.com/office/drawing/2014/main" id="{0AC2C7B2-B27E-49B3-8672-E256A1FD5DD6}"/>
+              </a:ext>
+            </a:extLst>
+          </p:cNvPr>
+          <p:cNvSpPr/>
+          <p:nvPr/>
+        </p:nvSpPr>
+        <p:spPr>
+          <a:xfrm>
+            <a:off x="6334781" y="2447589"/>
+            <a:ext cx="2641536" cy="736686"/>
+          </a:xfrm>
+          <a:prstGeom prst="roundRect">
+            <a:avLst/>
+          </a:prstGeom>
+        </p:spPr>
+        <p:style>
+          <a:lnRef idx="2">
+            <a:schemeClr val="accent1">
+              <a:shade val="50000"/>
+            </a:schemeClr>
+          </a:lnRef>
+          <a:fillRef idx="1">
+            <a:schemeClr val="accent1"/>
+          </a:fillRef>
+          <a:effectRef idx="0">
+            <a:schemeClr val="accent1"/>
+          </a:effectRef>
+          <a:fontRef idx="minor">
+            <a:schemeClr val="lt1"/>
+          </a:fontRef>
+        </p:style>
+        <p:txBody>
+          <a:bodyPr rtlCol="0" anchor="ctr"/>
+          <a:lstStyle/>
+          <a:p>
+            <a:pPr algn="ctr"/>
+            <a:r>
+              <a:rPr lang="ru-RU" dirty="0">
+                <a:latin typeface="Calibri" panose="020F0502020204030204" pitchFamily="34" charset="0"/>
+              </a:rPr>
+              <a:t>Не путать с равно!!!</a:t>
+            </a:r>
+            <a:endParaRPr lang="ru-RU" dirty="0"/>
+          </a:p>
+        </p:txBody>
+      </p:sp>
+      <p:pic>
+        <p:nvPicPr>
+          <p:cNvPr id="39" name="Picture 4" descr="https://steamuserimages-a.akamaihd.net/ugc/946219835806282284/D1179AA95880DECCFFA1DADF06C4084941FF94F4/?imw=512&amp;amp;imh=512&amp;amp;ima=fit&amp;amp;impolicy=Letterbox&amp;amp;imcolor=%23000000&amp;amp;letterbox=true">
+            <a:extLst>
+              <a:ext uri="{FF2B5EF4-FFF2-40B4-BE49-F238E27FC236}">
+                <a16:creationId xmlns:a16="http://schemas.microsoft.com/office/drawing/2014/main" id="{204C112F-A35D-4529-84F7-46893FC29A23}"/>
+              </a:ext>
+            </a:extLst>
+          </p:cNvPr>
+          <p:cNvPicPr>
+            <a:picLocks noChangeAspect="1" noChangeArrowheads="1"/>
+          </p:cNvPicPr>
+          <p:nvPr/>
+        </p:nvPicPr>
+        <p:blipFill>
+          <a:blip r:embed="rId4" cstate="print">
+            <a:extLst>
+              <a:ext uri="{28A0092B-C50C-407E-A947-70E740481C1C}">
+                <a14:useLocalDpi xmlns:a14="http://schemas.microsoft.com/office/drawing/2010/main" val="0"/>
+              </a:ext>
+            </a:extLst>
+          </a:blip>
+          <a:srcRect/>
+          <a:stretch>
+            <a:fillRect/>
+          </a:stretch>
+        </p:blipFill>
+        <p:spPr bwMode="auto">
+          <a:xfrm flipH="1">
+            <a:off x="335360" y="188641"/>
+            <a:ext cx="576064" cy="576064"/>
+          </a:xfrm>
+          <a:prstGeom prst="rect">
+            <a:avLst/>
+          </a:prstGeom>
+          <a:noFill/>
+          <a:extLst>
+            <a:ext uri="{909E8E84-426E-40DD-AFC4-6F175D3DCCD1}">
+              <a14:hiddenFill xmlns:a14="http://schemas.microsoft.com/office/drawing/2010/main">
+                <a:solidFill>
+                  <a:srgbClr val="FFFFFF"/>
+                </a:solidFill>
+              </a14:hiddenFill>
+            </a:ext>
+          </a:extLst>
+        </p:spPr>
+      </p:pic>
+    </p:spTree>
+    <p:extLst>
+      <p:ext uri="{BB962C8B-B14F-4D97-AF65-F5344CB8AC3E}">
+        <p14:creationId xmlns:p14="http://schemas.microsoft.com/office/powerpoint/2010/main" val="1987437475"/>
+      </p:ext>
+    </p:extLst>
+  </p:cSld>
+  <p:clrMapOvr>
+    <a:masterClrMapping/>
+  </p:clrMapOvr>
+</p:sld>
+</file>
+
+<file path=ppt/slides/slide7.xml><?xml version="1.0" encoding="utf-8"?>
+<p:sld xmlns:a="http://schemas.openxmlformats.org/drawingml/2006/main" xmlns:r="http://schemas.openxmlformats.org/officeDocument/2006/relationships" xmlns:p="http://schemas.openxmlformats.org/presentationml/2006/main" showMasterPhAnim="0">
+  <p:cSld>
+    <p:bg>
+      <p:bgPr>
+        <a:gradFill>
+          <a:gsLst>
+            <a:gs pos="22000">
+              <a:schemeClr val="tx1">
+                <a:lumMod val="85000"/>
+                <a:lumOff val="15000"/>
+              </a:schemeClr>
+            </a:gs>
+            <a:gs pos="100000">
+              <a:schemeClr val="tx1">
+                <a:lumMod val="75000"/>
+                <a:lumOff val="25000"/>
+              </a:schemeClr>
+            </a:gs>
+          </a:gsLst>
+          <a:lin ang="2700000" scaled="1"/>
+        </a:gradFill>
+        <a:effectLst/>
+      </p:bgPr>
+    </p:bg>
+    <p:spTree>
+      <p:nvGrpSpPr>
+        <p:cNvPr id="1" name=""/>
+        <p:cNvGrpSpPr/>
+        <p:nvPr/>
+      </p:nvGrpSpPr>
+      <p:grpSpPr bwMode="auto">
+        <a:xfrm>
+          <a:off x="0" y="0"/>
+          <a:ext cx="0" cy="0"/>
+          <a:chOff x="0" y="0"/>
+          <a:chExt cx="0" cy="0"/>
+        </a:xfrm>
+      </p:grpSpPr>
+      <p:sp>
+        <p:nvSpPr>
+          <p:cNvPr id="4" name=" 3"/>
+          <p:cNvSpPr/>
+          <p:nvPr/>
+        </p:nvSpPr>
+        <p:spPr bwMode="auto">
+          <a:xfrm>
+            <a:off x="4952998" y="-6901065"/>
+            <a:ext cx="11430000" cy="11430000"/>
+          </a:xfrm>
+        </p:spPr>
+        <p:txBody>
+          <a:bodyPr rot="0" spcFirstLastPara="0" vertOverflow="overflow" horzOverflow="clip" vert="horz" wrap="square" lIns="91440" tIns="45720" rIns="91440" bIns="45720" numCol="1" spcCol="0" rtlCol="0" fromWordArt="0" anchor="t" anchorCtr="0" forceAA="0" compatLnSpc="1">
+            <a:prstTxWarp prst="textNoShape">
+              <a:avLst/>
+            </a:prstTxWarp>
+            <a:noAutofit/>
+          </a:bodyPr>
+          <a:lstStyle/>
+          <a:p>
+            <a:pPr>
+              <a:defRPr/>
+            </a:pPr>
+            <a:endParaRPr/>
+          </a:p>
+        </p:txBody>
+      </p:sp>
+      <p:sp>
+        <p:nvSpPr>
+          <p:cNvPr id="5" name=" 4"/>
+          <p:cNvSpPr/>
+          <p:nvPr/>
+        </p:nvSpPr>
+        <p:spPr bwMode="auto">
+          <a:xfrm>
+            <a:off x="8109783" y="3313342"/>
+            <a:ext cx="8572500" cy="6286500"/>
+          </a:xfrm>
+        </p:spPr>
+        <p:txBody>
+          <a:bodyPr rot="0" spcFirstLastPara="0" vertOverflow="overflow" horzOverflow="clip" vert="horz" wrap="square" lIns="91440" tIns="45720" rIns="91440" bIns="45720" numCol="1" spcCol="0" rtlCol="0" fromWordArt="0" anchor="t" anchorCtr="0" forceAA="0" compatLnSpc="1">
+            <a:prstTxWarp prst="textNoShape">
+              <a:avLst/>
+            </a:prstTxWarp>
+            <a:noAutofit/>
+          </a:bodyPr>
+          <a:lstStyle/>
+          <a:p>
+            <a:pPr>
+              <a:defRPr/>
+            </a:pPr>
+            <a:endParaRPr/>
+          </a:p>
+        </p:txBody>
+      </p:sp>
+      <p:sp>
+        <p:nvSpPr>
+          <p:cNvPr id="6" name="Slide Number Placeholder 5"/>
+          <p:cNvSpPr>
+            <a:spLocks noGrp="1"/>
+          </p:cNvSpPr>
+          <p:nvPr>
+            <p:ph type="sldNum" sz="quarter" idx="12"/>
+          </p:nvPr>
+        </p:nvSpPr>
+        <p:spPr bwMode="auto"/>
+        <p:txBody>
+          <a:bodyPr/>
+          <a:lstStyle/>
+          <a:p>
+            <a:pPr>
+              <a:defRPr/>
+            </a:pPr>
+            <a:fld id="{DC52D7F1-D349-43D0-7FFD-1213C7F744D2}" type="slidenum">
+              <a:rPr lang="ru-RU"/>
+              <a:t>7</a:t>
+            </a:fld>
+            <a:endParaRPr lang="ru-RU"/>
+          </a:p>
+        </p:txBody>
+      </p:sp>
+      <p:sp>
+        <p:nvSpPr>
+          <p:cNvPr id="7" name="Title 1"/>
+          <p:cNvSpPr>
+            <a:spLocks noGrp="1"/>
+          </p:cNvSpPr>
+          <p:nvPr>
+            <p:ph type="title"/>
+          </p:nvPr>
+        </p:nvSpPr>
+        <p:spPr bwMode="auto"/>
+        <p:txBody>
+          <a:bodyPr/>
+          <a:lstStyle/>
+          <a:p>
+            <a:r>
+              <a:rPr lang="ru-RU" dirty="0">
+                <a:solidFill>
+                  <a:schemeClr val="bg1"/>
+                </a:solidFill>
+              </a:rPr>
+              <a:t>Именование переменных</a:t>
+            </a:r>
+            <a:endParaRPr lang="en-US" dirty="0">
+              <a:solidFill>
+                <a:schemeClr val="bg1"/>
+              </a:solidFill>
+            </a:endParaRPr>
+          </a:p>
+        </p:txBody>
+      </p:sp>
+      <p:sp>
+        <p:nvSpPr>
+          <p:cNvPr id="8" name="Content Placeholder 2"/>
+          <p:cNvSpPr>
+            <a:spLocks noGrp="1"/>
+          </p:cNvSpPr>
+          <p:nvPr>
+            <p:ph idx="1"/>
+          </p:nvPr>
+        </p:nvSpPr>
+        <p:spPr bwMode="auto"/>
+        <p:txBody>
+          <a:bodyPr vertOverflow="overflow" horzOverflow="clip" vert="horz" wrap="square" lIns="91440" tIns="45720" rIns="91440" bIns="45720" numCol="1" spcCol="0" rtlCol="0" fromWordArt="0" anchor="t" anchorCtr="0" forceAA="0" compatLnSpc="0">
+            <a:normAutofit/>
+          </a:bodyPr>
+          <a:lstStyle/>
+          <a:p>
+            <a:pPr marL="0" indent="0">
+              <a:buNone/>
+            </a:pPr>
+            <a:r>
+              <a:rPr lang="ru-RU" sz="2000" dirty="0">
+                <a:solidFill>
+                  <a:srgbClr val="92D050"/>
+                </a:solidFill>
+              </a:rPr>
+              <a:t>Правила именования:</a:t>
+            </a:r>
+          </a:p>
+          <a:p>
+            <a:pPr rtl="0" fontAlgn="ctr">
+              <a:lnSpc>
+                <a:spcPct val="150000"/>
+              </a:lnSpc>
+              <a:buClr>
+                <a:srgbClr val="92D050"/>
+              </a:buClr>
+            </a:pPr>
+            <a:r>
+              <a:rPr lang="ru-RU" sz="1800" dirty="0">
+                <a:solidFill>
+                  <a:schemeClr val="bg1"/>
+                </a:solidFill>
+              </a:rPr>
+              <a:t>Имя переменной может состоять только из цифр, латинских букв и знака подчеркивания.</a:t>
+            </a:r>
+          </a:p>
+          <a:p>
+            <a:pPr rtl="0" fontAlgn="ctr">
+              <a:lnSpc>
+                <a:spcPct val="150000"/>
+              </a:lnSpc>
+              <a:buClr>
+                <a:srgbClr val="92D050"/>
+              </a:buClr>
+            </a:pPr>
+            <a:r>
+              <a:rPr lang="ru-RU" sz="1800" dirty="0">
+                <a:solidFill>
+                  <a:schemeClr val="bg1"/>
+                </a:solidFill>
+              </a:rPr>
+              <a:t>Имя переменной </a:t>
+            </a:r>
+            <a:r>
+              <a:rPr lang="ru-RU" sz="1800" b="1" dirty="0">
+                <a:solidFill>
+                  <a:srgbClr val="92D050"/>
+                </a:solidFill>
+              </a:rPr>
+              <a:t>не может</a:t>
+            </a:r>
+            <a:r>
+              <a:rPr lang="ru-RU" sz="1800" b="1" dirty="0">
+                <a:solidFill>
+                  <a:schemeClr val="bg1"/>
+                </a:solidFill>
+              </a:rPr>
+              <a:t> </a:t>
+            </a:r>
+            <a:r>
+              <a:rPr lang="ru-RU" sz="1800" dirty="0">
+                <a:solidFill>
+                  <a:schemeClr val="bg1"/>
+                </a:solidFill>
+              </a:rPr>
+              <a:t>начинаться с цифр.</a:t>
+            </a:r>
+          </a:p>
+          <a:p>
+            <a:pPr marL="0" indent="0">
+              <a:buNone/>
+            </a:pPr>
+            <a:endParaRPr lang="ru-RU" sz="1800" dirty="0">
+              <a:solidFill>
+                <a:schemeClr val="bg1"/>
+              </a:solidFill>
+            </a:endParaRPr>
+          </a:p>
+          <a:p>
+            <a:pPr marL="0" indent="0">
+              <a:buNone/>
+            </a:pPr>
+            <a:r>
+              <a:rPr lang="ru-RU" sz="2000" dirty="0">
+                <a:solidFill>
+                  <a:srgbClr val="92D050"/>
+                </a:solidFill>
+              </a:rPr>
+              <a:t>Рекомендации именования:</a:t>
+            </a:r>
+          </a:p>
+          <a:p>
+            <a:pPr rtl="0" fontAlgn="ctr">
+              <a:lnSpc>
+                <a:spcPct val="150000"/>
+              </a:lnSpc>
+              <a:buClr>
+                <a:srgbClr val="92D050"/>
+              </a:buClr>
+            </a:pPr>
+            <a:r>
+              <a:rPr lang="ru-RU" sz="1800" dirty="0">
+                <a:solidFill>
+                  <a:schemeClr val="bg1"/>
+                </a:solidFill>
+              </a:rPr>
+              <a:t>Имя переменной должно описывать её суть.</a:t>
+            </a:r>
+          </a:p>
+          <a:p>
+            <a:pPr rtl="0" fontAlgn="ctr">
+              <a:lnSpc>
+                <a:spcPct val="150000"/>
+              </a:lnSpc>
+              <a:buClr>
+                <a:srgbClr val="92D050"/>
+              </a:buClr>
+            </a:pPr>
+            <a:r>
+              <a:rPr lang="ru-RU" sz="1800" dirty="0">
+                <a:solidFill>
+                  <a:schemeClr val="bg1"/>
+                </a:solidFill>
+              </a:rPr>
+              <a:t>Лучше использовать </a:t>
+            </a:r>
+            <a:r>
+              <a:rPr lang="ru-RU" sz="1800" dirty="0" err="1">
+                <a:solidFill>
+                  <a:schemeClr val="bg1"/>
+                </a:solidFill>
+              </a:rPr>
+              <a:t>snake_case</a:t>
+            </a:r>
+            <a:r>
+              <a:rPr lang="ru-RU" sz="1800" dirty="0">
+                <a:solidFill>
+                  <a:schemeClr val="bg1"/>
+                </a:solidFill>
+              </a:rPr>
+              <a:t> (слова с маленькой буквы и разделять подчеркиванием). </a:t>
+            </a:r>
+          </a:p>
+          <a:p>
+            <a:pPr marL="0" indent="0" rtl="0" fontAlgn="ctr">
+              <a:lnSpc>
+                <a:spcPct val="150000"/>
+              </a:lnSpc>
+              <a:buClr>
+                <a:srgbClr val="92D050"/>
+              </a:buClr>
+              <a:buNone/>
+            </a:pPr>
+            <a:endParaRPr lang="ru-RU" sz="1800" dirty="0">
+              <a:solidFill>
+                <a:schemeClr val="bg1"/>
+              </a:solidFill>
+            </a:endParaRPr>
+          </a:p>
+        </p:txBody>
+      </p:sp>
+      <p:sp>
+        <p:nvSpPr>
+          <p:cNvPr id="9" name="Прямоугольник 8"/>
+          <p:cNvSpPr/>
+          <p:nvPr/>
+        </p:nvSpPr>
+        <p:spPr bwMode="auto">
+          <a:xfrm>
+            <a:off x="838198" y="1412776"/>
+            <a:ext cx="3384000" cy="45720"/>
+          </a:xfrm>
+          <a:prstGeom prst="rect">
+            <a:avLst/>
+          </a:prstGeom>
+          <a:solidFill>
+            <a:schemeClr val="bg1"/>
+          </a:solidFill>
+          <a:ln w="12700" cap="flat" cmpd="sng" algn="ctr">
+            <a:noFill/>
+            <a:prstDash val="solid"/>
+            <a:miter/>
+          </a:ln>
+        </p:spPr>
+        <p:style>
+          <a:lnRef idx="2">
+            <a:schemeClr val="accent1">
+              <a:shade val="50000"/>
+            </a:schemeClr>
+          </a:lnRef>
+          <a:fillRef idx="1">
+            <a:schemeClr val="accent1"/>
+          </a:fillRef>
+          <a:effectRef idx="0">
+            <a:schemeClr val="accent1"/>
+          </a:effectRef>
+          <a:fontRef idx="minor">
+            <a:schemeClr val="lt1"/>
+          </a:fontRef>
+        </p:style>
+      </p:sp>
+      <p:pic>
+        <p:nvPicPr>
+          <p:cNvPr id="10" name="Picture 4" descr="https://steamuserimages-a.akamaihd.net/ugc/946219835806282284/D1179AA95880DECCFFA1DADF06C4084941FF94F4/?imw=512&amp;amp;imh=512&amp;amp;ima=fit&amp;amp;impolicy=Letterbox&amp;amp;imcolor=%23000000&amp;amp;letterbox=true">
+            <a:extLst>
+              <a:ext uri="{FF2B5EF4-FFF2-40B4-BE49-F238E27FC236}">
+                <a16:creationId xmlns:a16="http://schemas.microsoft.com/office/drawing/2014/main" id="{69D277B4-9BD7-4527-BD11-89F255DF8C8E}"/>
+              </a:ext>
+            </a:extLst>
+          </p:cNvPr>
+          <p:cNvPicPr>
+            <a:picLocks noChangeAspect="1" noChangeArrowheads="1"/>
+          </p:cNvPicPr>
+          <p:nvPr/>
+        </p:nvPicPr>
+        <p:blipFill>
+          <a:blip r:embed="rId2" cstate="print">
+            <a:extLst>
+              <a:ext uri="{28A0092B-C50C-407E-A947-70E740481C1C}">
+                <a14:useLocalDpi xmlns:a14="http://schemas.microsoft.com/office/drawing/2010/main" val="0"/>
+              </a:ext>
+            </a:extLst>
+          </a:blip>
+          <a:srcRect/>
+          <a:stretch>
+            <a:fillRect/>
+          </a:stretch>
+        </p:blipFill>
+        <p:spPr bwMode="auto">
+          <a:xfrm flipH="1">
+            <a:off x="335360" y="188641"/>
+            <a:ext cx="576064" cy="576064"/>
+          </a:xfrm>
+          <a:prstGeom prst="rect">
+            <a:avLst/>
+          </a:prstGeom>
+          <a:noFill/>
+          <a:extLst>
+            <a:ext uri="{909E8E84-426E-40DD-AFC4-6F175D3DCCD1}">
+              <a14:hiddenFill xmlns:a14="http://schemas.microsoft.com/office/drawing/2010/main">
+                <a:solidFill>
+                  <a:srgbClr val="FFFFFF"/>
+                </a:solidFill>
+              </a14:hiddenFill>
+            </a:ext>
+          </a:extLst>
+        </p:spPr>
+      </p:pic>
+      <p:sp>
+        <p:nvSpPr>
+          <p:cNvPr id="2" name="Прямоугольник: скругленные углы 1">
+            <a:extLst>
+              <a:ext uri="{FF2B5EF4-FFF2-40B4-BE49-F238E27FC236}">
+                <a16:creationId xmlns:a16="http://schemas.microsoft.com/office/drawing/2014/main" id="{07B8FD3A-13AB-4054-AAB5-FB4848A418AB}"/>
+              </a:ext>
+            </a:extLst>
+          </p:cNvPr>
+          <p:cNvSpPr/>
+          <p:nvPr/>
+        </p:nvSpPr>
+        <p:spPr>
+          <a:xfrm>
+            <a:off x="874813" y="5301208"/>
+            <a:ext cx="10442375" cy="850383"/>
+          </a:xfrm>
+          <a:prstGeom prst="roundRect">
+            <a:avLst/>
+          </a:prstGeom>
+          <a:solidFill>
+            <a:srgbClr val="92D050"/>
+          </a:solidFill>
+          <a:ln>
+            <a:noFill/>
+          </a:ln>
+        </p:spPr>
+        <p:style>
+          <a:lnRef idx="2">
+            <a:schemeClr val="accent1">
+              <a:shade val="50000"/>
+            </a:schemeClr>
+          </a:lnRef>
+          <a:fillRef idx="1">
+            <a:schemeClr val="accent1"/>
+          </a:fillRef>
+          <a:effectRef idx="0">
+            <a:schemeClr val="accent1"/>
+          </a:effectRef>
+          <a:fontRef idx="minor">
+            <a:schemeClr val="lt1"/>
+          </a:fontRef>
+        </p:style>
+        <p:txBody>
+          <a:bodyPr rtlCol="0" anchor="t"/>
+          <a:lstStyle/>
+          <a:p>
+            <a:pPr algn="ctr" rtl="0" fontAlgn="ctr">
+              <a:lnSpc>
+                <a:spcPct val="150000"/>
+              </a:lnSpc>
+              <a:buClr>
+                <a:srgbClr val="92D050"/>
+              </a:buClr>
+            </a:pPr>
+            <a:r>
+              <a:rPr lang="ru-RU" dirty="0">
+                <a:solidFill>
+                  <a:schemeClr val="tx1"/>
+                </a:solidFill>
+              </a:rPr>
+              <a:t>Допустим нам надо задать переменную "счастливый человек" какое имя ей задать?</a:t>
+            </a:r>
+            <a:endParaRPr lang="ru-RU" sz="1200" dirty="0">
+              <a:solidFill>
+                <a:schemeClr val="tx1"/>
+              </a:solidFill>
+            </a:endParaRPr>
+          </a:p>
+        </p:txBody>
+      </p:sp>
+    </p:spTree>
+    <p:extLst>
+      <p:ext uri="{BB962C8B-B14F-4D97-AF65-F5344CB8AC3E}">
+        <p14:creationId xmlns:p14="http://schemas.microsoft.com/office/powerpoint/2010/main" val="2459385310"/>
+      </p:ext>
+    </p:extLst>
+  </p:cSld>
+  <p:clrMapOvr>
+    <a:masterClrMapping/>
+  </p:clrMapOvr>
+</p:sld>
+</file>
+
+<file path=ppt/slides/slide8.xml><?xml version="1.0" encoding="utf-8"?>
+<p:sld xmlns:a="http://schemas.openxmlformats.org/drawingml/2006/main" xmlns:r="http://schemas.openxmlformats.org/officeDocument/2006/relationships" xmlns:p="http://schemas.openxmlformats.org/presentationml/2006/main" showMasterPhAnim="0">
+  <p:cSld>
+    <p:spTree>
+      <p:nvGrpSpPr>
+        <p:cNvPr id="1" name=""/>
+        <p:cNvGrpSpPr/>
+        <p:nvPr/>
+      </p:nvGrpSpPr>
+      <p:grpSpPr bwMode="auto">
+        <a:xfrm>
+          <a:off x="0" y="0"/>
+          <a:ext cx="0" cy="0"/>
+          <a:chOff x="0" y="0"/>
+          <a:chExt cx="0" cy="0"/>
+        </a:xfrm>
+      </p:grpSpPr>
+      <p:sp>
+        <p:nvSpPr>
+          <p:cNvPr id="10" name="Прямоугольник 9">
+            <a:extLst>
+              <a:ext uri="{FF2B5EF4-FFF2-40B4-BE49-F238E27FC236}">
+                <a16:creationId xmlns:a16="http://schemas.microsoft.com/office/drawing/2014/main" id="{4007BDB3-3B8A-460E-8865-EB6D7DAA240F}"/>
+              </a:ext>
+            </a:extLst>
+          </p:cNvPr>
+          <p:cNvSpPr/>
+          <p:nvPr/>
+        </p:nvSpPr>
+        <p:spPr>
+          <a:xfrm>
+            <a:off x="838199" y="3821262"/>
+            <a:ext cx="10515600" cy="1053600"/>
+          </a:xfrm>
+          <a:prstGeom prst="rect">
+            <a:avLst/>
+          </a:prstGeom>
+          <a:solidFill>
+            <a:schemeClr val="tx1"/>
+          </a:solidFill>
+          <a:ln w="25400">
+            <a:solidFill>
+              <a:srgbClr val="92D050"/>
+            </a:solidFill>
+          </a:ln>
+        </p:spPr>
+        <p:style>
+          <a:lnRef idx="2">
+            <a:schemeClr val="accent1">
+              <a:shade val="50000"/>
+            </a:schemeClr>
+          </a:lnRef>
+          <a:fillRef idx="1">
+            <a:schemeClr val="accent1"/>
+          </a:fillRef>
+          <a:effectRef idx="0">
+            <a:schemeClr val="accent1"/>
+          </a:effectRef>
+          <a:fontRef idx="minor">
+            <a:schemeClr val="lt1"/>
+          </a:fontRef>
+        </p:style>
+        <p:txBody>
+          <a:bodyPr rtlCol="0" anchor="ctr"/>
+          <a:lstStyle/>
+          <a:p>
+            <a:pPr algn="ctr"/>
+            <a:endParaRPr lang="ru-RU"/>
+          </a:p>
+        </p:txBody>
+      </p:sp>
+      <p:sp>
+        <p:nvSpPr>
+          <p:cNvPr id="2" name="Прямоугольник 1">
+            <a:extLst>
+              <a:ext uri="{FF2B5EF4-FFF2-40B4-BE49-F238E27FC236}">
+                <a16:creationId xmlns:a16="http://schemas.microsoft.com/office/drawing/2014/main" id="{689A9F77-09A8-413D-9F10-82F2044FE441}"/>
+              </a:ext>
+            </a:extLst>
+          </p:cNvPr>
+          <p:cNvSpPr/>
+          <p:nvPr/>
+        </p:nvSpPr>
+        <p:spPr>
+          <a:xfrm>
+            <a:off x="838199" y="1825624"/>
+            <a:ext cx="10515600" cy="1053600"/>
+          </a:xfrm>
+          <a:prstGeom prst="rect">
+            <a:avLst/>
+          </a:prstGeom>
+          <a:solidFill>
+            <a:schemeClr val="tx1"/>
+          </a:solidFill>
+          <a:ln w="25400">
+            <a:solidFill>
+              <a:srgbClr val="92D050"/>
+            </a:solidFill>
+          </a:ln>
+        </p:spPr>
+        <p:style>
+          <a:lnRef idx="2">
+            <a:schemeClr val="accent1">
+              <a:shade val="50000"/>
+            </a:schemeClr>
+          </a:lnRef>
+          <a:fillRef idx="1">
+            <a:schemeClr val="accent1"/>
+          </a:fillRef>
+          <a:effectRef idx="0">
+            <a:schemeClr val="accent1"/>
+          </a:effectRef>
+          <a:fontRef idx="minor">
+            <a:schemeClr val="lt1"/>
+          </a:fontRef>
+        </p:style>
+        <p:txBody>
+          <a:bodyPr rtlCol="0" anchor="ctr"/>
+          <a:lstStyle/>
+          <a:p>
+            <a:pPr algn="ctr"/>
+            <a:endParaRPr lang="ru-RU"/>
+          </a:p>
+        </p:txBody>
+      </p:sp>
+      <p:sp>
+        <p:nvSpPr>
+          <p:cNvPr id="4" name="Title 1"/>
+          <p:cNvSpPr>
+            <a:spLocks noGrp="1"/>
+          </p:cNvSpPr>
+          <p:nvPr>
+            <p:ph type="title"/>
+          </p:nvPr>
+        </p:nvSpPr>
+        <p:spPr bwMode="auto"/>
+        <p:txBody>
+          <a:bodyPr/>
+          <a:lstStyle/>
+          <a:p>
+            <a:pPr>
+              <a:defRPr/>
+            </a:pPr>
+            <a:r>
+              <a:rPr lang="ru-RU" dirty="0"/>
+              <a:t>Типы данных</a:t>
+            </a:r>
+            <a:endParaRPr dirty="0"/>
+          </a:p>
+        </p:txBody>
+      </p:sp>
+      <p:sp>
+        <p:nvSpPr>
+          <p:cNvPr id="5" name="Content Placeholder 2"/>
+          <p:cNvSpPr>
+            <a:spLocks noGrp="1"/>
+          </p:cNvSpPr>
+          <p:nvPr>
+            <p:ph idx="1"/>
+          </p:nvPr>
+        </p:nvSpPr>
+        <p:spPr bwMode="auto"/>
+        <p:txBody>
+          <a:bodyPr>
+            <a:normAutofit fontScale="92500"/>
+          </a:bodyPr>
+          <a:lstStyle/>
+          <a:p>
+            <a:pPr>
+              <a:lnSpc>
+                <a:spcPct val="200000"/>
+              </a:lnSpc>
+            </a:pPr>
+            <a:r>
+              <a:rPr lang="ru-RU" dirty="0">
+                <a:solidFill>
+                  <a:schemeClr val="bg1"/>
+                </a:solidFill>
+              </a:rPr>
+              <a:t>Целочисленные </a:t>
+            </a:r>
+            <a:r>
+              <a:rPr lang="ru-RU" dirty="0">
+                <a:solidFill>
+                  <a:srgbClr val="92D050"/>
+                </a:solidFill>
+              </a:rPr>
+              <a:t>(</a:t>
+            </a:r>
+            <a:r>
+              <a:rPr lang="ru-RU" dirty="0" err="1">
+                <a:solidFill>
+                  <a:srgbClr val="92D050"/>
+                </a:solidFill>
+              </a:rPr>
+              <a:t>int</a:t>
+            </a:r>
+            <a:r>
+              <a:rPr lang="ru-RU" dirty="0">
+                <a:solidFill>
+                  <a:srgbClr val="92D050"/>
+                </a:solidFill>
+              </a:rPr>
+              <a:t>)	</a:t>
+            </a:r>
+            <a:r>
+              <a:rPr lang="ru-RU" dirty="0">
+                <a:solidFill>
+                  <a:schemeClr val="bg1"/>
+                </a:solidFill>
+              </a:rPr>
+              <a:t>			6, 0, 100, 430700</a:t>
+            </a:r>
+          </a:p>
+          <a:p>
+            <a:pPr>
+              <a:lnSpc>
+                <a:spcPct val="200000"/>
+              </a:lnSpc>
+            </a:pPr>
+            <a:r>
+              <a:rPr lang="ru-RU" dirty="0"/>
+              <a:t>Вещественные (</a:t>
+            </a:r>
+            <a:r>
+              <a:rPr lang="ru-RU" dirty="0" err="1"/>
+              <a:t>float</a:t>
+            </a:r>
+            <a:r>
+              <a:rPr lang="ru-RU" dirty="0"/>
+              <a:t>)			0.444, 34.94, 154.029392</a:t>
+            </a:r>
+          </a:p>
+          <a:p>
+            <a:pPr>
+              <a:lnSpc>
+                <a:spcPct val="200000"/>
+              </a:lnSpc>
+            </a:pPr>
+            <a:r>
+              <a:rPr lang="ru-RU" dirty="0">
+                <a:solidFill>
+                  <a:schemeClr val="bg1"/>
+                </a:solidFill>
+              </a:rPr>
+              <a:t>Строковые </a:t>
+            </a:r>
+            <a:r>
+              <a:rPr lang="ru-RU" dirty="0">
+                <a:solidFill>
+                  <a:srgbClr val="92D050"/>
+                </a:solidFill>
+              </a:rPr>
+              <a:t>(</a:t>
+            </a:r>
+            <a:r>
+              <a:rPr lang="ru-RU" dirty="0" err="1">
+                <a:solidFill>
+                  <a:srgbClr val="92D050"/>
+                </a:solidFill>
+              </a:rPr>
+              <a:t>str</a:t>
+            </a:r>
+            <a:r>
+              <a:rPr lang="ru-RU" dirty="0">
+                <a:solidFill>
+                  <a:srgbClr val="92D050"/>
+                </a:solidFill>
+              </a:rPr>
+              <a:t>)	</a:t>
+            </a:r>
+            <a:r>
+              <a:rPr lang="ru-RU" dirty="0">
+                <a:solidFill>
+                  <a:schemeClr val="bg1"/>
+                </a:solidFill>
+              </a:rPr>
+              <a:t>		'</a:t>
+            </a:r>
+            <a:r>
+              <a:rPr lang="ru-RU" dirty="0" err="1">
+                <a:solidFill>
+                  <a:schemeClr val="bg1"/>
+                </a:solidFill>
+              </a:rPr>
+              <a:t>Hellow</a:t>
+            </a:r>
+            <a:r>
+              <a:rPr lang="ru-RU" dirty="0">
+                <a:solidFill>
+                  <a:schemeClr val="bg1"/>
+                </a:solidFill>
+              </a:rPr>
+              <a:t>',  "1999 </a:t>
+            </a:r>
+            <a:r>
+              <a:rPr lang="ru-RU" dirty="0" err="1">
+                <a:solidFill>
+                  <a:schemeClr val="bg1"/>
+                </a:solidFill>
+              </a:rPr>
+              <a:t>year</a:t>
+            </a:r>
+            <a:r>
+              <a:rPr lang="ru-RU" dirty="0">
+                <a:solidFill>
+                  <a:schemeClr val="bg1"/>
+                </a:solidFill>
+              </a:rPr>
+              <a:t>", 'Привет Аида'</a:t>
+            </a:r>
+          </a:p>
+          <a:p>
+            <a:pPr>
+              <a:lnSpc>
+                <a:spcPct val="200000"/>
+              </a:lnSpc>
+            </a:pPr>
+            <a:r>
+              <a:rPr lang="ru-RU" dirty="0"/>
+              <a:t>Логические(</a:t>
+            </a:r>
+            <a:r>
+              <a:rPr lang="ru-RU" dirty="0" err="1"/>
+              <a:t>bool</a:t>
+            </a:r>
+            <a:r>
+              <a:rPr lang="ru-RU" dirty="0"/>
+              <a:t>)				</a:t>
+            </a:r>
+            <a:r>
+              <a:rPr lang="ru-RU" dirty="0" err="1"/>
+              <a:t>True</a:t>
+            </a:r>
+            <a:r>
+              <a:rPr lang="ru-RU" dirty="0"/>
+              <a:t>, </a:t>
+            </a:r>
+            <a:r>
+              <a:rPr lang="ru-RU" dirty="0" err="1"/>
+              <a:t>False</a:t>
+            </a:r>
+            <a:endParaRPr lang="ru-RU" dirty="0"/>
+          </a:p>
+          <a:p>
+            <a:pPr marL="0" indent="0">
+              <a:buNone/>
+              <a:defRPr/>
+            </a:pPr>
+            <a:endParaRPr dirty="0"/>
+          </a:p>
+        </p:txBody>
+      </p:sp>
+      <p:sp>
+        <p:nvSpPr>
+          <p:cNvPr id="6" name=" 5"/>
+          <p:cNvSpPr/>
+          <p:nvPr/>
+        </p:nvSpPr>
+        <p:spPr bwMode="auto">
+          <a:xfrm>
+            <a:off x="5490899" y="3241355"/>
+            <a:ext cx="223959" cy="331408"/>
+          </a:xfrm>
+        </p:spPr>
+        <p:txBody>
+          <a:bodyPr rot="0" spcFirstLastPara="0" vertOverflow="overflow" horzOverflow="clip" vert="horz" wrap="square" lIns="91440" tIns="45720" rIns="91440" bIns="45720" numCol="1" spcCol="0" rtlCol="0" fromWordArt="0" anchor="t" anchorCtr="0" forceAA="0" compatLnSpc="1">
+            <a:prstTxWarp prst="textNoShape">
+              <a:avLst/>
+            </a:prstTxWarp>
+            <a:noAutofit/>
+          </a:bodyPr>
+          <a:lstStyle/>
+          <a:p>
+            <a:pPr>
+              <a:defRPr/>
+            </a:pPr>
+            <a:endParaRPr/>
+          </a:p>
+        </p:txBody>
+      </p:sp>
+      <p:sp>
+        <p:nvSpPr>
+          <p:cNvPr id="8" name="Прямоугольник 7"/>
+          <p:cNvSpPr/>
+          <p:nvPr/>
+        </p:nvSpPr>
+        <p:spPr bwMode="auto">
+          <a:xfrm>
+            <a:off x="838199" y="1340768"/>
+            <a:ext cx="1440000" cy="45720"/>
+          </a:xfrm>
+          <a:prstGeom prst="rect">
+            <a:avLst/>
+          </a:prstGeom>
+          <a:solidFill>
+            <a:srgbClr val="92D050"/>
+          </a:solidFill>
+          <a:ln w="12700" cap="flat" cmpd="sng" algn="ctr">
+            <a:noFill/>
+            <a:prstDash val="solid"/>
+            <a:miter/>
+          </a:ln>
+        </p:spPr>
+        <p:style>
+          <a:lnRef idx="2">
+            <a:schemeClr val="accent1">
+              <a:shade val="50000"/>
+            </a:schemeClr>
+          </a:lnRef>
+          <a:fillRef idx="1">
+            <a:schemeClr val="accent1"/>
+          </a:fillRef>
+          <a:effectRef idx="0">
+            <a:schemeClr val="accent1"/>
+          </a:effectRef>
+          <a:fontRef idx="minor">
+            <a:schemeClr val="lt1"/>
+          </a:fontRef>
+        </p:style>
+      </p:sp>
+      <p:pic>
+        <p:nvPicPr>
+          <p:cNvPr id="9" name="Picture 4" descr="https://steamuserimages-a.akamaihd.net/ugc/946219835806282284/D1179AA95880DECCFFA1DADF06C4084941FF94F4/?imw=512&amp;amp;imh=512&amp;amp;ima=fit&amp;amp;impolicy=Letterbox&amp;amp;imcolor=%23000000&amp;amp;letterbox=true">
+            <a:extLst>
+              <a:ext uri="{FF2B5EF4-FFF2-40B4-BE49-F238E27FC236}">
+                <a16:creationId xmlns:a16="http://schemas.microsoft.com/office/drawing/2014/main" id="{0D82D801-48BD-4FCA-AC83-570ABE1B153F}"/>
+              </a:ext>
+            </a:extLst>
+          </p:cNvPr>
+          <p:cNvPicPr>
+            <a:picLocks noChangeAspect="1" noChangeArrowheads="1"/>
+          </p:cNvPicPr>
+          <p:nvPr/>
+        </p:nvPicPr>
+        <p:blipFill>
+          <a:blip r:embed="rId2" cstate="print">
+            <a:extLst>
+              <a:ext uri="{28A0092B-C50C-407E-A947-70E740481C1C}">
+                <a14:useLocalDpi xmlns:a14="http://schemas.microsoft.com/office/drawing/2010/main" val="0"/>
+              </a:ext>
+            </a:extLst>
+          </a:blip>
+          <a:srcRect/>
+          <a:stretch>
+            <a:fillRect/>
+          </a:stretch>
+        </p:blipFill>
+        <p:spPr bwMode="auto">
+          <a:xfrm flipH="1">
+            <a:off x="335360" y="188641"/>
+            <a:ext cx="576064" cy="576064"/>
+          </a:xfrm>
+          <a:prstGeom prst="rect">
+            <a:avLst/>
+          </a:prstGeom>
+          <a:noFill/>
+          <a:extLst>
+            <a:ext uri="{909E8E84-426E-40DD-AFC4-6F175D3DCCD1}">
+              <a14:hiddenFill xmlns:a14="http://schemas.microsoft.com/office/drawing/2010/main">
+                <a:solidFill>
+                  <a:srgbClr val="FFFFFF"/>
+                </a:solidFill>
+              </a14:hiddenFill>
+            </a:ext>
+          </a:extLst>
+        </p:spPr>
+      </p:pic>
+    </p:spTree>
+    <p:extLst>
+      <p:ext uri="{BB962C8B-B14F-4D97-AF65-F5344CB8AC3E}">
+        <p14:creationId xmlns:p14="http://schemas.microsoft.com/office/powerpoint/2010/main" val="731477639"/>
+      </p:ext>
+    </p:extLst>
+  </p:cSld>
+  <p:clrMapOvr>
+    <a:masterClrMapping/>
+  </p:clrMapOvr>
+</p:sld>
+</file>
+
+<file path=ppt/slides/slide9.xml><?xml version="1.0" encoding="utf-8"?>
+<p:sld xmlns:a="http://schemas.openxmlformats.org/drawingml/2006/main" xmlns:r="http://schemas.openxmlformats.org/officeDocument/2006/relationships" xmlns:p="http://schemas.openxmlformats.org/presentationml/2006/main" showMasterPhAnim="0">
+  <p:cSld>
+    <p:bg>
+      <p:bgPr>
+        <a:gradFill>
+          <a:gsLst>
+            <a:gs pos="22000">
+              <a:schemeClr val="tx1">
+                <a:lumMod val="85000"/>
+                <a:lumOff val="15000"/>
+              </a:schemeClr>
+            </a:gs>
+            <a:gs pos="100000">
+              <a:schemeClr val="tx1">
+                <a:lumMod val="75000"/>
+                <a:lumOff val="25000"/>
+              </a:schemeClr>
+            </a:gs>
+          </a:gsLst>
+          <a:lin ang="2700000" scaled="1"/>
+        </a:gradFill>
+        <a:effectLst/>
+      </p:bgPr>
+    </p:bg>
+    <p:spTree>
+      <p:nvGrpSpPr>
+        <p:cNvPr id="1" name=""/>
+        <p:cNvGrpSpPr/>
+        <p:nvPr/>
+      </p:nvGrpSpPr>
+      <p:grpSpPr bwMode="auto">
+        <a:xfrm>
+          <a:off x="0" y="0"/>
+          <a:ext cx="0" cy="0"/>
+          <a:chOff x="0" y="0"/>
+          <a:chExt cx="0" cy="0"/>
+        </a:xfrm>
+      </p:grpSpPr>
+      <p:sp>
+        <p:nvSpPr>
+          <p:cNvPr id="4" name=" 3"/>
+          <p:cNvSpPr/>
+          <p:nvPr/>
+        </p:nvSpPr>
+        <p:spPr bwMode="auto">
+          <a:xfrm>
+            <a:off x="4952998" y="-6901065"/>
+            <a:ext cx="11430000" cy="11430000"/>
+          </a:xfrm>
+        </p:spPr>
+        <p:txBody>
+          <a:bodyPr rot="0" spcFirstLastPara="0" vertOverflow="overflow" horzOverflow="clip" vert="horz" wrap="square" lIns="91440" tIns="45720" rIns="91440" bIns="45720" numCol="1" spcCol="0" rtlCol="0" fromWordArt="0" anchor="t" anchorCtr="0" forceAA="0" compatLnSpc="1">
+            <a:prstTxWarp prst="textNoShape">
+              <a:avLst/>
+            </a:prstTxWarp>
+            <a:noAutofit/>
+          </a:bodyPr>
+          <a:lstStyle/>
+          <a:p>
+            <a:pPr>
+              <a:defRPr/>
+            </a:pPr>
+            <a:endParaRPr/>
+          </a:p>
+        </p:txBody>
+      </p:sp>
+      <p:sp>
+        <p:nvSpPr>
+          <p:cNvPr id="5" name=" 4"/>
+          <p:cNvSpPr/>
+          <p:nvPr/>
+        </p:nvSpPr>
+        <p:spPr bwMode="auto">
+          <a:xfrm>
+            <a:off x="8109783" y="3313342"/>
+            <a:ext cx="8572500" cy="6286500"/>
+          </a:xfrm>
+        </p:spPr>
+        <p:txBody>
+          <a:bodyPr rot="0" spcFirstLastPara="0" vertOverflow="overflow" horzOverflow="clip" vert="horz" wrap="square" lIns="91440" tIns="45720" rIns="91440" bIns="45720" numCol="1" spcCol="0" rtlCol="0" fromWordArt="0" anchor="t" anchorCtr="0" forceAA="0" compatLnSpc="1">
+            <a:prstTxWarp prst="textNoShape">
+              <a:avLst/>
+            </a:prstTxWarp>
+            <a:noAutofit/>
+          </a:bodyPr>
+          <a:lstStyle/>
+          <a:p>
+            <a:pPr>
+              <a:defRPr/>
+            </a:pPr>
+            <a:endParaRPr/>
+          </a:p>
+        </p:txBody>
+      </p:sp>
+      <p:sp>
+        <p:nvSpPr>
+          <p:cNvPr id="6" name="Slide Number Placeholder 5"/>
+          <p:cNvSpPr>
+            <a:spLocks noGrp="1"/>
+          </p:cNvSpPr>
+          <p:nvPr>
+            <p:ph type="sldNum" sz="quarter" idx="12"/>
+          </p:nvPr>
+        </p:nvSpPr>
+        <p:spPr bwMode="auto"/>
+        <p:txBody>
+          <a:bodyPr/>
+          <a:lstStyle/>
+          <a:p>
+            <a:pPr>
+              <a:defRPr/>
+            </a:pPr>
+            <a:fld id="{DC52D7F1-D349-43D0-7FFD-1213C7F744D2}" type="slidenum">
+              <a:rPr lang="ru-RU"/>
+              <a:t>9</a:t>
+            </a:fld>
+            <a:endParaRPr lang="ru-RU"/>
+          </a:p>
+        </p:txBody>
+      </p:sp>
+      <p:sp>
+        <p:nvSpPr>
+          <p:cNvPr id="7" name="Title 1"/>
+          <p:cNvSpPr>
+            <a:spLocks noGrp="1"/>
+          </p:cNvSpPr>
+          <p:nvPr>
+            <p:ph type="title"/>
+          </p:nvPr>
+        </p:nvSpPr>
+        <p:spPr bwMode="auto"/>
+        <p:txBody>
+          <a:bodyPr/>
+          <a:lstStyle/>
+          <a:p>
+            <a:r>
+              <a:rPr lang="ru-RU" dirty="0">
+                <a:solidFill>
+                  <a:schemeClr val="bg1"/>
+                </a:solidFill>
+              </a:rPr>
+              <a:t>Ввод / Вывод в консоль</a:t>
+            </a:r>
+            <a:endParaRPr lang="en-US" dirty="0">
+              <a:solidFill>
+                <a:schemeClr val="bg1"/>
+              </a:solidFill>
+            </a:endParaRPr>
+          </a:p>
+        </p:txBody>
+      </p:sp>
+      <p:sp>
+        <p:nvSpPr>
+          <p:cNvPr id="8" name="Content Placeholder 2"/>
+          <p:cNvSpPr>
+            <a:spLocks noGrp="1"/>
+          </p:cNvSpPr>
+          <p:nvPr>
+            <p:ph idx="1"/>
+          </p:nvPr>
+        </p:nvSpPr>
+        <p:spPr bwMode="auto"/>
+        <p:txBody>
+          <a:bodyPr vertOverflow="overflow" horzOverflow="clip" vert="horz" wrap="square" lIns="91440" tIns="45720" rIns="91440" bIns="45720" numCol="1" spcCol="0" rtlCol="0" fromWordArt="0" anchor="t" anchorCtr="0" forceAA="0" compatLnSpc="0">
+            <a:normAutofit/>
+          </a:bodyPr>
+          <a:lstStyle/>
+          <a:p>
+            <a:pPr marL="0" indent="0" rtl="0" fontAlgn="ctr">
+              <a:lnSpc>
+                <a:spcPct val="150000"/>
+              </a:lnSpc>
+              <a:buClr>
+                <a:srgbClr val="92D050"/>
+              </a:buClr>
+              <a:buNone/>
+            </a:pPr>
+            <a:r>
+              <a:rPr lang="ru-RU" sz="2400" dirty="0">
+                <a:solidFill>
+                  <a:schemeClr val="bg1"/>
+                </a:solidFill>
+              </a:rPr>
+              <a:t>Функция </a:t>
+            </a:r>
+            <a:r>
+              <a:rPr lang="ru-RU" sz="2400" dirty="0" err="1">
+                <a:solidFill>
+                  <a:srgbClr val="92D050"/>
+                </a:solidFill>
+              </a:rPr>
+              <a:t>print</a:t>
+            </a:r>
+            <a:r>
+              <a:rPr lang="ru-RU" sz="2400" dirty="0">
+                <a:solidFill>
+                  <a:srgbClr val="92D050"/>
+                </a:solidFill>
+              </a:rPr>
+              <a:t>() </a:t>
+            </a:r>
+            <a:r>
+              <a:rPr lang="ru-RU" sz="2400" dirty="0">
+                <a:solidFill>
+                  <a:schemeClr val="bg1"/>
+                </a:solidFill>
+              </a:rPr>
+              <a:t>в </a:t>
+            </a:r>
+            <a:r>
+              <a:rPr lang="ru-RU" sz="2400" dirty="0" err="1">
+                <a:solidFill>
+                  <a:schemeClr val="bg1"/>
+                </a:solidFill>
+              </a:rPr>
+              <a:t>Python</a:t>
+            </a:r>
+            <a:r>
+              <a:rPr lang="ru-RU" sz="2400" dirty="0">
+                <a:solidFill>
+                  <a:schemeClr val="bg1"/>
+                </a:solidFill>
+              </a:rPr>
+              <a:t> выводит заданные объекты на экран</a:t>
+            </a:r>
+          </a:p>
+          <a:p>
+            <a:pPr marL="0" indent="0" rtl="0" fontAlgn="ctr">
+              <a:lnSpc>
+                <a:spcPct val="150000"/>
+              </a:lnSpc>
+              <a:buClr>
+                <a:srgbClr val="92D050"/>
+              </a:buClr>
+              <a:buNone/>
+            </a:pPr>
+            <a:endParaRPr lang="ru-RU" sz="1600" dirty="0">
+              <a:solidFill>
+                <a:schemeClr val="bg1"/>
+              </a:solidFill>
+            </a:endParaRPr>
+          </a:p>
+          <a:p>
+            <a:pPr marL="0" indent="0" rtl="0" fontAlgn="ctr">
+              <a:lnSpc>
+                <a:spcPct val="150000"/>
+              </a:lnSpc>
+              <a:buClr>
+                <a:srgbClr val="92D050"/>
+              </a:buClr>
+              <a:buNone/>
+            </a:pPr>
+            <a:endParaRPr lang="ru-RU" sz="1600" dirty="0">
+              <a:solidFill>
+                <a:schemeClr val="bg1"/>
+              </a:solidFill>
+            </a:endParaRPr>
+          </a:p>
+          <a:p>
+            <a:pPr marL="0" indent="0" rtl="0" fontAlgn="ctr">
+              <a:lnSpc>
+                <a:spcPct val="150000"/>
+              </a:lnSpc>
+              <a:buClr>
+                <a:srgbClr val="92D050"/>
+              </a:buClr>
+              <a:buNone/>
+            </a:pPr>
+            <a:r>
+              <a:rPr lang="en-US" sz="2400" dirty="0" err="1">
+                <a:solidFill>
+                  <a:srgbClr val="92D050"/>
+                </a:solidFill>
+              </a:rPr>
+              <a:t>i</a:t>
+            </a:r>
+            <a:r>
+              <a:rPr lang="ru-RU" sz="2400" dirty="0" err="1">
+                <a:solidFill>
+                  <a:srgbClr val="92D050"/>
+                </a:solidFill>
+              </a:rPr>
+              <a:t>nput</a:t>
+            </a:r>
+            <a:r>
+              <a:rPr lang="ru-RU" sz="2400" dirty="0">
+                <a:solidFill>
+                  <a:srgbClr val="92D050"/>
+                </a:solidFill>
+              </a:rPr>
+              <a:t>() </a:t>
+            </a:r>
+            <a:r>
+              <a:rPr lang="ru-RU" sz="2400" dirty="0">
+                <a:solidFill>
+                  <a:schemeClr val="bg1"/>
+                </a:solidFill>
+              </a:rPr>
+              <a:t>– функция для ввода данных от пользователя.</a:t>
+            </a:r>
+          </a:p>
+          <a:p>
+            <a:pPr marL="0" indent="0" rtl="0" fontAlgn="ctr">
+              <a:lnSpc>
+                <a:spcPct val="150000"/>
+              </a:lnSpc>
+              <a:buClr>
+                <a:srgbClr val="92D050"/>
+              </a:buClr>
+              <a:buNone/>
+            </a:pPr>
+            <a:r>
+              <a:rPr lang="ru-RU" sz="2400" dirty="0">
+                <a:solidFill>
+                  <a:schemeClr val="bg1"/>
+                </a:solidFill>
+              </a:rPr>
+              <a:t>Чтобы использовать полученное значение в программе, сохраните его в переменной</a:t>
+            </a:r>
+            <a:endParaRPr lang="en-US" sz="2400" dirty="0">
+              <a:solidFill>
+                <a:schemeClr val="bg1"/>
+              </a:solidFill>
+            </a:endParaRPr>
+          </a:p>
+          <a:p>
+            <a:pPr marL="0" indent="0" rtl="0" fontAlgn="ctr">
+              <a:lnSpc>
+                <a:spcPct val="150000"/>
+              </a:lnSpc>
+              <a:buClr>
+                <a:srgbClr val="92D050"/>
+              </a:buClr>
+              <a:buNone/>
+            </a:pPr>
+            <a:endParaRPr lang="en-US" sz="2400" dirty="0">
+              <a:solidFill>
+                <a:schemeClr val="bg1"/>
+              </a:solidFill>
+            </a:endParaRPr>
+          </a:p>
+        </p:txBody>
+      </p:sp>
+      <p:sp>
+        <p:nvSpPr>
+          <p:cNvPr id="9" name="Прямоугольник 8"/>
+          <p:cNvSpPr/>
+          <p:nvPr/>
+        </p:nvSpPr>
+        <p:spPr bwMode="auto">
+          <a:xfrm>
+            <a:off x="838198" y="1412776"/>
+            <a:ext cx="1872000" cy="45720"/>
+          </a:xfrm>
+          <a:prstGeom prst="rect">
+            <a:avLst/>
+          </a:prstGeom>
+          <a:solidFill>
+            <a:schemeClr val="bg1"/>
+          </a:solidFill>
+          <a:ln w="12700" cap="flat" cmpd="sng" algn="ctr">
+            <a:noFill/>
+            <a:prstDash val="solid"/>
+            <a:miter/>
+          </a:ln>
+        </p:spPr>
+        <p:style>
+          <a:lnRef idx="2">
+            <a:schemeClr val="accent1">
+              <a:shade val="50000"/>
+            </a:schemeClr>
+          </a:lnRef>
+          <a:fillRef idx="1">
+            <a:schemeClr val="accent1"/>
+          </a:fillRef>
+          <a:effectRef idx="0">
+            <a:schemeClr val="accent1"/>
+          </a:effectRef>
+          <a:fontRef idx="minor">
+            <a:schemeClr val="lt1"/>
+          </a:fontRef>
+        </p:style>
+      </p:sp>
+      <p:pic>
+        <p:nvPicPr>
+          <p:cNvPr id="10" name="Picture 4" descr="https://steamuserimages-a.akamaihd.net/ugc/946219835806282284/D1179AA95880DECCFFA1DADF06C4084941FF94F4/?imw=512&amp;amp;imh=512&amp;amp;ima=fit&amp;amp;impolicy=Letterbox&amp;amp;imcolor=%23000000&amp;amp;letterbox=true">
+            <a:extLst>
+              <a:ext uri="{FF2B5EF4-FFF2-40B4-BE49-F238E27FC236}">
+                <a16:creationId xmlns:a16="http://schemas.microsoft.com/office/drawing/2014/main" id="{69D277B4-9BD7-4527-BD11-89F255DF8C8E}"/>
+              </a:ext>
+            </a:extLst>
+          </p:cNvPr>
+          <p:cNvPicPr>
+            <a:picLocks noChangeAspect="1" noChangeArrowheads="1"/>
+          </p:cNvPicPr>
+          <p:nvPr/>
+        </p:nvPicPr>
+        <p:blipFill>
+          <a:blip r:embed="rId2" cstate="print">
+            <a:extLst>
+              <a:ext uri="{28A0092B-C50C-407E-A947-70E740481C1C}">
+                <a14:useLocalDpi xmlns:a14="http://schemas.microsoft.com/office/drawing/2010/main" val="0"/>
+              </a:ext>
+            </a:extLst>
+          </a:blip>
+          <a:srcRect/>
+          <a:stretch>
+            <a:fillRect/>
+          </a:stretch>
+        </p:blipFill>
+        <p:spPr bwMode="auto">
+          <a:xfrm flipH="1">
+            <a:off x="335360" y="188641"/>
+            <a:ext cx="576064" cy="576064"/>
+          </a:xfrm>
+          <a:prstGeom prst="rect">
+            <a:avLst/>
+          </a:prstGeom>
+          <a:noFill/>
+          <a:extLst>
+            <a:ext uri="{909E8E84-426E-40DD-AFC4-6F175D3DCCD1}">
+              <a14:hiddenFill xmlns:a14="http://schemas.microsoft.com/office/drawing/2010/main">
+                <a:solidFill>
+                  <a:srgbClr val="FFFFFF"/>
+                </a:solidFill>
+              </a14:hiddenFill>
+            </a:ext>
+          </a:extLst>
+        </p:spPr>
+      </p:pic>
+      <p:sp>
+        <p:nvSpPr>
+          <p:cNvPr id="3" name="Прямоугольник: скругленные углы 2">
+            <a:extLst>
+              <a:ext uri="{FF2B5EF4-FFF2-40B4-BE49-F238E27FC236}">
+                <a16:creationId xmlns:a16="http://schemas.microsoft.com/office/drawing/2014/main" id="{FC6B2DD9-A6AD-4266-9493-EC986B69CCC0}"/>
+              </a:ext>
+            </a:extLst>
+          </p:cNvPr>
+          <p:cNvSpPr/>
+          <p:nvPr/>
+        </p:nvSpPr>
+        <p:spPr>
+          <a:xfrm>
+            <a:off x="838198" y="5589240"/>
+            <a:ext cx="10515600" cy="1034399"/>
+          </a:xfrm>
+          <a:prstGeom prst="roundRect">
+            <a:avLst/>
+          </a:prstGeom>
+          <a:solidFill>
+            <a:schemeClr val="tx1">
+              <a:lumMod val="50000"/>
+              <a:lumOff val="50000"/>
+            </a:schemeClr>
+          </a:solidFill>
+        </p:spPr>
+        <p:style>
+          <a:lnRef idx="2">
+            <a:schemeClr val="accent1">
+              <a:shade val="50000"/>
+            </a:schemeClr>
+          </a:lnRef>
+          <a:fillRef idx="1">
+            <a:schemeClr val="accent1"/>
+          </a:fillRef>
+          <a:effectRef idx="0">
+            <a:schemeClr val="accent1"/>
+          </a:effectRef>
+          <a:fontRef idx="minor">
+            <a:schemeClr val="lt1"/>
+          </a:fontRef>
+        </p:style>
+        <p:txBody>
+          <a:bodyPr rtlCol="0" anchor="ctr"/>
+          <a:lstStyle/>
+          <a:p>
+            <a:r>
+              <a:rPr lang="ru-RU" dirty="0"/>
+              <a:t>Функция </a:t>
+            </a:r>
+            <a:r>
+              <a:rPr lang="en-US" dirty="0"/>
+              <a:t>input() </a:t>
+            </a:r>
+            <a:r>
+              <a:rPr lang="ru-RU" dirty="0"/>
+              <a:t>сохраняет </a:t>
+            </a:r>
+            <a:r>
+              <a:rPr lang="ru-RU" dirty="0">
+                <a:solidFill>
+                  <a:srgbClr val="92D050"/>
+                </a:solidFill>
+              </a:rPr>
+              <a:t>строку</a:t>
+            </a:r>
+            <a:r>
+              <a:rPr lang="ru-RU" dirty="0"/>
+              <a:t>.</a:t>
+            </a:r>
+          </a:p>
+        </p:txBody>
+      </p:sp>
+    </p:spTree>
+    <p:extLst>
+      <p:ext uri="{BB962C8B-B14F-4D97-AF65-F5344CB8AC3E}">
+        <p14:creationId xmlns:p14="http://schemas.microsoft.com/office/powerpoint/2010/main" val="145120249"/>
+      </p:ext>
+    </p:extLst>
+  </p:cSld>
+  <p:clrMapOvr>
+    <a:masterClrMapping/>
+  </p:clrMapOvr>
 </p:sld>
 </file>
 
 <file path=ppt/theme/theme1.xml><?xml version="1.0" encoding="utf-8"?>
-<a:theme xmlns:a="http://schemas.openxmlformats.org/drawingml/2006/main" xmlns:r="http://schemas.openxmlformats.org/officeDocument/2006/relationships" xmlns:p="http://schemas.openxmlformats.org/presentationml/2006/main" name="Office Theme">
+<a:theme xmlns:a="http://schemas.openxmlformats.org/drawingml/2006/main" name="Office Theme">
   <a:themeElements>
     <a:clrScheme name="Civic">
       <a:dk1>
@@ -4629,4 +8198,299 @@
     </a:extraClrScheme>
   </a:extraClrSchemeLst>
 </a:theme>
+</file>
+
+<file path=ppt/theme/theme2.xml><?xml version="1.0" encoding="utf-8"?>
+<a:theme xmlns:a="http://schemas.openxmlformats.org/drawingml/2006/main" name="Тема Office">
+  <a:themeElements>
+    <a:clrScheme name="Стандартная">
+      <a:dk1>
+        <a:sysClr val="windowText" lastClr="000000"/>
+      </a:dk1>
+      <a:lt1>
+        <a:sysClr val="window" lastClr="FFFFFF"/>
+      </a:lt1>
+      <a:dk2>
+        <a:srgbClr val="44546A"/>
+      </a:dk2>
+      <a:lt2>
+        <a:srgbClr val="E7E6E6"/>
+      </a:lt2>
+      <a:accent1>
+        <a:srgbClr val="4472C4"/>
+      </a:accent1>
+      <a:accent2>
+        <a:srgbClr val="ED7D31"/>
+      </a:accent2>
+      <a:accent3>
+        <a:srgbClr val="A5A5A5"/>
+      </a:accent3>
+      <a:accent4>
+        <a:srgbClr val="FFC000"/>
+      </a:accent4>
+      <a:accent5>
+        <a:srgbClr val="5B9BD5"/>
+      </a:accent5>
+      <a:accent6>
+        <a:srgbClr val="70AD47"/>
+      </a:accent6>
+      <a:hlink>
+        <a:srgbClr val="0563C1"/>
+      </a:hlink>
+      <a:folHlink>
+        <a:srgbClr val="954F72"/>
+      </a:folHlink>
+    </a:clrScheme>
+    <a:fontScheme name="Стандартная">
+      <a:majorFont>
+        <a:latin typeface="Calibri Light" panose="020F0302020204030204"/>
+        <a:ea typeface=""/>
+        <a:cs typeface=""/>
+        <a:font script="Jpan" typeface="游ゴシック Light"/>
+        <a:font script="Hang" typeface="맑은 고딕"/>
+        <a:font script="Hans" typeface="等线 Light"/>
+        <a:font script="Hant" typeface="新細明體"/>
+        <a:font script="Arab" typeface="Times New Roman"/>
+        <a:font script="Hebr" typeface="Times New Roman"/>
+        <a:font script="Thai" typeface="Angsana New"/>
+        <a:font script="Ethi" typeface="Nyala"/>
+        <a:font script="Beng" typeface="Vrinda"/>
+        <a:font script="Gujr" typeface="Shruti"/>
+        <a:font script="Khmr" typeface="MoolBoran"/>
+        <a:font script="Knda" typeface="Tunga"/>
+        <a:font script="Guru" typeface="Raavi"/>
+        <a:font script="Cans" typeface="Euphemia"/>
+        <a:font script="Cher" typeface="Plantagenet Cherokee"/>
+        <a:font script="Yiii" typeface="Microsoft Yi Baiti"/>
+        <a:font script="Tibt" typeface="Microsoft Himalaya"/>
+        <a:font script="Thaa" typeface="MV Boli"/>
+        <a:font script="Deva" typeface="Mangal"/>
+        <a:font script="Telu" typeface="Gautami"/>
+        <a:font script="Taml" typeface="Latha"/>
+        <a:font script="Syrc" typeface="Estrangelo Edessa"/>
+        <a:font script="Orya" typeface="Kalinga"/>
+        <a:font script="Mlym" typeface="Kartika"/>
+        <a:font script="Laoo" typeface="DokChampa"/>
+        <a:font script="Sinh" typeface="Iskoola Pota"/>
+        <a:font script="Mong" typeface="Mongolian Baiti"/>
+        <a:font script="Viet" typeface="Times New Roman"/>
+        <a:font script="Uigh" typeface="Microsoft Uighur"/>
+        <a:font script="Geor" typeface="Sylfaen"/>
+        <a:font script="Armn" typeface="Arial"/>
+        <a:font script="Bugi" typeface="Leelawadee UI"/>
+        <a:font script="Bopo" typeface="Microsoft JhengHei"/>
+        <a:font script="Java" typeface="Javanese Text"/>
+        <a:font script="Lisu" typeface="Segoe UI"/>
+        <a:font script="Mymr" typeface="Myanmar Text"/>
+        <a:font script="Nkoo" typeface="Ebrima"/>
+        <a:font script="Olck" typeface="Nirmala UI"/>
+        <a:font script="Osma" typeface="Ebrima"/>
+        <a:font script="Phag" typeface="Phagspa"/>
+        <a:font script="Syrn" typeface="Estrangelo Edessa"/>
+        <a:font script="Syrj" typeface="Estrangelo Edessa"/>
+        <a:font script="Syre" typeface="Estrangelo Edessa"/>
+        <a:font script="Sora" typeface="Nirmala UI"/>
+        <a:font script="Tale" typeface="Microsoft Tai Le"/>
+        <a:font script="Talu" typeface="Microsoft New Tai Lue"/>
+        <a:font script="Tfng" typeface="Ebrima"/>
+      </a:majorFont>
+      <a:minorFont>
+        <a:latin typeface="Calibri" panose="020F0502020204030204"/>
+        <a:ea typeface=""/>
+        <a:cs typeface=""/>
+        <a:font script="Jpan" typeface="游ゴシック"/>
+        <a:font script="Hang" typeface="맑은 고딕"/>
+        <a:font script="Hans" typeface="等线"/>
+        <a:font script="Hant" typeface="新細明體"/>
+        <a:font script="Arab" typeface="Arial"/>
+        <a:font script="Hebr" typeface="Arial"/>
+        <a:font script="Thai" typeface="Cordia New"/>
+        <a:font script="Ethi" typeface="Nyala"/>
+        <a:font script="Beng" typeface="Vrinda"/>
+        <a:font script="Gujr" typeface="Shruti"/>
+        <a:font script="Khmr" typeface="DaunPenh"/>
+        <a:font script="Knda" typeface="Tunga"/>
+        <a:font script="Guru" typeface="Raavi"/>
+        <a:font script="Cans" typeface="Euphemia"/>
+        <a:font script="Cher" typeface="Plantagenet Cherokee"/>
+        <a:font script="Yiii" typeface="Microsoft Yi Baiti"/>
+        <a:font script="Tibt" typeface="Microsoft Himalaya"/>
+        <a:font script="Thaa" typeface="MV Boli"/>
+        <a:font script="Deva" typeface="Mangal"/>
+        <a:font script="Telu" typeface="Gautami"/>
+        <a:font script="Taml" typeface="Latha"/>
+        <a:font script="Syrc" typeface="Estrangelo Edessa"/>
+        <a:font script="Orya" typeface="Kalinga"/>
+        <a:font script="Mlym" typeface="Kartika"/>
+        <a:font script="Laoo" typeface="DokChampa"/>
+        <a:font script="Sinh" typeface="Iskoola Pota"/>
+        <a:font script="Mong" typeface="Mongolian Baiti"/>
+        <a:font script="Viet" typeface="Arial"/>
+        <a:font script="Uigh" typeface="Microsoft Uighur"/>
+        <a:font script="Geor" typeface="Sylfaen"/>
+        <a:font script="Armn" typeface="Arial"/>
+        <a:font script="Bugi" typeface="Leelawadee UI"/>
+        <a:font script="Bopo" typeface="Microsoft JhengHei"/>
+        <a:font script="Java" typeface="Javanese Text"/>
+        <a:font script="Lisu" typeface="Segoe UI"/>
+        <a:font script="Mymr" typeface="Myanmar Text"/>
+        <a:font script="Nkoo" typeface="Ebrima"/>
+        <a:font script="Olck" typeface="Nirmala UI"/>
+        <a:font script="Osma" typeface="Ebrima"/>
+        <a:font script="Phag" typeface="Phagspa"/>
+        <a:font script="Syrn" typeface="Estrangelo Edessa"/>
+        <a:font script="Syrj" typeface="Estrangelo Edessa"/>
+        <a:font script="Syre" typeface="Estrangelo Edessa"/>
+        <a:font script="Sora" typeface="Nirmala UI"/>
+        <a:font script="Tale" typeface="Microsoft Tai Le"/>
+        <a:font script="Talu" typeface="Microsoft New Tai Lue"/>
+        <a:font script="Tfng" typeface="Ebrima"/>
+      </a:minorFont>
+    </a:fontScheme>
+    <a:fmtScheme name="Стандартная">
+      <a:fillStyleLst>
+        <a:solidFill>
+          <a:schemeClr val="phClr"/>
+        </a:solidFill>
+        <a:gradFill rotWithShape="1">
+          <a:gsLst>
+            <a:gs pos="0">
+              <a:schemeClr val="phClr">
+                <a:lumMod val="110000"/>
+                <a:satMod val="105000"/>
+                <a:tint val="67000"/>
+              </a:schemeClr>
+            </a:gs>
+            <a:gs pos="50000">
+              <a:schemeClr val="phClr">
+                <a:lumMod val="105000"/>
+                <a:satMod val="103000"/>
+                <a:tint val="73000"/>
+              </a:schemeClr>
+            </a:gs>
+            <a:gs pos="100000">
+              <a:schemeClr val="phClr">
+                <a:lumMod val="105000"/>
+                <a:satMod val="109000"/>
+                <a:tint val="81000"/>
+              </a:schemeClr>
+            </a:gs>
+          </a:gsLst>
+          <a:lin ang="5400000" scaled="0"/>
+        </a:gradFill>
+        <a:gradFill rotWithShape="1">
+          <a:gsLst>
+            <a:gs pos="0">
+              <a:schemeClr val="phClr">
+                <a:satMod val="103000"/>
+                <a:lumMod val="102000"/>
+                <a:tint val="94000"/>
+              </a:schemeClr>
+            </a:gs>
+            <a:gs pos="50000">
+              <a:schemeClr val="phClr">
+                <a:satMod val="110000"/>
+                <a:lumMod val="100000"/>
+                <a:shade val="100000"/>
+              </a:schemeClr>
+            </a:gs>
+            <a:gs pos="100000">
+              <a:schemeClr val="phClr">
+                <a:lumMod val="99000"/>
+                <a:satMod val="120000"/>
+                <a:shade val="78000"/>
+              </a:schemeClr>
+            </a:gs>
+          </a:gsLst>
+          <a:lin ang="5400000" scaled="0"/>
+        </a:gradFill>
+      </a:fillStyleLst>
+      <a:lnStyleLst>
+        <a:ln w="6350" cap="flat" cmpd="sng" algn="ctr">
+          <a:solidFill>
+            <a:schemeClr val="phClr"/>
+          </a:solidFill>
+          <a:prstDash val="solid"/>
+          <a:miter lim="800000"/>
+        </a:ln>
+        <a:ln w="12700" cap="flat" cmpd="sng" algn="ctr">
+          <a:solidFill>
+            <a:schemeClr val="phClr"/>
+          </a:solidFill>
+          <a:prstDash val="solid"/>
+          <a:miter lim="800000"/>
+        </a:ln>
+        <a:ln w="19050" cap="flat" cmpd="sng" algn="ctr">
+          <a:solidFill>
+            <a:schemeClr val="phClr"/>
+          </a:solidFill>
+          <a:prstDash val="solid"/>
+          <a:miter lim="800000"/>
+        </a:ln>
+      </a:lnStyleLst>
+      <a:effectStyleLst>
+        <a:effectStyle>
+          <a:effectLst/>
+        </a:effectStyle>
+        <a:effectStyle>
+          <a:effectLst/>
+        </a:effectStyle>
+        <a:effectStyle>
+          <a:effectLst>
+            <a:outerShdw blurRad="57150" dist="19050" dir="5400000" algn="ctr" rotWithShape="0">
+              <a:srgbClr val="000000">
+                <a:alpha val="63000"/>
+              </a:srgbClr>
+            </a:outerShdw>
+          </a:effectLst>
+        </a:effectStyle>
+      </a:effectStyleLst>
+      <a:bgFillStyleLst>
+        <a:solidFill>
+          <a:schemeClr val="phClr"/>
+        </a:solidFill>
+        <a:solidFill>
+          <a:schemeClr val="phClr">
+            <a:tint val="95000"/>
+            <a:satMod val="170000"/>
+          </a:schemeClr>
+        </a:solidFill>
+        <a:gradFill rotWithShape="1">
+          <a:gsLst>
+            <a:gs pos="0">
+              <a:schemeClr val="phClr">
+                <a:tint val="93000"/>
+                <a:satMod val="150000"/>
+                <a:shade val="98000"/>
+                <a:lumMod val="102000"/>
+              </a:schemeClr>
+            </a:gs>
+            <a:gs pos="50000">
+              <a:schemeClr val="phClr">
+                <a:tint val="98000"/>
+                <a:satMod val="130000"/>
+                <a:shade val="90000"/>
+                <a:lumMod val="103000"/>
+              </a:schemeClr>
+            </a:gs>
+            <a:gs pos="100000">
+              <a:schemeClr val="phClr">
+                <a:shade val="63000"/>
+                <a:satMod val="120000"/>
+              </a:schemeClr>
+            </a:gs>
+          </a:gsLst>
+          <a:lin ang="5400000" scaled="0"/>
+        </a:gradFill>
+      </a:bgFillStyleLst>
+    </a:fmtScheme>
+  </a:themeElements>
+  <a:objectDefaults/>
+  <a:extraClrSchemeLst/>
+  <a:extLst>
+    <a:ext uri="{05A4C25C-085E-4340-85A3-A5531E510DB2}">
+      <thm15:themeFamily xmlns:thm15="http://schemas.microsoft.com/office/thememl/2012/main" name="Office Theme" id="{62F939B6-93AF-4DB8-9C6B-D6C7DFDC589F}" vid="{4A3C46E8-61CC-4603-A589-7422A47A8E4A}"/>
+    </a:ext>
+  </a:extLst>
+</a:theme>
 </file>
--- a/prezintation_1.pptx
+++ b/prezintation_1.pptx
@@ -5,7 +5,7 @@
     <p:sldMasterId id="2147483648" r:id="rId1"/>
   </p:sldMasterIdLst>
   <p:notesMasterIdLst>
-    <p:notesMasterId r:id="rId11"/>
+    <p:notesMasterId r:id="rId13"/>
   </p:notesMasterIdLst>
   <p:sldIdLst>
     <p:sldId id="256" r:id="rId2"/>
@@ -17,6 +17,8 @@
     <p:sldId id="263" r:id="rId8"/>
     <p:sldId id="264" r:id="rId9"/>
     <p:sldId id="265" r:id="rId10"/>
+    <p:sldId id="266" r:id="rId11"/>
+    <p:sldId id="267" r:id="rId12"/>
   </p:sldIdLst>
   <p:sldSz cx="12192000" cy="6858000"/>
   <p:notesSz cx="6858000" cy="12192000"/>
@@ -3923,6 +3925,688 @@
         </p:spPr>
       </p:pic>
     </p:spTree>
+  </p:cSld>
+  <p:clrMapOvr>
+    <a:masterClrMapping/>
+  </p:clrMapOvr>
+</p:sld>
+</file>
+
+<file path=ppt/slides/slide10.xml><?xml version="1.0" encoding="utf-8"?>
+<p:sld xmlns:a="http://schemas.openxmlformats.org/drawingml/2006/main" xmlns:r="http://schemas.openxmlformats.org/officeDocument/2006/relationships" xmlns:p="http://schemas.openxmlformats.org/presentationml/2006/main" showMasterPhAnim="0">
+  <p:cSld>
+    <p:spTree>
+      <p:nvGrpSpPr>
+        <p:cNvPr id="1" name=""/>
+        <p:cNvGrpSpPr/>
+        <p:nvPr/>
+      </p:nvGrpSpPr>
+      <p:grpSpPr bwMode="auto">
+        <a:xfrm>
+          <a:off x="0" y="0"/>
+          <a:ext cx="0" cy="0"/>
+          <a:chOff x="0" y="0"/>
+          <a:chExt cx="0" cy="0"/>
+        </a:xfrm>
+      </p:grpSpPr>
+      <p:sp>
+        <p:nvSpPr>
+          <p:cNvPr id="4" name="Title 1"/>
+          <p:cNvSpPr>
+            <a:spLocks noGrp="1"/>
+          </p:cNvSpPr>
+          <p:nvPr>
+            <p:ph type="title"/>
+          </p:nvPr>
+        </p:nvSpPr>
+        <p:spPr bwMode="auto"/>
+        <p:txBody>
+          <a:bodyPr/>
+          <a:lstStyle/>
+          <a:p>
+            <a:pPr>
+              <a:defRPr/>
+            </a:pPr>
+            <a:r>
+              <a:rPr lang="ru-RU" dirty="0"/>
+              <a:t>Работа со строками</a:t>
+            </a:r>
+            <a:endParaRPr dirty="0"/>
+          </a:p>
+        </p:txBody>
+      </p:sp>
+      <p:sp>
+        <p:nvSpPr>
+          <p:cNvPr id="5" name="Content Placeholder 2"/>
+          <p:cNvSpPr>
+            <a:spLocks noGrp="1"/>
+          </p:cNvSpPr>
+          <p:nvPr>
+            <p:ph idx="1"/>
+          </p:nvPr>
+        </p:nvSpPr>
+        <p:spPr bwMode="auto"/>
+        <p:txBody>
+          <a:bodyPr>
+            <a:normAutofit/>
+          </a:bodyPr>
+          <a:lstStyle/>
+          <a:p>
+            <a:pPr marL="0" indent="0">
+              <a:buNone/>
+            </a:pPr>
+            <a:r>
+              <a:rPr lang="en-US" sz="2000" dirty="0"/>
+              <a:t>C</a:t>
+            </a:r>
+            <a:r>
+              <a:rPr lang="ru-RU" sz="2000" dirty="0"/>
+              <a:t>строка – последовательность символов.</a:t>
+            </a:r>
+          </a:p>
+          <a:p>
+            <a:pPr marL="0" indent="0">
+              <a:buNone/>
+            </a:pPr>
+            <a:r>
+              <a:rPr lang="ru-RU" sz="2000" dirty="0"/>
+              <a:t>Свойства строк:</a:t>
+            </a:r>
+          </a:p>
+          <a:p>
+            <a:pPr rtl="0" fontAlgn="ctr">
+              <a:lnSpc>
+                <a:spcPct val="150000"/>
+              </a:lnSpc>
+              <a:buClr>
+                <a:srgbClr val="92D050"/>
+              </a:buClr>
+            </a:pPr>
+            <a:r>
+              <a:rPr lang="ru-RU" sz="1800" dirty="0"/>
+              <a:t>Можно применять некоторые арифметические операции (+, *).</a:t>
+            </a:r>
+          </a:p>
+          <a:p>
+            <a:pPr rtl="0" fontAlgn="ctr">
+              <a:lnSpc>
+                <a:spcPct val="150000"/>
+              </a:lnSpc>
+              <a:buClr>
+                <a:srgbClr val="92D050"/>
+              </a:buClr>
+            </a:pPr>
+            <a:r>
+              <a:rPr lang="ru-RU" sz="1800" dirty="0"/>
+              <a:t>Поддерживают индексацию.</a:t>
+            </a:r>
+          </a:p>
+          <a:p>
+            <a:pPr rtl="0" fontAlgn="ctr">
+              <a:lnSpc>
+                <a:spcPct val="150000"/>
+              </a:lnSpc>
+              <a:buClr>
+                <a:srgbClr val="92D050"/>
+              </a:buClr>
+            </a:pPr>
+            <a:r>
+              <a:rPr lang="ru-RU" sz="1800" dirty="0"/>
+              <a:t>У строк есть множество методов (</a:t>
+            </a:r>
+            <a:r>
+              <a:rPr lang="ru-RU" sz="1800" dirty="0" err="1"/>
+              <a:t>find</a:t>
+            </a:r>
+            <a:r>
+              <a:rPr lang="ru-RU" sz="1800" dirty="0"/>
+              <a:t>, </a:t>
+            </a:r>
+            <a:r>
+              <a:rPr lang="ru-RU" sz="1800" dirty="0" err="1"/>
+              <a:t>split</a:t>
+            </a:r>
+            <a:r>
+              <a:rPr lang="ru-RU" sz="1800" dirty="0"/>
+              <a:t>).</a:t>
+            </a:r>
+          </a:p>
+          <a:p>
+            <a:pPr marL="0" indent="0">
+              <a:buNone/>
+            </a:pPr>
+            <a:endParaRPr lang="en-US" sz="1800" dirty="0"/>
+          </a:p>
+          <a:p>
+            <a:pPr marL="0" indent="0">
+              <a:buNone/>
+            </a:pPr>
+            <a:r>
+              <a:rPr lang="ru-RU" sz="2000" dirty="0"/>
+              <a:t>Преобразование типов</a:t>
+            </a:r>
+            <a:r>
+              <a:rPr lang="en-US" sz="2000" dirty="0"/>
+              <a:t>:</a:t>
+            </a:r>
+            <a:endParaRPr lang="ru-RU" sz="2000" dirty="0"/>
+          </a:p>
+          <a:p>
+            <a:pPr>
+              <a:buClr>
+                <a:srgbClr val="92D050"/>
+              </a:buClr>
+            </a:pPr>
+            <a:r>
+              <a:rPr lang="ru-RU" sz="1800" dirty="0" err="1"/>
+              <a:t>int</a:t>
+            </a:r>
+            <a:r>
+              <a:rPr lang="ru-RU" sz="1800" dirty="0"/>
+              <a:t>()</a:t>
+            </a:r>
+          </a:p>
+          <a:p>
+            <a:pPr>
+              <a:buClr>
+                <a:srgbClr val="92D050"/>
+              </a:buClr>
+            </a:pPr>
+            <a:r>
+              <a:rPr lang="ru-RU" sz="1800" dirty="0" err="1"/>
+              <a:t>str</a:t>
+            </a:r>
+            <a:r>
+              <a:rPr lang="ru-RU" sz="1800" dirty="0"/>
+              <a:t>()</a:t>
+            </a:r>
+          </a:p>
+          <a:p>
+            <a:pPr>
+              <a:buClr>
+                <a:srgbClr val="92D050"/>
+              </a:buClr>
+            </a:pPr>
+            <a:r>
+              <a:rPr lang="ru-RU" sz="1800" dirty="0" err="1"/>
+              <a:t>bool</a:t>
+            </a:r>
+            <a:r>
+              <a:rPr lang="ru-RU" sz="1800" dirty="0"/>
+              <a:t>()</a:t>
+            </a:r>
+          </a:p>
+          <a:p>
+            <a:pPr marL="0" indent="0">
+              <a:buNone/>
+              <a:defRPr/>
+            </a:pPr>
+            <a:endParaRPr sz="1800" dirty="0"/>
+          </a:p>
+        </p:txBody>
+      </p:sp>
+      <p:sp>
+        <p:nvSpPr>
+          <p:cNvPr id="8" name="Прямоугольник 7"/>
+          <p:cNvSpPr/>
+          <p:nvPr/>
+        </p:nvSpPr>
+        <p:spPr bwMode="auto">
+          <a:xfrm>
+            <a:off x="838197" y="1340768"/>
+            <a:ext cx="2016000" cy="45720"/>
+          </a:xfrm>
+          <a:prstGeom prst="rect">
+            <a:avLst/>
+          </a:prstGeom>
+          <a:solidFill>
+            <a:srgbClr val="92D050"/>
+          </a:solidFill>
+          <a:ln w="12700" cap="flat" cmpd="sng" algn="ctr">
+            <a:noFill/>
+            <a:prstDash val="solid"/>
+            <a:miter/>
+          </a:ln>
+        </p:spPr>
+        <p:style>
+          <a:lnRef idx="2">
+            <a:schemeClr val="accent1">
+              <a:shade val="50000"/>
+            </a:schemeClr>
+          </a:lnRef>
+          <a:fillRef idx="1">
+            <a:schemeClr val="accent1"/>
+          </a:fillRef>
+          <a:effectRef idx="0">
+            <a:schemeClr val="accent1"/>
+          </a:effectRef>
+          <a:fontRef idx="minor">
+            <a:schemeClr val="lt1"/>
+          </a:fontRef>
+        </p:style>
+      </p:sp>
+      <p:pic>
+        <p:nvPicPr>
+          <p:cNvPr id="9" name="Picture 4" descr="https://steamuserimages-a.akamaihd.net/ugc/946219835806282284/D1179AA95880DECCFFA1DADF06C4084941FF94F4/?imw=512&amp;amp;imh=512&amp;amp;ima=fit&amp;amp;impolicy=Letterbox&amp;amp;imcolor=%23000000&amp;amp;letterbox=true">
+            <a:extLst>
+              <a:ext uri="{FF2B5EF4-FFF2-40B4-BE49-F238E27FC236}">
+                <a16:creationId xmlns:a16="http://schemas.microsoft.com/office/drawing/2014/main" id="{0D82D801-48BD-4FCA-AC83-570ABE1B153F}"/>
+              </a:ext>
+            </a:extLst>
+          </p:cNvPr>
+          <p:cNvPicPr>
+            <a:picLocks noChangeAspect="1" noChangeArrowheads="1"/>
+          </p:cNvPicPr>
+          <p:nvPr/>
+        </p:nvPicPr>
+        <p:blipFill>
+          <a:blip r:embed="rId2" cstate="print">
+            <a:extLst>
+              <a:ext uri="{28A0092B-C50C-407E-A947-70E740481C1C}">
+                <a14:useLocalDpi xmlns:a14="http://schemas.microsoft.com/office/drawing/2010/main" val="0"/>
+              </a:ext>
+            </a:extLst>
+          </a:blip>
+          <a:srcRect/>
+          <a:stretch>
+            <a:fillRect/>
+          </a:stretch>
+        </p:blipFill>
+        <p:spPr bwMode="auto">
+          <a:xfrm flipH="1">
+            <a:off x="335360" y="188641"/>
+            <a:ext cx="576064" cy="576064"/>
+          </a:xfrm>
+          <a:prstGeom prst="rect">
+            <a:avLst/>
+          </a:prstGeom>
+          <a:noFill/>
+          <a:extLst>
+            <a:ext uri="{909E8E84-426E-40DD-AFC4-6F175D3DCCD1}">
+              <a14:hiddenFill xmlns:a14="http://schemas.microsoft.com/office/drawing/2010/main">
+                <a:solidFill>
+                  <a:srgbClr val="FFFFFF"/>
+                </a:solidFill>
+              </a14:hiddenFill>
+            </a:ext>
+          </a:extLst>
+        </p:spPr>
+      </p:pic>
+    </p:spTree>
+    <p:extLst>
+      <p:ext uri="{BB962C8B-B14F-4D97-AF65-F5344CB8AC3E}">
+        <p14:creationId xmlns:p14="http://schemas.microsoft.com/office/powerpoint/2010/main" val="1806602001"/>
+      </p:ext>
+    </p:extLst>
+  </p:cSld>
+  <p:clrMapOvr>
+    <a:masterClrMapping/>
+  </p:clrMapOvr>
+</p:sld>
+</file>
+
+<file path=ppt/slides/slide11.xml><?xml version="1.0" encoding="utf-8"?>
+<p:sld xmlns:a="http://schemas.openxmlformats.org/drawingml/2006/main" xmlns:r="http://schemas.openxmlformats.org/officeDocument/2006/relationships" xmlns:p="http://schemas.openxmlformats.org/presentationml/2006/main" showMasterPhAnim="0">
+  <p:cSld>
+    <p:bg>
+      <p:bgPr>
+        <a:gradFill>
+          <a:gsLst>
+            <a:gs pos="22000">
+              <a:schemeClr val="tx1">
+                <a:lumMod val="85000"/>
+                <a:lumOff val="15000"/>
+              </a:schemeClr>
+            </a:gs>
+            <a:gs pos="100000">
+              <a:schemeClr val="tx1">
+                <a:lumMod val="75000"/>
+                <a:lumOff val="25000"/>
+              </a:schemeClr>
+            </a:gs>
+          </a:gsLst>
+          <a:lin ang="2700000" scaled="1"/>
+        </a:gradFill>
+        <a:effectLst/>
+      </p:bgPr>
+    </p:bg>
+    <p:spTree>
+      <p:nvGrpSpPr>
+        <p:cNvPr id="1" name=""/>
+        <p:cNvGrpSpPr/>
+        <p:nvPr/>
+      </p:nvGrpSpPr>
+      <p:grpSpPr bwMode="auto">
+        <a:xfrm>
+          <a:off x="0" y="0"/>
+          <a:ext cx="0" cy="0"/>
+          <a:chOff x="0" y="0"/>
+          <a:chExt cx="0" cy="0"/>
+        </a:xfrm>
+      </p:grpSpPr>
+      <p:sp>
+        <p:nvSpPr>
+          <p:cNvPr id="4" name=" 3"/>
+          <p:cNvSpPr/>
+          <p:nvPr/>
+        </p:nvSpPr>
+        <p:spPr bwMode="auto">
+          <a:xfrm>
+            <a:off x="4952998" y="-6901065"/>
+            <a:ext cx="11430000" cy="11430000"/>
+          </a:xfrm>
+        </p:spPr>
+        <p:txBody>
+          <a:bodyPr rot="0" spcFirstLastPara="0" vertOverflow="overflow" horzOverflow="clip" vert="horz" wrap="square" lIns="91440" tIns="45720" rIns="91440" bIns="45720" numCol="1" spcCol="0" rtlCol="0" fromWordArt="0" anchor="t" anchorCtr="0" forceAA="0" compatLnSpc="1">
+            <a:prstTxWarp prst="textNoShape">
+              <a:avLst/>
+            </a:prstTxWarp>
+            <a:noAutofit/>
+          </a:bodyPr>
+          <a:lstStyle/>
+          <a:p>
+            <a:pPr>
+              <a:defRPr/>
+            </a:pPr>
+            <a:endParaRPr/>
+          </a:p>
+        </p:txBody>
+      </p:sp>
+      <p:sp>
+        <p:nvSpPr>
+          <p:cNvPr id="5" name=" 4"/>
+          <p:cNvSpPr/>
+          <p:nvPr/>
+        </p:nvSpPr>
+        <p:spPr bwMode="auto">
+          <a:xfrm>
+            <a:off x="8109783" y="3313342"/>
+            <a:ext cx="8572500" cy="6286500"/>
+          </a:xfrm>
+        </p:spPr>
+        <p:txBody>
+          <a:bodyPr rot="0" spcFirstLastPara="0" vertOverflow="overflow" horzOverflow="clip" vert="horz" wrap="square" lIns="91440" tIns="45720" rIns="91440" bIns="45720" numCol="1" spcCol="0" rtlCol="0" fromWordArt="0" anchor="t" anchorCtr="0" forceAA="0" compatLnSpc="1">
+            <a:prstTxWarp prst="textNoShape">
+              <a:avLst/>
+            </a:prstTxWarp>
+            <a:noAutofit/>
+          </a:bodyPr>
+          <a:lstStyle/>
+          <a:p>
+            <a:pPr>
+              <a:defRPr/>
+            </a:pPr>
+            <a:endParaRPr/>
+          </a:p>
+        </p:txBody>
+      </p:sp>
+      <p:sp>
+        <p:nvSpPr>
+          <p:cNvPr id="6" name="Slide Number Placeholder 5"/>
+          <p:cNvSpPr>
+            <a:spLocks noGrp="1"/>
+          </p:cNvSpPr>
+          <p:nvPr>
+            <p:ph type="sldNum" sz="quarter" idx="12"/>
+          </p:nvPr>
+        </p:nvSpPr>
+        <p:spPr bwMode="auto"/>
+        <p:txBody>
+          <a:bodyPr/>
+          <a:lstStyle/>
+          <a:p>
+            <a:pPr>
+              <a:defRPr/>
+            </a:pPr>
+            <a:fld id="{DC52D7F1-D349-43D0-7FFD-1213C7F744D2}" type="slidenum">
+              <a:rPr lang="ru-RU"/>
+              <a:t>11</a:t>
+            </a:fld>
+            <a:endParaRPr lang="ru-RU"/>
+          </a:p>
+        </p:txBody>
+      </p:sp>
+      <p:sp>
+        <p:nvSpPr>
+          <p:cNvPr id="7" name="Title 1"/>
+          <p:cNvSpPr>
+            <a:spLocks noGrp="1"/>
+          </p:cNvSpPr>
+          <p:nvPr>
+            <p:ph type="title"/>
+          </p:nvPr>
+        </p:nvSpPr>
+        <p:spPr bwMode="auto">
+          <a:xfrm>
+            <a:off x="838199" y="365124"/>
+            <a:ext cx="10515600" cy="1325562"/>
+          </a:xfrm>
+        </p:spPr>
+        <p:txBody>
+          <a:bodyPr/>
+          <a:lstStyle/>
+          <a:p>
+            <a:r>
+              <a:rPr lang="ru-RU" dirty="0" err="1">
+                <a:solidFill>
+                  <a:schemeClr val="bg1"/>
+                </a:solidFill>
+              </a:rPr>
+              <a:t>Коментарии</a:t>
+            </a:r>
+            <a:endParaRPr lang="en-US" dirty="0">
+              <a:solidFill>
+                <a:schemeClr val="bg1"/>
+              </a:solidFill>
+            </a:endParaRPr>
+          </a:p>
+        </p:txBody>
+      </p:sp>
+      <p:sp>
+        <p:nvSpPr>
+          <p:cNvPr id="8" name="Content Placeholder 2"/>
+          <p:cNvSpPr>
+            <a:spLocks noGrp="1"/>
+          </p:cNvSpPr>
+          <p:nvPr>
+            <p:ph idx="1"/>
+          </p:nvPr>
+        </p:nvSpPr>
+        <p:spPr bwMode="auto"/>
+        <p:txBody>
+          <a:bodyPr vertOverflow="overflow" horzOverflow="clip" vert="horz" wrap="square" lIns="91440" tIns="45720" rIns="91440" bIns="45720" numCol="1" spcCol="0" rtlCol="0" fromWordArt="0" anchor="t" anchorCtr="0" forceAA="0" compatLnSpc="0">
+            <a:normAutofit/>
+          </a:bodyPr>
+          <a:lstStyle/>
+          <a:p>
+            <a:pPr marL="0" marR="0" indent="0">
+              <a:spcBef>
+                <a:spcPts val="0"/>
+              </a:spcBef>
+              <a:spcAft>
+                <a:spcPts val="0"/>
+              </a:spcAft>
+              <a:buNone/>
+            </a:pPr>
+            <a:r>
+              <a:rPr lang="ru-RU" sz="2000" dirty="0">
+                <a:solidFill>
+                  <a:schemeClr val="bg1"/>
+                </a:solidFill>
+                <a:latin typeface="Calibri" panose="020F0502020204030204" pitchFamily="34" charset="0"/>
+              </a:rPr>
+              <a:t>Это текст, который присутствует в коде программы, но игнорируются интерпретатором. </a:t>
+            </a:r>
+          </a:p>
+          <a:p>
+            <a:pPr marL="0" marR="0" indent="0">
+              <a:spcBef>
+                <a:spcPts val="0"/>
+              </a:spcBef>
+              <a:spcAft>
+                <a:spcPts val="0"/>
+              </a:spcAft>
+              <a:buNone/>
+            </a:pPr>
+            <a:endParaRPr lang="ru-RU" sz="2000" dirty="0">
+              <a:solidFill>
+                <a:schemeClr val="bg1"/>
+              </a:solidFill>
+              <a:latin typeface="Calibri" panose="020F0502020204030204" pitchFamily="34" charset="0"/>
+            </a:endParaRPr>
+          </a:p>
+          <a:p>
+            <a:pPr marL="0" marR="0" indent="0">
+              <a:spcBef>
+                <a:spcPts val="0"/>
+              </a:spcBef>
+              <a:spcAft>
+                <a:spcPts val="0"/>
+              </a:spcAft>
+              <a:buNone/>
+            </a:pPr>
+            <a:r>
+              <a:rPr lang="ru-RU" sz="2000" dirty="0">
+                <a:solidFill>
+                  <a:schemeClr val="bg1"/>
+                </a:solidFill>
+                <a:latin typeface="Calibri" panose="020F0502020204030204" pitchFamily="34" charset="0"/>
+              </a:rPr>
+              <a:t>Используются для того, чтобы добавить объяснение для определенного блока кода. </a:t>
+            </a:r>
+          </a:p>
+          <a:p>
+            <a:pPr marL="0" marR="0" indent="0">
+              <a:spcBef>
+                <a:spcPts val="0"/>
+              </a:spcBef>
+              <a:spcAft>
+                <a:spcPts val="0"/>
+              </a:spcAft>
+              <a:buNone/>
+            </a:pPr>
+            <a:endParaRPr lang="ru-RU" sz="2000" dirty="0">
+              <a:solidFill>
+                <a:schemeClr val="bg1"/>
+              </a:solidFill>
+              <a:latin typeface="Calibri" panose="020F0502020204030204" pitchFamily="34" charset="0"/>
+            </a:endParaRPr>
+          </a:p>
+          <a:p>
+            <a:pPr marL="0" marR="0" indent="0">
+              <a:spcBef>
+                <a:spcPts val="0"/>
+              </a:spcBef>
+              <a:spcAft>
+                <a:spcPts val="0"/>
+              </a:spcAft>
+              <a:buNone/>
+            </a:pPr>
+            <a:r>
+              <a:rPr lang="ru-RU" sz="2000" dirty="0">
+                <a:solidFill>
+                  <a:schemeClr val="bg1"/>
+                </a:solidFill>
+                <a:latin typeface="Calibri" panose="020F0502020204030204" pitchFamily="34" charset="0"/>
+              </a:rPr>
+              <a:t>Написание комментария начинается с символа #.</a:t>
+            </a:r>
+          </a:p>
+        </p:txBody>
+      </p:sp>
+      <p:sp>
+        <p:nvSpPr>
+          <p:cNvPr id="9" name="Прямоугольник 8"/>
+          <p:cNvSpPr/>
+          <p:nvPr/>
+        </p:nvSpPr>
+        <p:spPr bwMode="auto">
+          <a:xfrm>
+            <a:off x="838198" y="1412776"/>
+            <a:ext cx="3312000" cy="45720"/>
+          </a:xfrm>
+          <a:prstGeom prst="rect">
+            <a:avLst/>
+          </a:prstGeom>
+          <a:solidFill>
+            <a:schemeClr val="bg1"/>
+          </a:solidFill>
+          <a:ln w="12700" cap="flat" cmpd="sng" algn="ctr">
+            <a:noFill/>
+            <a:prstDash val="solid"/>
+            <a:miter/>
+          </a:ln>
+        </p:spPr>
+        <p:style>
+          <a:lnRef idx="2">
+            <a:schemeClr val="accent1">
+              <a:shade val="50000"/>
+            </a:schemeClr>
+          </a:lnRef>
+          <a:fillRef idx="1">
+            <a:schemeClr val="accent1"/>
+          </a:fillRef>
+          <a:effectRef idx="0">
+            <a:schemeClr val="accent1"/>
+          </a:effectRef>
+          <a:fontRef idx="minor">
+            <a:schemeClr val="lt1"/>
+          </a:fontRef>
+        </p:style>
+      </p:sp>
+      <p:pic>
+        <p:nvPicPr>
+          <p:cNvPr id="10" name="Picture 4" descr="https://steamuserimages-a.akamaihd.net/ugc/946219835806282284/D1179AA95880DECCFFA1DADF06C4084941FF94F4/?imw=512&amp;amp;imh=512&amp;amp;ima=fit&amp;amp;impolicy=Letterbox&amp;amp;imcolor=%23000000&amp;amp;letterbox=true">
+            <a:extLst>
+              <a:ext uri="{FF2B5EF4-FFF2-40B4-BE49-F238E27FC236}">
+                <a16:creationId xmlns:a16="http://schemas.microsoft.com/office/drawing/2014/main" id="{69D277B4-9BD7-4527-BD11-89F255DF8C8E}"/>
+              </a:ext>
+            </a:extLst>
+          </p:cNvPr>
+          <p:cNvPicPr>
+            <a:picLocks noChangeAspect="1" noChangeArrowheads="1"/>
+          </p:cNvPicPr>
+          <p:nvPr/>
+        </p:nvPicPr>
+        <p:blipFill>
+          <a:blip r:embed="rId2" cstate="print">
+            <a:extLst>
+              <a:ext uri="{28A0092B-C50C-407E-A947-70E740481C1C}">
+                <a14:useLocalDpi xmlns:a14="http://schemas.microsoft.com/office/drawing/2010/main" val="0"/>
+              </a:ext>
+            </a:extLst>
+          </a:blip>
+          <a:srcRect/>
+          <a:stretch>
+            <a:fillRect/>
+          </a:stretch>
+        </p:blipFill>
+        <p:spPr bwMode="auto">
+          <a:xfrm flipH="1">
+            <a:off x="335360" y="188641"/>
+            <a:ext cx="576064" cy="576064"/>
+          </a:xfrm>
+          <a:prstGeom prst="rect">
+            <a:avLst/>
+          </a:prstGeom>
+          <a:noFill/>
+          <a:extLst>
+            <a:ext uri="{909E8E84-426E-40DD-AFC4-6F175D3DCCD1}">
+              <a14:hiddenFill xmlns:a14="http://schemas.microsoft.com/office/drawing/2010/main">
+                <a:solidFill>
+                  <a:srgbClr val="FFFFFF"/>
+                </a:solidFill>
+              </a14:hiddenFill>
+            </a:ext>
+          </a:extLst>
+        </p:spPr>
+      </p:pic>
+    </p:spTree>
+    <p:extLst>
+      <p:ext uri="{BB962C8B-B14F-4D97-AF65-F5344CB8AC3E}">
+        <p14:creationId xmlns:p14="http://schemas.microsoft.com/office/powerpoint/2010/main" val="3106553708"/>
+      </p:ext>
+    </p:extLst>
   </p:cSld>
   <p:clrMapOvr>
     <a:masterClrMapping/>
